--- a/ppt/4_内存管理_分段.pptx
+++ b/ppt/4_内存管理_分段.pptx
@@ -273,7 +273,7 @@
           <a:p>
             <a:fld id="{25239B2F-0F50-4DD2-AFF0-5AD65435FA39}" type="datetimeFigureOut">
               <a:rPr lang="zh-CN" altLang="en-US" smtClean="0"/>
-              <a:t>2025/03/26</a:t>
+              <a:t>2025/03/31</a:t>
             </a:fld>
             <a:endParaRPr lang="zh-CN" altLang="en-US"/>
           </a:p>
@@ -451,7 +451,7 @@
           <a:p>
             <a:fld id="{F3F10C42-C15F-4A21-90B7-1EA21CFD4452}" type="datetimeFigureOut">
               <a:rPr lang="zh-CN" altLang="en-US" smtClean="0"/>
-              <a:t>2025/03/26</a:t>
+              <a:t>2025/03/31</a:t>
             </a:fld>
             <a:endParaRPr lang="zh-CN" altLang="en-US"/>
           </a:p>
@@ -1050,7 +1050,7 @@
           <a:p>
             <a:fld id="{AE214366-5FB2-49C3-BB65-B979D2FAD098}" type="datetime1">
               <a:rPr lang="zh-CN" altLang="en-US" smtClean="0"/>
-              <a:t>2025/03/26</a:t>
+              <a:t>2025/03/31</a:t>
             </a:fld>
             <a:endParaRPr lang="zh-CN" altLang="en-US"/>
           </a:p>
@@ -1258,7 +1258,7 @@
           <a:p>
             <a:fld id="{04BC6C44-F673-46E9-8025-7385D4D32FDE}" type="datetime1">
               <a:rPr lang="zh-CN" altLang="en-US" smtClean="0"/>
-              <a:t>2025/03/26</a:t>
+              <a:t>2025/03/31</a:t>
             </a:fld>
             <a:endParaRPr lang="zh-CN" altLang="en-US"/>
           </a:p>
@@ -1802,7 +1802,7 @@
           <a:p>
             <a:fld id="{2B70573D-5408-47A7-B81F-E30CA5085A27}" type="datetime1">
               <a:rPr lang="zh-CN" altLang="en-US" smtClean="0"/>
-              <a:t>2025/03/26</a:t>
+              <a:t>2025/03/31</a:t>
             </a:fld>
             <a:endParaRPr lang="zh-CN" altLang="en-US"/>
           </a:p>
@@ -2067,7 +2067,7 @@
           <a:p>
             <a:fld id="{62468019-71FB-4D17-9B3C-F6A5314A34D2}" type="datetime1">
               <a:rPr lang="zh-CN" altLang="en-US" smtClean="0"/>
-              <a:t>2025/03/26</a:t>
+              <a:t>2025/03/31</a:t>
             </a:fld>
             <a:endParaRPr lang="zh-CN" altLang="en-US"/>
           </a:p>
@@ -2479,7 +2479,7 @@
           <a:p>
             <a:fld id="{4AB419BE-49FF-45D0-B257-7BC605413B3A}" type="datetime1">
               <a:rPr lang="zh-CN" altLang="en-US" smtClean="0"/>
-              <a:t>2025/03/26</a:t>
+              <a:t>2025/03/31</a:t>
             </a:fld>
             <a:endParaRPr lang="zh-CN" altLang="en-US"/>
           </a:p>
@@ -2620,7 +2620,7 @@
           <a:p>
             <a:fld id="{6319E9FC-0AA5-46B6-8E94-55EADC6DCFFF}" type="datetime1">
               <a:rPr lang="zh-CN" altLang="en-US" smtClean="0"/>
-              <a:t>2025/03/26</a:t>
+              <a:t>2025/03/31</a:t>
             </a:fld>
             <a:endParaRPr lang="zh-CN" altLang="en-US"/>
           </a:p>
@@ -2733,7 +2733,7 @@
           <a:p>
             <a:fld id="{FCFA6577-5736-496A-8F6D-C0BE13E9BEE0}" type="datetime1">
               <a:rPr lang="zh-CN" altLang="en-US" smtClean="0"/>
-              <a:t>2025/03/26</a:t>
+              <a:t>2025/03/31</a:t>
             </a:fld>
             <a:endParaRPr lang="zh-CN" altLang="en-US"/>
           </a:p>
@@ -3044,7 +3044,7 @@
           <a:p>
             <a:fld id="{10D62EDE-3CF3-4C9B-9666-764136C001DF}" type="datetime1">
               <a:rPr lang="zh-CN" altLang="en-US" smtClean="0"/>
-              <a:t>2025/03/26</a:t>
+              <a:t>2025/03/31</a:t>
             </a:fld>
             <a:endParaRPr lang="zh-CN" altLang="en-US"/>
           </a:p>
@@ -3332,7 +3332,7 @@
           <a:p>
             <a:fld id="{E31DF0E5-AB3E-4E91-8924-10EB10A38894}" type="datetime1">
               <a:rPr lang="zh-CN" altLang="en-US" smtClean="0"/>
-              <a:t>2025/03/26</a:t>
+              <a:t>2025/03/31</a:t>
             </a:fld>
             <a:endParaRPr lang="zh-CN" altLang="en-US"/>
           </a:p>
@@ -3573,7 +3573,7 @@
           <a:p>
             <a:fld id="{2E8DB3C8-7D21-4109-A2E4-E02A745546D7}" type="datetime1">
               <a:rPr lang="zh-CN" altLang="en-US" smtClean="0"/>
-              <a:t>2025/03/26</a:t>
+              <a:t>2025/03/31</a:t>
             </a:fld>
             <a:endParaRPr lang="zh-CN" altLang="en-US"/>
           </a:p>
@@ -8635,11 +8635,27 @@
             </a:r>
             <a:r>
               <a:rPr lang="zh-CN" altLang="en-US" dirty="0"/>
-              <a:t>会切换到其他进程运行</a:t>
+              <a:t>会切换到其他进程运行，以提高</a:t>
+            </a:r>
+            <a:r>
+              <a:rPr lang="en-US" altLang="zh-CN" dirty="0"/>
+              <a:t>CPU</a:t>
+            </a:r>
+            <a:r>
+              <a:rPr lang="zh-CN" altLang="en-US" dirty="0"/>
+              <a:t>利用率</a:t>
             </a:r>
             <a:endParaRPr lang="en-US" altLang="zh-CN" dirty="0"/>
           </a:p>
           <a:p>
+            <a:pPr lvl="1"/>
+            <a:r>
+              <a:rPr lang="zh-CN" altLang="en-US" dirty="0"/>
+              <a:t>对于昂贵的计算机设备，这种效率提升尤为重要</a:t>
+            </a:r>
+            <a:endParaRPr lang="en-US" altLang="zh-CN" dirty="0"/>
+          </a:p>
+          <a:p>
             <a:r>
               <a:rPr lang="zh-CN" altLang="en-US" dirty="0"/>
               <a:t>时分共享</a:t>
@@ -8650,7 +8666,19 @@
             <a:pPr lvl="1"/>
             <a:r>
               <a:rPr lang="zh-CN" altLang="en-US" dirty="0"/>
-              <a:t>一种方法：一个进程独享内存一段时间，把状态保存到磁盘，切换到下一个进程</a:t>
+              <a:t>一种方法：一个进程</a:t>
+            </a:r>
+            <a:r>
+              <a:rPr lang="zh-CN" altLang="en-US" dirty="0">
+                <a:solidFill>
+                  <a:srgbClr val="FF0000"/>
+                </a:solidFill>
+              </a:rPr>
+              <a:t>独享</a:t>
+            </a:r>
+            <a:r>
+              <a:rPr lang="zh-CN" altLang="en-US" dirty="0"/>
+              <a:t>内存一段时间，把状态保存到磁盘，切换到下一个进程</a:t>
             </a:r>
             <a:r>
               <a:rPr lang="en-US" altLang="zh-CN" dirty="0"/>
@@ -8690,6 +8718,14 @@
             <a:r>
               <a:rPr lang="zh-CN" altLang="en-US" dirty="0"/>
               <a:t>成了重要问题</a:t>
+            </a:r>
+            <a:endParaRPr lang="en-US" altLang="zh-CN" dirty="0"/>
+          </a:p>
+          <a:p>
+            <a:pPr lvl="2"/>
+            <a:r>
+              <a:rPr lang="zh-CN" altLang="en-US" dirty="0"/>
+              <a:t>一个进程不能读写其他进程的内存空间</a:t>
             </a:r>
             <a:endParaRPr lang="en-US" altLang="zh-CN" dirty="0"/>
           </a:p>
@@ -8751,8 +8787,8 @@
         </p:blipFill>
         <p:spPr>
           <a:xfrm>
-            <a:off x="8252380" y="3109844"/>
-            <a:ext cx="2488624" cy="3504812"/>
+            <a:off x="8044971" y="3524138"/>
+            <a:ext cx="2232090" cy="3143526"/>
           </a:xfrm>
           <a:prstGeom prst="rect">
             <a:avLst/>
@@ -11648,80 +11684,34 @@
         </p:nvSpPr>
         <p:spPr/>
         <p:txBody>
-          <a:bodyPr/>
-          <a:lstStyle/>
-          <a:p>
-            <a:r>
-              <a:rPr lang="zh-CN" altLang="en-US" dirty="0"/>
-              <a:t>地址空间：运行的程序看到的系统中的内存</a:t>
+          <a:bodyPr>
+            <a:normAutofit lnSpcReduction="10000"/>
+          </a:bodyPr>
+          <a:lstStyle/>
+          <a:p>
+            <a:r>
+              <a:rPr lang="zh-CN" altLang="en-US" dirty="0"/>
+              <a:t>地址空间</a:t>
             </a:r>
             <a:endParaRPr lang="en-US" altLang="zh-CN" dirty="0"/>
           </a:p>
           <a:p>
-            <a:r>
-              <a:rPr lang="zh-CN" altLang="en-US" dirty="0"/>
-              <a:t>一个进程的地址空间</a:t>
+            <a:pPr lvl="1"/>
+            <a:r>
+              <a:rPr lang="zh-CN" altLang="en-US" dirty="0"/>
+              <a:t>运行的程序看到的系统中的内存</a:t>
             </a:r>
             <a:endParaRPr lang="en-US" altLang="zh-CN" dirty="0"/>
           </a:p>
           <a:p>
             <a:pPr lvl="1"/>
             <a:r>
-              <a:rPr lang="zh-CN" altLang="en-US" dirty="0"/>
-              <a:t>代码</a:t>
-            </a:r>
-            <a:r>
-              <a:rPr lang="en-US" altLang="zh-CN" dirty="0"/>
-              <a:t>(code)</a:t>
-            </a:r>
-          </a:p>
-          <a:p>
-            <a:pPr lvl="1"/>
-            <a:r>
-              <a:rPr lang="zh-CN" altLang="en-US" dirty="0"/>
-              <a:t>栈</a:t>
-            </a:r>
-            <a:r>
-              <a:rPr lang="en-US" altLang="zh-CN" dirty="0"/>
-              <a:t>(stack)</a:t>
-            </a:r>
-          </a:p>
-          <a:p>
-            <a:pPr lvl="1"/>
-            <a:r>
-              <a:rPr lang="zh-CN" altLang="en-US" dirty="0"/>
-              <a:t>堆</a:t>
-            </a:r>
-            <a:r>
-              <a:rPr lang="en-US" altLang="zh-CN" dirty="0"/>
-              <a:t>(heap)</a:t>
-            </a:r>
-          </a:p>
-          <a:p>
-            <a:pPr lvl="1"/>
-            <a:r>
-              <a:rPr lang="zh-CN" altLang="en-US" dirty="0"/>
-              <a:t>数据</a:t>
-            </a:r>
-            <a:r>
-              <a:rPr lang="en-US" altLang="zh-CN" dirty="0"/>
-              <a:t>(data)</a:t>
-            </a:r>
-          </a:p>
-          <a:p>
-            <a:r>
-              <a:rPr lang="zh-CN" altLang="en-US" dirty="0"/>
-              <a:t>上述地址空间是操作系统为</a:t>
-            </a:r>
-            <a:endParaRPr lang="en-US" altLang="zh-CN" dirty="0"/>
-          </a:p>
-          <a:p>
-            <a:pPr marL="0" indent="0">
-              <a:buNone/>
-            </a:pPr>
-            <a:r>
-              <a:rPr lang="zh-CN" altLang="en-US" dirty="0"/>
-              <a:t>  进程提供的内存</a:t>
+              <a:rPr lang="en-US" altLang="zh-CN" dirty="0"/>
+              <a:t>OS</a:t>
+            </a:r>
+            <a:r>
+              <a:rPr lang="zh-CN" altLang="en-US" dirty="0"/>
+              <a:t>提供对于物理内存的</a:t>
             </a:r>
             <a:r>
               <a:rPr lang="zh-CN" altLang="en-US" dirty="0">
@@ -11732,12 +11722,88 @@
               <a:t>抽象</a:t>
             </a:r>
             <a:r>
-              <a:rPr lang="en-US" altLang="zh-CN" dirty="0"/>
-              <a:t>(</a:t>
-            </a:r>
-            <a:r>
-              <a:rPr lang="en-US" altLang="zh-CN"/>
-              <a:t>abstract)</a:t>
+              <a:rPr lang="zh-CN" altLang="en-US" dirty="0"/>
+              <a:t>，这种抽象被称为地址空间</a:t>
+            </a:r>
+            <a:endParaRPr lang="en-US" altLang="zh-CN" dirty="0"/>
+          </a:p>
+          <a:p>
+            <a:r>
+              <a:rPr lang="zh-CN" altLang="en-US" dirty="0"/>
+              <a:t>一个进程的地址空间</a:t>
+            </a:r>
+            <a:endParaRPr lang="en-US" altLang="zh-CN" dirty="0"/>
+          </a:p>
+          <a:p>
+            <a:pPr lvl="1"/>
+            <a:r>
+              <a:rPr lang="zh-CN" altLang="en-US" dirty="0"/>
+              <a:t>代码</a:t>
+            </a:r>
+            <a:r>
+              <a:rPr lang="en-US" altLang="zh-CN" dirty="0"/>
+              <a:t>(code)</a:t>
+            </a:r>
+          </a:p>
+          <a:p>
+            <a:pPr lvl="1"/>
+            <a:r>
+              <a:rPr lang="zh-CN" altLang="en-US" dirty="0"/>
+              <a:t>栈</a:t>
+            </a:r>
+            <a:r>
+              <a:rPr lang="en-US" altLang="zh-CN" dirty="0"/>
+              <a:t>(stack)</a:t>
+            </a:r>
+          </a:p>
+          <a:p>
+            <a:pPr lvl="1"/>
+            <a:r>
+              <a:rPr lang="zh-CN" altLang="en-US" dirty="0"/>
+              <a:t>堆</a:t>
+            </a:r>
+            <a:r>
+              <a:rPr lang="en-US" altLang="zh-CN" dirty="0"/>
+              <a:t>(heap)</a:t>
+            </a:r>
+          </a:p>
+          <a:p>
+            <a:pPr lvl="1"/>
+            <a:r>
+              <a:rPr lang="zh-CN" altLang="en-US" dirty="0"/>
+              <a:t>数据</a:t>
+            </a:r>
+            <a:r>
+              <a:rPr lang="en-US" altLang="zh-CN" dirty="0"/>
+              <a:t>(data)</a:t>
+            </a:r>
+          </a:p>
+          <a:p>
+            <a:r>
+              <a:rPr lang="zh-CN" altLang="en-US" dirty="0"/>
+              <a:t>上述地址空间是操作系统为</a:t>
+            </a:r>
+            <a:endParaRPr lang="en-US" altLang="zh-CN" dirty="0"/>
+          </a:p>
+          <a:p>
+            <a:pPr marL="0" indent="0">
+              <a:buNone/>
+            </a:pPr>
+            <a:r>
+              <a:rPr lang="zh-CN" altLang="en-US" dirty="0"/>
+              <a:t>  进程提供的内存</a:t>
+            </a:r>
+            <a:r>
+              <a:rPr lang="zh-CN" altLang="en-US" dirty="0">
+                <a:solidFill>
+                  <a:srgbClr val="FF0000"/>
+                </a:solidFill>
+              </a:rPr>
+              <a:t>抽象</a:t>
+            </a:r>
+            <a:r>
+              <a:rPr lang="en-US" altLang="zh-CN" dirty="0"/>
+              <a:t>(abstract)</a:t>
             </a:r>
           </a:p>
           <a:p>
@@ -11804,8 +11870,8 @@
         </p:blipFill>
         <p:spPr>
           <a:xfrm>
-            <a:off x="5682317" y="1571230"/>
-            <a:ext cx="4539758" cy="4427452"/>
+            <a:off x="7151722" y="2517913"/>
+            <a:ext cx="3766092" cy="3672925"/>
           </a:xfrm>
           <a:prstGeom prst="rect">
             <a:avLst/>
@@ -16483,6 +16549,33 @@
               <a:t>不会受到其他进程的影响</a:t>
             </a:r>
             <a:endParaRPr lang="en-US" altLang="zh-CN" dirty="0"/>
+          </a:p>
+          <a:p>
+            <a:pPr lvl="1"/>
+            <a:r>
+              <a:rPr lang="zh-CN" altLang="en-US" dirty="0"/>
+              <a:t>用户进程之间、用户进程和</a:t>
+            </a:r>
+            <a:r>
+              <a:rPr lang="en-US" altLang="zh-CN" dirty="0"/>
+              <a:t>OS</a:t>
+            </a:r>
+            <a:r>
+              <a:rPr lang="zh-CN" altLang="en-US" dirty="0"/>
+              <a:t>内核之间提供保护</a:t>
+            </a:r>
+            <a:r>
+              <a:rPr lang="en-US" altLang="zh-CN" dirty="0"/>
+              <a:t>(</a:t>
+            </a:r>
+            <a:r>
+              <a:rPr lang="zh-CN" altLang="en-US" dirty="0"/>
+              <a:t>通过隔离</a:t>
+            </a:r>
+            <a:r>
+              <a:rPr lang="en-US" altLang="zh-CN" dirty="0"/>
+              <a:t>isolation)</a:t>
+            </a:r>
           </a:p>
           <a:p>
             <a:pPr lvl="1"/>

--- a/ppt/4_内存管理_分段.pptx
+++ b/ppt/4_内存管理_分段.pptx
@@ -6954,6 +6954,25 @@
           <a:p>
             <a:pPr lvl="1"/>
             <a:r>
+              <a:rPr lang="zh-CN" altLang="en-US" dirty="0"/>
+              <a:t>例如，将用户进程的</a:t>
+            </a:r>
+            <a:r>
+              <a:rPr lang="en-US" altLang="zh-CN" dirty="0"/>
+              <a:t>16K</a:t>
+            </a:r>
+            <a:r>
+              <a:rPr lang="zh-CN" altLang="en-US" dirty="0"/>
+              <a:t>地址映射到</a:t>
+            </a:r>
+            <a:r>
+              <a:rPr lang="en-US" altLang="zh-CN" dirty="0"/>
+              <a:t>32K-48K</a:t>
+            </a:r>
+          </a:p>
+          <a:p>
+            <a:pPr lvl="1"/>
+            <a:r>
               <a:rPr lang="en-US" altLang="zh-CN" dirty="0"/>
               <a:t>OS</a:t>
             </a:r>
@@ -7140,6 +7159,18 @@
             </a:r>
           </a:p>
           <a:p>
+            <a:pPr lvl="1"/>
+            <a:r>
+              <a:rPr lang="en-US" altLang="zh-CN" dirty="0"/>
+              <a:t>1950</a:t>
+            </a:r>
+            <a:r>
+              <a:rPr lang="zh-CN" altLang="en-US" dirty="0"/>
+              <a:t>年的首个时分共享机器中出现</a:t>
+            </a:r>
+            <a:endParaRPr lang="en-US" altLang="zh-CN" dirty="0"/>
+          </a:p>
+          <a:p>
             <a:r>
               <a:rPr lang="zh-CN" altLang="en-US" dirty="0"/>
               <a:t>分段</a:t>
@@ -7657,6 +7688,41 @@
             <a:endParaRPr lang="en-US" altLang="zh-CN" dirty="0"/>
           </a:p>
           <a:p>
+            <a:pPr lvl="1"/>
+            <a:r>
+              <a:rPr lang="en-US" altLang="zh-CN" dirty="0"/>
+              <a:t>bound</a:t>
+            </a:r>
+            <a:r>
+              <a:rPr lang="zh-CN" altLang="en-US" dirty="0"/>
+              <a:t>寄存器中可以是虚拟地址空间的大小</a:t>
+            </a:r>
+            <a:r>
+              <a:rPr lang="zh-CN" altLang="en-US" dirty="0">
+                <a:solidFill>
+                  <a:srgbClr val="FF0000"/>
+                </a:solidFill>
+              </a:rPr>
+              <a:t>或</a:t>
+            </a:r>
+            <a:r>
+              <a:rPr lang="zh-CN" altLang="en-US" dirty="0"/>
+              <a:t>进程的能访问的最大物理地址</a:t>
+            </a:r>
+            <a:r>
+              <a:rPr lang="en-US" altLang="zh-CN" dirty="0"/>
+              <a:t>(</a:t>
+            </a:r>
+            <a:r>
+              <a:rPr lang="zh-CN" altLang="en-US" dirty="0"/>
+              <a:t>设计策略</a:t>
+            </a:r>
+            <a:r>
+              <a:rPr lang="en-US" altLang="zh-CN" dirty="0"/>
+              <a:t>)</a:t>
+            </a:r>
+          </a:p>
+          <a:p>
             <a:r>
               <a:rPr lang="zh-CN" altLang="en-US" dirty="0"/>
               <a:t>转换实例</a:t>
@@ -7694,6 +7760,25 @@
               <a:t>的物理内存</a:t>
             </a:r>
             <a:endParaRPr lang="en-US" altLang="zh-CN" dirty="0"/>
+          </a:p>
+          <a:p>
+            <a:pPr lvl="1"/>
+            <a:r>
+              <a:rPr lang="zh-CN" altLang="en-US" dirty="0"/>
+              <a:t>基址寄存器为</a:t>
+            </a:r>
+            <a:r>
+              <a:rPr lang="en-US" altLang="zh-CN" dirty="0"/>
+              <a:t>16KB</a:t>
+            </a:r>
+            <a:r>
+              <a:rPr lang="zh-CN" altLang="en-US" dirty="0"/>
+              <a:t>，界限寄存器为</a:t>
+            </a:r>
+            <a:r>
+              <a:rPr lang="en-US" altLang="zh-CN" dirty="0"/>
+              <a:t>4KB</a:t>
+            </a:r>
           </a:p>
           <a:p>
             <a:endParaRPr lang="zh-CN" altLang="en-US" dirty="0"/>
@@ -7756,7 +7841,7 @@
         </p:blipFill>
         <p:spPr>
           <a:xfrm>
-            <a:off x="700754" y="4196994"/>
+            <a:off x="6378130" y="4662583"/>
             <a:ext cx="5813870" cy="1821839"/>
           </a:xfrm>
           <a:prstGeom prst="rect">
@@ -7864,65 +7949,107 @@
               <a:rPr lang="zh-CN" altLang="en-US" dirty="0"/>
               <a:t>转换用户进程的虚拟地址到物理地址</a:t>
             </a:r>
+            <a:r>
+              <a:rPr lang="en-US" altLang="zh-CN" dirty="0"/>
+              <a:t>(</a:t>
+            </a:r>
+            <a:r>
+              <a:rPr lang="zh-CN" altLang="en-US" dirty="0"/>
+              <a:t>在运行时完成转换</a:t>
+            </a:r>
+            <a:r>
+              <a:rPr lang="en-US" altLang="zh-CN" dirty="0"/>
+              <a:t>)</a:t>
+            </a:r>
+          </a:p>
+          <a:p>
+            <a:r>
+              <a:rPr lang="zh-CN" altLang="en-US" dirty="0"/>
+              <a:t>检查地址是否越界</a:t>
+            </a:r>
             <a:endParaRPr lang="en-US" altLang="zh-CN" dirty="0"/>
           </a:p>
           <a:p>
             <a:r>
               <a:rPr lang="zh-CN" altLang="en-US" dirty="0"/>
-              <a:t>检查地址是否越界</a:t>
+              <a:t>提供一些特权指令，用于修改基址和界限寄存器</a:t>
+            </a:r>
+            <a:r>
+              <a:rPr lang="en-US" altLang="zh-CN" dirty="0"/>
+              <a:t>(OS</a:t>
+            </a:r>
+            <a:r>
+              <a:rPr lang="zh-CN" altLang="en-US" dirty="0"/>
+              <a:t>在进程切换时使用这些指令</a:t>
+            </a:r>
+            <a:r>
+              <a:rPr lang="en-US" altLang="zh-CN" dirty="0"/>
+              <a:t>)</a:t>
+            </a:r>
+          </a:p>
+          <a:p>
+            <a:r>
+              <a:rPr lang="en-US" altLang="zh-CN" dirty="0"/>
+              <a:t>CPU</a:t>
+            </a:r>
+            <a:r>
+              <a:rPr lang="zh-CN" altLang="en-US" dirty="0"/>
+              <a:t>产生异常，让</a:t>
+            </a:r>
+            <a:r>
+              <a:rPr lang="en-US" altLang="zh-CN" dirty="0"/>
+              <a:t>OS</a:t>
+            </a:r>
+            <a:r>
+              <a:rPr lang="zh-CN" altLang="en-US" dirty="0"/>
+              <a:t>来处理异常</a:t>
             </a:r>
             <a:endParaRPr lang="en-US" altLang="zh-CN" dirty="0"/>
           </a:p>
           <a:p>
-            <a:r>
-              <a:rPr lang="zh-CN" altLang="en-US" dirty="0"/>
-              <a:t>提供一些特权指令，用于修改基址和界限寄存器</a:t>
-            </a:r>
-            <a:r>
-              <a:rPr lang="en-US" altLang="zh-CN" dirty="0"/>
-              <a:t>(OS</a:t>
-            </a:r>
-            <a:r>
-              <a:rPr lang="zh-CN" altLang="en-US" dirty="0"/>
-              <a:t>在进程切换时使用这些指令</a:t>
+            <a:pPr lvl="1"/>
+            <a:r>
+              <a:rPr lang="zh-CN" altLang="en-US" dirty="0"/>
+              <a:t>用户进程越界访问内存</a:t>
+            </a:r>
+            <a:endParaRPr lang="en-US" altLang="zh-CN" dirty="0"/>
+          </a:p>
+          <a:p>
+            <a:pPr lvl="1"/>
+            <a:r>
+              <a:rPr lang="zh-CN" altLang="en-US" dirty="0"/>
+              <a:t>用户进程尝试修改基址和界限寄存器</a:t>
+            </a:r>
+            <a:endParaRPr lang="en-US" altLang="zh-CN" dirty="0"/>
+          </a:p>
+          <a:p>
+            <a:r>
+              <a:rPr lang="zh-CN" altLang="en-US" dirty="0"/>
+              <a:t>由内存控制器</a:t>
+            </a:r>
+            <a:r>
+              <a:rPr lang="en-US" altLang="zh-CN" dirty="0"/>
+              <a:t>(MMU Memory Management Unit</a:t>
+            </a:r>
+            <a:r>
+              <a:rPr lang="zh-CN" altLang="en-US" dirty="0"/>
+              <a:t>，</a:t>
+            </a:r>
+            <a:r>
+              <a:rPr lang="en-US" altLang="zh-CN" dirty="0" err="1"/>
+              <a:t>cpu</a:t>
+            </a:r>
+            <a:r>
+              <a:rPr lang="zh-CN" altLang="en-US" dirty="0"/>
+              <a:t>内</a:t>
             </a:r>
             <a:r>
               <a:rPr lang="en-US" altLang="zh-CN" dirty="0"/>
               <a:t>)</a:t>
             </a:r>
-          </a:p>
-          <a:p>
-            <a:r>
-              <a:rPr lang="en-US" altLang="zh-CN" dirty="0"/>
-              <a:t>CPU</a:t>
-            </a:r>
-            <a:r>
-              <a:rPr lang="zh-CN" altLang="en-US" dirty="0"/>
-              <a:t>产生异常，让</a:t>
-            </a:r>
-            <a:r>
-              <a:rPr lang="en-US" altLang="zh-CN" dirty="0"/>
-              <a:t>OS</a:t>
-            </a:r>
-            <a:r>
-              <a:rPr lang="zh-CN" altLang="en-US" dirty="0"/>
-              <a:t>来处理异常</a:t>
-            </a:r>
-            <a:endParaRPr lang="en-US" altLang="zh-CN" dirty="0"/>
-          </a:p>
-          <a:p>
-            <a:pPr lvl="1"/>
-            <a:r>
-              <a:rPr lang="zh-CN" altLang="en-US" dirty="0"/>
-              <a:t>用户进程越界访问内存</a:t>
-            </a:r>
-            <a:endParaRPr lang="en-US" altLang="zh-CN" dirty="0"/>
-          </a:p>
-          <a:p>
-            <a:pPr lvl="1"/>
-            <a:r>
-              <a:rPr lang="zh-CN" altLang="en-US" dirty="0"/>
-              <a:t>用户进程尝试修改基址和界限寄存器</a:t>
+            <a:r>
+              <a:rPr lang="zh-CN" altLang="en-US" dirty="0"/>
+              <a:t>完成地址转换</a:t>
             </a:r>
             <a:endParaRPr lang="en-US" altLang="zh-CN" dirty="0"/>
           </a:p>

--- a/ppt/4_内存管理_分段.pptx
+++ b/ppt/4_内存管理_分段.pptx
@@ -273,7 +273,7 @@
           <a:p>
             <a:fld id="{25239B2F-0F50-4DD2-AFF0-5AD65435FA39}" type="datetimeFigureOut">
               <a:rPr lang="zh-CN" altLang="en-US" smtClean="0"/>
-              <a:t>2025/03/31</a:t>
+              <a:t>2025/04/01</a:t>
             </a:fld>
             <a:endParaRPr lang="zh-CN" altLang="en-US"/>
           </a:p>
@@ -451,7 +451,7 @@
           <a:p>
             <a:fld id="{F3F10C42-C15F-4A21-90B7-1EA21CFD4452}" type="datetimeFigureOut">
               <a:rPr lang="zh-CN" altLang="en-US" smtClean="0"/>
-              <a:t>2025/03/31</a:t>
+              <a:t>2025/04/01</a:t>
             </a:fld>
             <a:endParaRPr lang="zh-CN" altLang="en-US"/>
           </a:p>
@@ -1050,7 +1050,7 @@
           <a:p>
             <a:fld id="{AE214366-5FB2-49C3-BB65-B979D2FAD098}" type="datetime1">
               <a:rPr lang="zh-CN" altLang="en-US" smtClean="0"/>
-              <a:t>2025/03/31</a:t>
+              <a:t>2025/04/01</a:t>
             </a:fld>
             <a:endParaRPr lang="zh-CN" altLang="en-US"/>
           </a:p>
@@ -1258,7 +1258,7 @@
           <a:p>
             <a:fld id="{04BC6C44-F673-46E9-8025-7385D4D32FDE}" type="datetime1">
               <a:rPr lang="zh-CN" altLang="en-US" smtClean="0"/>
-              <a:t>2025/03/31</a:t>
+              <a:t>2025/04/01</a:t>
             </a:fld>
             <a:endParaRPr lang="zh-CN" altLang="en-US"/>
           </a:p>
@@ -1802,7 +1802,7 @@
           <a:p>
             <a:fld id="{2B70573D-5408-47A7-B81F-E30CA5085A27}" type="datetime1">
               <a:rPr lang="zh-CN" altLang="en-US" smtClean="0"/>
-              <a:t>2025/03/31</a:t>
+              <a:t>2025/04/01</a:t>
             </a:fld>
             <a:endParaRPr lang="zh-CN" altLang="en-US"/>
           </a:p>
@@ -2067,7 +2067,7 @@
           <a:p>
             <a:fld id="{62468019-71FB-4D17-9B3C-F6A5314A34D2}" type="datetime1">
               <a:rPr lang="zh-CN" altLang="en-US" smtClean="0"/>
-              <a:t>2025/03/31</a:t>
+              <a:t>2025/04/01</a:t>
             </a:fld>
             <a:endParaRPr lang="zh-CN" altLang="en-US"/>
           </a:p>
@@ -2479,7 +2479,7 @@
           <a:p>
             <a:fld id="{4AB419BE-49FF-45D0-B257-7BC605413B3A}" type="datetime1">
               <a:rPr lang="zh-CN" altLang="en-US" smtClean="0"/>
-              <a:t>2025/03/31</a:t>
+              <a:t>2025/04/01</a:t>
             </a:fld>
             <a:endParaRPr lang="zh-CN" altLang="en-US"/>
           </a:p>
@@ -2620,7 +2620,7 @@
           <a:p>
             <a:fld id="{6319E9FC-0AA5-46B6-8E94-55EADC6DCFFF}" type="datetime1">
               <a:rPr lang="zh-CN" altLang="en-US" smtClean="0"/>
-              <a:t>2025/03/31</a:t>
+              <a:t>2025/04/01</a:t>
             </a:fld>
             <a:endParaRPr lang="zh-CN" altLang="en-US"/>
           </a:p>
@@ -2733,7 +2733,7 @@
           <a:p>
             <a:fld id="{FCFA6577-5736-496A-8F6D-C0BE13E9BEE0}" type="datetime1">
               <a:rPr lang="zh-CN" altLang="en-US" smtClean="0"/>
-              <a:t>2025/03/31</a:t>
+              <a:t>2025/04/01</a:t>
             </a:fld>
             <a:endParaRPr lang="zh-CN" altLang="en-US"/>
           </a:p>
@@ -3044,7 +3044,7 @@
           <a:p>
             <a:fld id="{10D62EDE-3CF3-4C9B-9666-764136C001DF}" type="datetime1">
               <a:rPr lang="zh-CN" altLang="en-US" smtClean="0"/>
-              <a:t>2025/03/31</a:t>
+              <a:t>2025/04/01</a:t>
             </a:fld>
             <a:endParaRPr lang="zh-CN" altLang="en-US"/>
           </a:p>
@@ -3332,7 +3332,7 @@
           <a:p>
             <a:fld id="{E31DF0E5-AB3E-4E91-8924-10EB10A38894}" type="datetime1">
               <a:rPr lang="zh-CN" altLang="en-US" smtClean="0"/>
-              <a:t>2025/03/31</a:t>
+              <a:t>2025/04/01</a:t>
             </a:fld>
             <a:endParaRPr lang="zh-CN" altLang="en-US"/>
           </a:p>
@@ -3573,7 +3573,7 @@
           <a:p>
             <a:fld id="{2E8DB3C8-7D21-4109-A2E4-E02A745546D7}" type="datetime1">
               <a:rPr lang="zh-CN" altLang="en-US" smtClean="0"/>
-              <a:t>2025/03/31</a:t>
+              <a:t>2025/04/01</a:t>
             </a:fld>
             <a:endParaRPr lang="zh-CN" altLang="en-US"/>
           </a:p>
@@ -11503,6 +11503,22 @@
             <a:r>
               <a:rPr lang="zh-CN" altLang="en-US" dirty="0"/>
               <a:t>：空闲空间碎片化，导致空闲总量够，却无法找到一块完整的内存块分配给新进程</a:t>
+            </a:r>
+            <a:endParaRPr lang="en-US" altLang="zh-CN" dirty="0"/>
+          </a:p>
+          <a:p>
+            <a:pPr lvl="1"/>
+            <a:r>
+              <a:rPr lang="zh-CN" altLang="en-US" dirty="0">
+                <a:solidFill>
+                  <a:srgbClr val="FF0000"/>
+                </a:solidFill>
+              </a:rPr>
+              <a:t>内部碎片</a:t>
+            </a:r>
+            <a:r>
+              <a:rPr lang="zh-CN" altLang="en-US" dirty="0"/>
+              <a:t>：如果一个分配器分配的内存比请求的要大，该内存块中未被使用的部分被视为内部碎片</a:t>
             </a:r>
             <a:endParaRPr lang="en-US" altLang="zh-CN" dirty="0"/>
           </a:p>

--- a/ppt/4_内存管理_分段.pptx
+++ b/ppt/4_内存管理_分段.pptx
@@ -5,10 +5,10 @@
     <p:sldMasterId id="2147483648" r:id="rId1"/>
   </p:sldMasterIdLst>
   <p:notesMasterIdLst>
-    <p:notesMasterId r:id="rId61"/>
+    <p:notesMasterId r:id="rId65"/>
   </p:notesMasterIdLst>
   <p:handoutMasterIdLst>
-    <p:handoutMasterId r:id="rId62"/>
+    <p:handoutMasterId r:id="rId66"/>
   </p:handoutMasterIdLst>
   <p:sldIdLst>
     <p:sldId id="256" r:id="rId2"/>
@@ -44,32 +44,36 @@
     <p:sldId id="277" r:id="rId32"/>
     <p:sldId id="278" r:id="rId33"/>
     <p:sldId id="279" r:id="rId34"/>
-    <p:sldId id="280" r:id="rId35"/>
-    <p:sldId id="281" r:id="rId36"/>
-    <p:sldId id="282" r:id="rId37"/>
-    <p:sldId id="283" r:id="rId38"/>
-    <p:sldId id="284" r:id="rId39"/>
-    <p:sldId id="285" r:id="rId40"/>
-    <p:sldId id="286" r:id="rId41"/>
-    <p:sldId id="287" r:id="rId42"/>
-    <p:sldId id="288" r:id="rId43"/>
-    <p:sldId id="289" r:id="rId44"/>
-    <p:sldId id="290" r:id="rId45"/>
-    <p:sldId id="291" r:id="rId46"/>
-    <p:sldId id="292" r:id="rId47"/>
-    <p:sldId id="293" r:id="rId48"/>
-    <p:sldId id="294" r:id="rId49"/>
-    <p:sldId id="295" r:id="rId50"/>
-    <p:sldId id="296" r:id="rId51"/>
-    <p:sldId id="297" r:id="rId52"/>
-    <p:sldId id="298" r:id="rId53"/>
-    <p:sldId id="299" r:id="rId54"/>
-    <p:sldId id="300" r:id="rId55"/>
-    <p:sldId id="301" r:id="rId56"/>
-    <p:sldId id="302" r:id="rId57"/>
-    <p:sldId id="303" r:id="rId58"/>
-    <p:sldId id="304" r:id="rId59"/>
-    <p:sldId id="305" r:id="rId60"/>
+    <p:sldId id="316" r:id="rId35"/>
+    <p:sldId id="317" r:id="rId36"/>
+    <p:sldId id="318" r:id="rId37"/>
+    <p:sldId id="319" r:id="rId38"/>
+    <p:sldId id="280" r:id="rId39"/>
+    <p:sldId id="281" r:id="rId40"/>
+    <p:sldId id="282" r:id="rId41"/>
+    <p:sldId id="283" r:id="rId42"/>
+    <p:sldId id="284" r:id="rId43"/>
+    <p:sldId id="285" r:id="rId44"/>
+    <p:sldId id="286" r:id="rId45"/>
+    <p:sldId id="287" r:id="rId46"/>
+    <p:sldId id="288" r:id="rId47"/>
+    <p:sldId id="289" r:id="rId48"/>
+    <p:sldId id="290" r:id="rId49"/>
+    <p:sldId id="291" r:id="rId50"/>
+    <p:sldId id="292" r:id="rId51"/>
+    <p:sldId id="293" r:id="rId52"/>
+    <p:sldId id="294" r:id="rId53"/>
+    <p:sldId id="295" r:id="rId54"/>
+    <p:sldId id="296" r:id="rId55"/>
+    <p:sldId id="297" r:id="rId56"/>
+    <p:sldId id="298" r:id="rId57"/>
+    <p:sldId id="299" r:id="rId58"/>
+    <p:sldId id="300" r:id="rId59"/>
+    <p:sldId id="301" r:id="rId60"/>
+    <p:sldId id="302" r:id="rId61"/>
+    <p:sldId id="303" r:id="rId62"/>
+    <p:sldId id="304" r:id="rId63"/>
+    <p:sldId id="305" r:id="rId64"/>
   </p:sldIdLst>
   <p:sldSz cx="12192000" cy="6858000"/>
   <p:notesSz cx="6858000" cy="9144000"/>
@@ -273,7 +277,7 @@
           <a:p>
             <a:fld id="{25239B2F-0F50-4DD2-AFF0-5AD65435FA39}" type="datetimeFigureOut">
               <a:rPr lang="zh-CN" altLang="en-US" smtClean="0"/>
-              <a:t>2025/04/01</a:t>
+              <a:t>2025/04/02</a:t>
             </a:fld>
             <a:endParaRPr lang="zh-CN" altLang="en-US"/>
           </a:p>
@@ -451,7 +455,7 @@
           <a:p>
             <a:fld id="{F3F10C42-C15F-4A21-90B7-1EA21CFD4452}" type="datetimeFigureOut">
               <a:rPr lang="zh-CN" altLang="en-US" smtClean="0"/>
-              <a:t>2025/04/01</a:t>
+              <a:t>2025/04/02</a:t>
             </a:fld>
             <a:endParaRPr lang="zh-CN" altLang="en-US"/>
           </a:p>
@@ -1050,7 +1054,7 @@
           <a:p>
             <a:fld id="{AE214366-5FB2-49C3-BB65-B979D2FAD098}" type="datetime1">
               <a:rPr lang="zh-CN" altLang="en-US" smtClean="0"/>
-              <a:t>2025/04/01</a:t>
+              <a:t>2025/04/02</a:t>
             </a:fld>
             <a:endParaRPr lang="zh-CN" altLang="en-US"/>
           </a:p>
@@ -1258,7 +1262,7 @@
           <a:p>
             <a:fld id="{04BC6C44-F673-46E9-8025-7385D4D32FDE}" type="datetime1">
               <a:rPr lang="zh-CN" altLang="en-US" smtClean="0"/>
-              <a:t>2025/04/01</a:t>
+              <a:t>2025/04/02</a:t>
             </a:fld>
             <a:endParaRPr lang="zh-CN" altLang="en-US"/>
           </a:p>
@@ -1802,7 +1806,7 @@
           <a:p>
             <a:fld id="{2B70573D-5408-47A7-B81F-E30CA5085A27}" type="datetime1">
               <a:rPr lang="zh-CN" altLang="en-US" smtClean="0"/>
-              <a:t>2025/04/01</a:t>
+              <a:t>2025/04/02</a:t>
             </a:fld>
             <a:endParaRPr lang="zh-CN" altLang="en-US"/>
           </a:p>
@@ -2067,7 +2071,7 @@
           <a:p>
             <a:fld id="{62468019-71FB-4D17-9B3C-F6A5314A34D2}" type="datetime1">
               <a:rPr lang="zh-CN" altLang="en-US" smtClean="0"/>
-              <a:t>2025/04/01</a:t>
+              <a:t>2025/04/02</a:t>
             </a:fld>
             <a:endParaRPr lang="zh-CN" altLang="en-US"/>
           </a:p>
@@ -2479,7 +2483,7 @@
           <a:p>
             <a:fld id="{4AB419BE-49FF-45D0-B257-7BC605413B3A}" type="datetime1">
               <a:rPr lang="zh-CN" altLang="en-US" smtClean="0"/>
-              <a:t>2025/04/01</a:t>
+              <a:t>2025/04/02</a:t>
             </a:fld>
             <a:endParaRPr lang="zh-CN" altLang="en-US"/>
           </a:p>
@@ -2620,7 +2624,7 @@
           <a:p>
             <a:fld id="{6319E9FC-0AA5-46B6-8E94-55EADC6DCFFF}" type="datetime1">
               <a:rPr lang="zh-CN" altLang="en-US" smtClean="0"/>
-              <a:t>2025/04/01</a:t>
+              <a:t>2025/04/02</a:t>
             </a:fld>
             <a:endParaRPr lang="zh-CN" altLang="en-US"/>
           </a:p>
@@ -2733,7 +2737,7 @@
           <a:p>
             <a:fld id="{FCFA6577-5736-496A-8F6D-C0BE13E9BEE0}" type="datetime1">
               <a:rPr lang="zh-CN" altLang="en-US" smtClean="0"/>
-              <a:t>2025/04/01</a:t>
+              <a:t>2025/04/02</a:t>
             </a:fld>
             <a:endParaRPr lang="zh-CN" altLang="en-US"/>
           </a:p>
@@ -3044,7 +3048,7 @@
           <a:p>
             <a:fld id="{10D62EDE-3CF3-4C9B-9666-764136C001DF}" type="datetime1">
               <a:rPr lang="zh-CN" altLang="en-US" smtClean="0"/>
-              <a:t>2025/04/01</a:t>
+              <a:t>2025/04/02</a:t>
             </a:fld>
             <a:endParaRPr lang="zh-CN" altLang="en-US"/>
           </a:p>
@@ -3332,7 +3336,7 @@
           <a:p>
             <a:fld id="{E31DF0E5-AB3E-4E91-8924-10EB10A38894}" type="datetime1">
               <a:rPr lang="zh-CN" altLang="en-US" smtClean="0"/>
-              <a:t>2025/04/01</a:t>
+              <a:t>2025/04/02</a:t>
             </a:fld>
             <a:endParaRPr lang="zh-CN" altLang="en-US"/>
           </a:p>
@@ -3573,7 +3577,7 @@
           <a:p>
             <a:fld id="{2E8DB3C8-7D21-4109-A2E4-E02A745546D7}" type="datetime1">
               <a:rPr lang="zh-CN" altLang="en-US" smtClean="0"/>
-              <a:t>2025/04/01</a:t>
+              <a:t>2025/04/02</a:t>
             </a:fld>
             <a:endParaRPr lang="zh-CN" altLang="en-US"/>
           </a:p>
@@ -7178,6 +7182,18 @@
             <a:endParaRPr lang="en-US" altLang="zh-CN" dirty="0"/>
           </a:p>
           <a:p>
+            <a:pPr lvl="1"/>
+            <a:r>
+              <a:rPr lang="en-US" altLang="zh-CN" dirty="0"/>
+              <a:t>60</a:t>
+            </a:r>
+            <a:r>
+              <a:rPr lang="zh-CN" altLang="en-US" dirty="0"/>
+              <a:t>年代的时候出现</a:t>
+            </a:r>
+            <a:endParaRPr lang="en-US" altLang="zh-CN" dirty="0"/>
+          </a:p>
+          <a:p>
             <a:r>
               <a:rPr lang="zh-CN" altLang="en-US" dirty="0"/>
               <a:t>分页</a:t>
@@ -7536,6 +7552,36 @@
           <a:xfrm>
             <a:off x="573281" y="5571769"/>
             <a:ext cx="4519446" cy="465051"/>
+          </a:xfrm>
+          <a:prstGeom prst="rect">
+            <a:avLst/>
+          </a:prstGeom>
+        </p:spPr>
+      </p:pic>
+      <p:pic>
+        <p:nvPicPr>
+          <p:cNvPr id="5" name="图片 4">
+            <a:extLst>
+              <a:ext uri="{FF2B5EF4-FFF2-40B4-BE49-F238E27FC236}">
+                <a16:creationId xmlns:a16="http://schemas.microsoft.com/office/drawing/2014/main" id="{2B0ADDCC-38EB-E006-5834-B7B05F8BEA68}"/>
+              </a:ext>
+            </a:extLst>
+          </p:cNvPr>
+          <p:cNvPicPr>
+            <a:picLocks noChangeAspect="1"/>
+          </p:cNvPicPr>
+          <p:nvPr/>
+        </p:nvPicPr>
+        <p:blipFill>
+          <a:blip r:embed="rId4"/>
+          <a:stretch>
+            <a:fillRect/>
+          </a:stretch>
+        </p:blipFill>
+        <p:spPr>
+          <a:xfrm>
+            <a:off x="9681305" y="658759"/>
+            <a:ext cx="2121545" cy="5661589"/>
           </a:xfrm>
           <a:prstGeom prst="rect">
             <a:avLst/>
@@ -7841,8 +7887,8 @@
         </p:blipFill>
         <p:spPr>
           <a:xfrm>
-            <a:off x="6378130" y="4662583"/>
-            <a:ext cx="5813870" cy="1821839"/>
+            <a:off x="6565900" y="5039099"/>
+            <a:ext cx="5031930" cy="1576808"/>
           </a:xfrm>
           <a:prstGeom prst="rect">
             <a:avLst/>
@@ -10057,7 +10103,7 @@
           <p:cNvPr id="2" name="标题 1">
             <a:extLst>
               <a:ext uri="{FF2B5EF4-FFF2-40B4-BE49-F238E27FC236}">
-                <a16:creationId xmlns:a16="http://schemas.microsoft.com/office/drawing/2014/main" id="{9D35F589-7FD7-FC30-3F79-6BFB44BD1233}"/>
+                <a16:creationId xmlns:a16="http://schemas.microsoft.com/office/drawing/2014/main" id="{D22DD805-7935-FF15-2508-672920A4DD78}"/>
               </a:ext>
             </a:extLst>
           </p:cNvPr>
@@ -10075,7 +10121,7 @@
           <a:p>
             <a:r>
               <a:rPr lang="zh-CN" altLang="en-US" dirty="0"/>
-              <a:t>分段</a:t>
+              <a:t>段错误</a:t>
             </a:r>
           </a:p>
         </p:txBody>
@@ -10085,7 +10131,7 @@
           <p:cNvPr id="3" name="内容占位符 2">
             <a:extLst>
               <a:ext uri="{FF2B5EF4-FFF2-40B4-BE49-F238E27FC236}">
-                <a16:creationId xmlns:a16="http://schemas.microsoft.com/office/drawing/2014/main" id="{302B9C7C-3696-8529-B5AD-C0976963ED38}"/>
+                <a16:creationId xmlns:a16="http://schemas.microsoft.com/office/drawing/2014/main" id="{E1C8B5CA-D3B8-3118-3CE5-9D57469667F7}"/>
               </a:ext>
             </a:extLst>
           </p:cNvPr>
@@ -10103,52 +10149,23 @@
           <a:p>
             <a:r>
               <a:rPr lang="zh-CN" altLang="en-US" dirty="0"/>
-              <a:t>如何确定要访问的段寄存器</a:t>
-            </a:r>
-            <a:r>
-              <a:rPr lang="en-US" altLang="zh-CN" dirty="0"/>
-              <a:t>?</a:t>
-            </a:r>
-          </a:p>
-          <a:p>
-            <a:pPr lvl="1"/>
-            <a:r>
-              <a:rPr lang="zh-CN" altLang="en-US" dirty="0"/>
-              <a:t>把虚拟地址分为：段编号</a:t>
-            </a:r>
-            <a:r>
-              <a:rPr lang="en-US" altLang="zh-CN" dirty="0"/>
-              <a:t>+</a:t>
-            </a:r>
-            <a:r>
-              <a:rPr lang="zh-CN" altLang="en-US" dirty="0"/>
-              <a:t>偏移量</a:t>
+              <a:t>段错误（</a:t>
+            </a:r>
+            <a:r>
+              <a:rPr lang="en-US" altLang="zh-CN" dirty="0"/>
+              <a:t>Segmentation Fault</a:t>
+            </a:r>
+            <a:r>
+              <a:rPr lang="zh-CN" altLang="en-US" dirty="0"/>
+              <a:t>，简称段错）是程序在访问它没有权限访问的内存区域时，操作系统为了保护系统安全而发出的信号，导致程序终止运行</a:t>
             </a:r>
             <a:endParaRPr lang="en-US" altLang="zh-CN" dirty="0"/>
           </a:p>
           <a:p>
-            <a:pPr lvl="1"/>
-            <a:endParaRPr lang="en-US" altLang="zh-CN" dirty="0"/>
-          </a:p>
-          <a:p>
-            <a:pPr lvl="1"/>
-            <a:endParaRPr lang="en-US" altLang="zh-CN" dirty="0"/>
-          </a:p>
-          <a:p>
-            <a:pPr lvl="1"/>
-            <a:endParaRPr lang="en-US" altLang="zh-CN" dirty="0"/>
-          </a:p>
-          <a:p>
-            <a:pPr lvl="1"/>
-            <a:r>
-              <a:rPr lang="zh-CN" altLang="en-US" dirty="0"/>
-              <a:t>实例：虚拟地址</a:t>
-            </a:r>
-            <a:r>
-              <a:rPr lang="en-US" altLang="zh-CN" dirty="0"/>
-              <a:t>4200</a:t>
-            </a:r>
-            <a:endParaRPr lang="zh-CN" altLang="en-US" dirty="0"/>
+            <a:r>
+              <a:rPr lang="zh-CN" altLang="en-US" dirty="0"/>
+              <a:t>段错误产生的原因</a:t>
+            </a:r>
           </a:p>
         </p:txBody>
       </p:sp>
@@ -10157,7 +10174,7 @@
           <p:cNvPr id="4" name="灯片编号占位符 3">
             <a:extLst>
               <a:ext uri="{FF2B5EF4-FFF2-40B4-BE49-F238E27FC236}">
-                <a16:creationId xmlns:a16="http://schemas.microsoft.com/office/drawing/2014/main" id="{F59CDB1D-7A69-4437-8510-779D5EB4D1FF}"/>
+                <a16:creationId xmlns:a16="http://schemas.microsoft.com/office/drawing/2014/main" id="{0647EE39-8612-C2C1-E311-27942AE53C22}"/>
               </a:ext>
             </a:extLst>
           </p:cNvPr>
@@ -10181,6 +10198,680 @@
               <a:rPr lang="zh-CN" altLang="en-US" smtClean="0"/>
               <a:pPr/>
               <a:t>34</a:t>
+            </a:fld>
+            <a:endParaRPr lang="zh-CN" altLang="en-US" dirty="0"/>
+          </a:p>
+        </p:txBody>
+      </p:sp>
+      <p:pic>
+        <p:nvPicPr>
+          <p:cNvPr id="6" name="图片 5">
+            <a:extLst>
+              <a:ext uri="{FF2B5EF4-FFF2-40B4-BE49-F238E27FC236}">
+                <a16:creationId xmlns:a16="http://schemas.microsoft.com/office/drawing/2014/main" id="{A021420F-669B-0ACA-0E9E-191489F53C5F}"/>
+              </a:ext>
+            </a:extLst>
+          </p:cNvPr>
+          <p:cNvPicPr>
+            <a:picLocks noChangeAspect="1"/>
+          </p:cNvPicPr>
+          <p:nvPr/>
+        </p:nvPicPr>
+        <p:blipFill>
+          <a:blip r:embed="rId2"/>
+          <a:stretch>
+            <a:fillRect/>
+          </a:stretch>
+        </p:blipFill>
+        <p:spPr>
+          <a:xfrm>
+            <a:off x="569654" y="3242498"/>
+            <a:ext cx="7125066" cy="1968601"/>
+          </a:xfrm>
+          <a:prstGeom prst="rect">
+            <a:avLst/>
+          </a:prstGeom>
+        </p:spPr>
+      </p:pic>
+    </p:spTree>
+    <p:extLst>
+      <p:ext uri="{BB962C8B-B14F-4D97-AF65-F5344CB8AC3E}">
+        <p14:creationId xmlns:p14="http://schemas.microsoft.com/office/powerpoint/2010/main" val="65712394"/>
+      </p:ext>
+    </p:extLst>
+  </p:cSld>
+  <p:clrMapOvr>
+    <a:masterClrMapping/>
+  </p:clrMapOvr>
+</p:sld>
+</file>
+
+<file path=ppt/slides/slide35.xml><?xml version="1.0" encoding="utf-8"?>
+<p:sld xmlns:a="http://schemas.openxmlformats.org/drawingml/2006/main" xmlns:r="http://schemas.openxmlformats.org/officeDocument/2006/relationships" xmlns:p="http://schemas.openxmlformats.org/presentationml/2006/main">
+  <p:cSld>
+    <p:spTree>
+      <p:nvGrpSpPr>
+        <p:cNvPr id="1" name=""/>
+        <p:cNvGrpSpPr/>
+        <p:nvPr/>
+      </p:nvGrpSpPr>
+      <p:grpSpPr>
+        <a:xfrm>
+          <a:off x="0" y="0"/>
+          <a:ext cx="0" cy="0"/>
+          <a:chOff x="0" y="0"/>
+          <a:chExt cx="0" cy="0"/>
+        </a:xfrm>
+      </p:grpSpPr>
+      <p:sp>
+        <p:nvSpPr>
+          <p:cNvPr id="2" name="标题 1">
+            <a:extLst>
+              <a:ext uri="{FF2B5EF4-FFF2-40B4-BE49-F238E27FC236}">
+                <a16:creationId xmlns:a16="http://schemas.microsoft.com/office/drawing/2014/main" id="{B464E820-EACB-80D8-E3F7-2259E032E0C0}"/>
+              </a:ext>
+            </a:extLst>
+          </p:cNvPr>
+          <p:cNvSpPr>
+            <a:spLocks noGrp="1"/>
+          </p:cNvSpPr>
+          <p:nvPr>
+            <p:ph type="title"/>
+          </p:nvPr>
+        </p:nvSpPr>
+        <p:spPr/>
+        <p:txBody>
+          <a:bodyPr/>
+          <a:lstStyle/>
+          <a:p>
+            <a:r>
+              <a:rPr lang="zh-CN" altLang="en-US" dirty="0"/>
+              <a:t>段错误</a:t>
+            </a:r>
+          </a:p>
+        </p:txBody>
+      </p:sp>
+      <p:sp>
+        <p:nvSpPr>
+          <p:cNvPr id="3" name="内容占位符 2">
+            <a:extLst>
+              <a:ext uri="{FF2B5EF4-FFF2-40B4-BE49-F238E27FC236}">
+                <a16:creationId xmlns:a16="http://schemas.microsoft.com/office/drawing/2014/main" id="{919CBD1A-742B-7E67-27CE-7419131877E3}"/>
+              </a:ext>
+            </a:extLst>
+          </p:cNvPr>
+          <p:cNvSpPr>
+            <a:spLocks noGrp="1"/>
+          </p:cNvSpPr>
+          <p:nvPr>
+            <p:ph idx="1"/>
+          </p:nvPr>
+        </p:nvSpPr>
+        <p:spPr/>
+        <p:txBody>
+          <a:bodyPr/>
+          <a:lstStyle/>
+          <a:p>
+            <a:r>
+              <a:rPr lang="zh-CN" altLang="en-US" dirty="0"/>
+              <a:t>段错误产生的原因</a:t>
+            </a:r>
+          </a:p>
+        </p:txBody>
+      </p:sp>
+      <p:sp>
+        <p:nvSpPr>
+          <p:cNvPr id="4" name="灯片编号占位符 3">
+            <a:extLst>
+              <a:ext uri="{FF2B5EF4-FFF2-40B4-BE49-F238E27FC236}">
+                <a16:creationId xmlns:a16="http://schemas.microsoft.com/office/drawing/2014/main" id="{0EE7EFA0-CA49-09D9-EDE4-F3667B158547}"/>
+              </a:ext>
+            </a:extLst>
+          </p:cNvPr>
+          <p:cNvSpPr>
+            <a:spLocks noGrp="1"/>
+          </p:cNvSpPr>
+          <p:nvPr>
+            <p:ph type="sldNum" sz="quarter" idx="12"/>
+          </p:nvPr>
+        </p:nvSpPr>
+        <p:spPr/>
+        <p:txBody>
+          <a:bodyPr/>
+          <a:lstStyle/>
+          <a:p>
+            <a:r>
+              <a:rPr lang="zh-CN" altLang="en-US"/>
+              <a:t>计算机操作系统                     </a:t>
+            </a:r>
+            <a:fld id="{2109AC4C-C6B9-4211-8A17-43C623583010}" type="slidenum">
+              <a:rPr lang="zh-CN" altLang="en-US" smtClean="0"/>
+              <a:pPr/>
+              <a:t>35</a:t>
+            </a:fld>
+            <a:endParaRPr lang="zh-CN" altLang="en-US" dirty="0"/>
+          </a:p>
+        </p:txBody>
+      </p:sp>
+      <p:pic>
+        <p:nvPicPr>
+          <p:cNvPr id="6" name="图片 5">
+            <a:extLst>
+              <a:ext uri="{FF2B5EF4-FFF2-40B4-BE49-F238E27FC236}">
+                <a16:creationId xmlns:a16="http://schemas.microsoft.com/office/drawing/2014/main" id="{CAB65502-24E4-B0B8-81E3-ACD9595E62DA}"/>
+              </a:ext>
+            </a:extLst>
+          </p:cNvPr>
+          <p:cNvPicPr>
+            <a:picLocks noChangeAspect="1"/>
+          </p:cNvPicPr>
+          <p:nvPr/>
+        </p:nvPicPr>
+        <p:blipFill>
+          <a:blip r:embed="rId2"/>
+          <a:stretch>
+            <a:fillRect/>
+          </a:stretch>
+        </p:blipFill>
+        <p:spPr>
+          <a:xfrm>
+            <a:off x="593135" y="1640407"/>
+            <a:ext cx="7188569" cy="1962251"/>
+          </a:xfrm>
+          <a:prstGeom prst="rect">
+            <a:avLst/>
+          </a:prstGeom>
+        </p:spPr>
+      </p:pic>
+      <p:pic>
+        <p:nvPicPr>
+          <p:cNvPr id="8" name="图片 7">
+            <a:extLst>
+              <a:ext uri="{FF2B5EF4-FFF2-40B4-BE49-F238E27FC236}">
+                <a16:creationId xmlns:a16="http://schemas.microsoft.com/office/drawing/2014/main" id="{89B447E3-D0D7-4852-9B52-C2A1EB453447}"/>
+              </a:ext>
+            </a:extLst>
+          </p:cNvPr>
+          <p:cNvPicPr>
+            <a:picLocks noChangeAspect="1"/>
+          </p:cNvPicPr>
+          <p:nvPr/>
+        </p:nvPicPr>
+        <p:blipFill>
+          <a:blip r:embed="rId3"/>
+          <a:stretch>
+            <a:fillRect/>
+          </a:stretch>
+        </p:blipFill>
+        <p:spPr>
+          <a:xfrm>
+            <a:off x="637586" y="4065484"/>
+            <a:ext cx="7099665" cy="1930499"/>
+          </a:xfrm>
+          <a:prstGeom prst="rect">
+            <a:avLst/>
+          </a:prstGeom>
+        </p:spPr>
+      </p:pic>
+    </p:spTree>
+    <p:extLst>
+      <p:ext uri="{BB962C8B-B14F-4D97-AF65-F5344CB8AC3E}">
+        <p14:creationId xmlns:p14="http://schemas.microsoft.com/office/powerpoint/2010/main" val="3986825217"/>
+      </p:ext>
+    </p:extLst>
+  </p:cSld>
+  <p:clrMapOvr>
+    <a:masterClrMapping/>
+  </p:clrMapOvr>
+</p:sld>
+</file>
+
+<file path=ppt/slides/slide36.xml><?xml version="1.0" encoding="utf-8"?>
+<p:sld xmlns:a="http://schemas.openxmlformats.org/drawingml/2006/main" xmlns:r="http://schemas.openxmlformats.org/officeDocument/2006/relationships" xmlns:p="http://schemas.openxmlformats.org/presentationml/2006/main">
+  <p:cSld>
+    <p:spTree>
+      <p:nvGrpSpPr>
+        <p:cNvPr id="1" name=""/>
+        <p:cNvGrpSpPr/>
+        <p:nvPr/>
+      </p:nvGrpSpPr>
+      <p:grpSpPr>
+        <a:xfrm>
+          <a:off x="0" y="0"/>
+          <a:ext cx="0" cy="0"/>
+          <a:chOff x="0" y="0"/>
+          <a:chExt cx="0" cy="0"/>
+        </a:xfrm>
+      </p:grpSpPr>
+      <p:sp>
+        <p:nvSpPr>
+          <p:cNvPr id="2" name="标题 1">
+            <a:extLst>
+              <a:ext uri="{FF2B5EF4-FFF2-40B4-BE49-F238E27FC236}">
+                <a16:creationId xmlns:a16="http://schemas.microsoft.com/office/drawing/2014/main" id="{AFC24485-75D9-7D61-3077-0955FE83F5E7}"/>
+              </a:ext>
+            </a:extLst>
+          </p:cNvPr>
+          <p:cNvSpPr>
+            <a:spLocks noGrp="1"/>
+          </p:cNvSpPr>
+          <p:nvPr>
+            <p:ph type="title"/>
+          </p:nvPr>
+        </p:nvSpPr>
+        <p:spPr/>
+        <p:txBody>
+          <a:bodyPr/>
+          <a:lstStyle/>
+          <a:p>
+            <a:r>
+              <a:rPr lang="zh-CN" altLang="en-US" dirty="0"/>
+              <a:t>段错误</a:t>
+            </a:r>
+          </a:p>
+        </p:txBody>
+      </p:sp>
+      <p:sp>
+        <p:nvSpPr>
+          <p:cNvPr id="3" name="内容占位符 2">
+            <a:extLst>
+              <a:ext uri="{FF2B5EF4-FFF2-40B4-BE49-F238E27FC236}">
+                <a16:creationId xmlns:a16="http://schemas.microsoft.com/office/drawing/2014/main" id="{DF5E838D-901C-3279-5E40-8153F559A4EF}"/>
+              </a:ext>
+            </a:extLst>
+          </p:cNvPr>
+          <p:cNvSpPr>
+            <a:spLocks noGrp="1"/>
+          </p:cNvSpPr>
+          <p:nvPr>
+            <p:ph idx="1"/>
+          </p:nvPr>
+        </p:nvSpPr>
+        <p:spPr/>
+        <p:txBody>
+          <a:bodyPr/>
+          <a:lstStyle/>
+          <a:p>
+            <a:r>
+              <a:rPr lang="zh-CN" altLang="en-US" dirty="0"/>
+              <a:t>段错误产生的原因</a:t>
+            </a:r>
+          </a:p>
+        </p:txBody>
+      </p:sp>
+      <p:sp>
+        <p:nvSpPr>
+          <p:cNvPr id="4" name="灯片编号占位符 3">
+            <a:extLst>
+              <a:ext uri="{FF2B5EF4-FFF2-40B4-BE49-F238E27FC236}">
+                <a16:creationId xmlns:a16="http://schemas.microsoft.com/office/drawing/2014/main" id="{DF44467F-4E82-A5EB-440A-4E15C0466918}"/>
+              </a:ext>
+            </a:extLst>
+          </p:cNvPr>
+          <p:cNvSpPr>
+            <a:spLocks noGrp="1"/>
+          </p:cNvSpPr>
+          <p:nvPr>
+            <p:ph type="sldNum" sz="quarter" idx="12"/>
+          </p:nvPr>
+        </p:nvSpPr>
+        <p:spPr/>
+        <p:txBody>
+          <a:bodyPr/>
+          <a:lstStyle/>
+          <a:p>
+            <a:r>
+              <a:rPr lang="zh-CN" altLang="en-US"/>
+              <a:t>计算机操作系统                     </a:t>
+            </a:r>
+            <a:fld id="{2109AC4C-C6B9-4211-8A17-43C623583010}" type="slidenum">
+              <a:rPr lang="zh-CN" altLang="en-US" smtClean="0"/>
+              <a:pPr/>
+              <a:t>36</a:t>
+            </a:fld>
+            <a:endParaRPr lang="zh-CN" altLang="en-US" dirty="0"/>
+          </a:p>
+        </p:txBody>
+      </p:sp>
+      <p:pic>
+        <p:nvPicPr>
+          <p:cNvPr id="10" name="图片 9">
+            <a:extLst>
+              <a:ext uri="{FF2B5EF4-FFF2-40B4-BE49-F238E27FC236}">
+                <a16:creationId xmlns:a16="http://schemas.microsoft.com/office/drawing/2014/main" id="{86783B75-32F5-9BE2-78F0-58E35F1DD58F}"/>
+              </a:ext>
+            </a:extLst>
+          </p:cNvPr>
+          <p:cNvPicPr>
+            <a:picLocks noChangeAspect="1"/>
+          </p:cNvPicPr>
+          <p:nvPr/>
+        </p:nvPicPr>
+        <p:blipFill>
+          <a:blip r:embed="rId2"/>
+          <a:stretch>
+            <a:fillRect/>
+          </a:stretch>
+        </p:blipFill>
+        <p:spPr>
+          <a:xfrm>
+            <a:off x="588492" y="1539913"/>
+            <a:ext cx="7099665" cy="4318222"/>
+          </a:xfrm>
+          <a:prstGeom prst="rect">
+            <a:avLst/>
+          </a:prstGeom>
+        </p:spPr>
+      </p:pic>
+    </p:spTree>
+    <p:extLst>
+      <p:ext uri="{BB962C8B-B14F-4D97-AF65-F5344CB8AC3E}">
+        <p14:creationId xmlns:p14="http://schemas.microsoft.com/office/powerpoint/2010/main" val="376714790"/>
+      </p:ext>
+    </p:extLst>
+  </p:cSld>
+  <p:clrMapOvr>
+    <a:masterClrMapping/>
+  </p:clrMapOvr>
+</p:sld>
+</file>
+
+<file path=ppt/slides/slide37.xml><?xml version="1.0" encoding="utf-8"?>
+<p:sld xmlns:a="http://schemas.openxmlformats.org/drawingml/2006/main" xmlns:r="http://schemas.openxmlformats.org/officeDocument/2006/relationships" xmlns:p="http://schemas.openxmlformats.org/presentationml/2006/main">
+  <p:cSld>
+    <p:spTree>
+      <p:nvGrpSpPr>
+        <p:cNvPr id="1" name=""/>
+        <p:cNvGrpSpPr/>
+        <p:nvPr/>
+      </p:nvGrpSpPr>
+      <p:grpSpPr>
+        <a:xfrm>
+          <a:off x="0" y="0"/>
+          <a:ext cx="0" cy="0"/>
+          <a:chOff x="0" y="0"/>
+          <a:chExt cx="0" cy="0"/>
+        </a:xfrm>
+      </p:grpSpPr>
+      <p:sp>
+        <p:nvSpPr>
+          <p:cNvPr id="2" name="标题 1">
+            <a:extLst>
+              <a:ext uri="{FF2B5EF4-FFF2-40B4-BE49-F238E27FC236}">
+                <a16:creationId xmlns:a16="http://schemas.microsoft.com/office/drawing/2014/main" id="{97698D57-8AD3-DC38-DF38-E842638F0142}"/>
+              </a:ext>
+            </a:extLst>
+          </p:cNvPr>
+          <p:cNvSpPr>
+            <a:spLocks noGrp="1"/>
+          </p:cNvSpPr>
+          <p:nvPr>
+            <p:ph type="title"/>
+          </p:nvPr>
+        </p:nvSpPr>
+        <p:spPr/>
+        <p:txBody>
+          <a:bodyPr/>
+          <a:lstStyle/>
+          <a:p>
+            <a:r>
+              <a:rPr lang="zh-CN" altLang="en-US" dirty="0"/>
+              <a:t>段错误</a:t>
+            </a:r>
+          </a:p>
+        </p:txBody>
+      </p:sp>
+      <p:sp>
+        <p:nvSpPr>
+          <p:cNvPr id="3" name="内容占位符 2">
+            <a:extLst>
+              <a:ext uri="{FF2B5EF4-FFF2-40B4-BE49-F238E27FC236}">
+                <a16:creationId xmlns:a16="http://schemas.microsoft.com/office/drawing/2014/main" id="{17FD0D0E-E71B-7C91-1D6F-305EB875DDFE}"/>
+              </a:ext>
+            </a:extLst>
+          </p:cNvPr>
+          <p:cNvSpPr>
+            <a:spLocks noGrp="1"/>
+          </p:cNvSpPr>
+          <p:nvPr>
+            <p:ph idx="1"/>
+          </p:nvPr>
+        </p:nvSpPr>
+        <p:spPr/>
+        <p:txBody>
+          <a:bodyPr/>
+          <a:lstStyle/>
+          <a:p>
+            <a:r>
+              <a:rPr lang="zh-CN" altLang="en-US" dirty="0"/>
+              <a:t>段错误产生的原因</a:t>
+            </a:r>
+          </a:p>
+        </p:txBody>
+      </p:sp>
+      <p:sp>
+        <p:nvSpPr>
+          <p:cNvPr id="4" name="灯片编号占位符 3">
+            <a:extLst>
+              <a:ext uri="{FF2B5EF4-FFF2-40B4-BE49-F238E27FC236}">
+                <a16:creationId xmlns:a16="http://schemas.microsoft.com/office/drawing/2014/main" id="{129D67B8-AA8B-1A59-AD18-7644B67EEEFF}"/>
+              </a:ext>
+            </a:extLst>
+          </p:cNvPr>
+          <p:cNvSpPr>
+            <a:spLocks noGrp="1"/>
+          </p:cNvSpPr>
+          <p:nvPr>
+            <p:ph type="sldNum" sz="quarter" idx="12"/>
+          </p:nvPr>
+        </p:nvSpPr>
+        <p:spPr/>
+        <p:txBody>
+          <a:bodyPr/>
+          <a:lstStyle/>
+          <a:p>
+            <a:r>
+              <a:rPr lang="zh-CN" altLang="en-US"/>
+              <a:t>计算机操作系统                     </a:t>
+            </a:r>
+            <a:fld id="{2109AC4C-C6B9-4211-8A17-43C623583010}" type="slidenum">
+              <a:rPr lang="zh-CN" altLang="en-US" smtClean="0"/>
+              <a:pPr/>
+              <a:t>37</a:t>
+            </a:fld>
+            <a:endParaRPr lang="zh-CN" altLang="en-US" dirty="0"/>
+          </a:p>
+        </p:txBody>
+      </p:sp>
+      <p:pic>
+        <p:nvPicPr>
+          <p:cNvPr id="6" name="图片 5">
+            <a:extLst>
+              <a:ext uri="{FF2B5EF4-FFF2-40B4-BE49-F238E27FC236}">
+                <a16:creationId xmlns:a16="http://schemas.microsoft.com/office/drawing/2014/main" id="{FC854876-E80B-49E9-F868-B33F19360898}"/>
+              </a:ext>
+            </a:extLst>
+          </p:cNvPr>
+          <p:cNvPicPr>
+            <a:picLocks noChangeAspect="1"/>
+          </p:cNvPicPr>
+          <p:nvPr/>
+        </p:nvPicPr>
+        <p:blipFill>
+          <a:blip r:embed="rId2"/>
+          <a:stretch>
+            <a:fillRect/>
+          </a:stretch>
+        </p:blipFill>
+        <p:spPr>
+          <a:xfrm>
+            <a:off x="508687" y="1585292"/>
+            <a:ext cx="7283824" cy="2165461"/>
+          </a:xfrm>
+          <a:prstGeom prst="rect">
+            <a:avLst/>
+          </a:prstGeom>
+        </p:spPr>
+      </p:pic>
+    </p:spTree>
+    <p:extLst>
+      <p:ext uri="{BB962C8B-B14F-4D97-AF65-F5344CB8AC3E}">
+        <p14:creationId xmlns:p14="http://schemas.microsoft.com/office/powerpoint/2010/main" val="2668146727"/>
+      </p:ext>
+    </p:extLst>
+  </p:cSld>
+  <p:clrMapOvr>
+    <a:masterClrMapping/>
+  </p:clrMapOvr>
+</p:sld>
+</file>
+
+<file path=ppt/slides/slide38.xml><?xml version="1.0" encoding="utf-8"?>
+<p:sld xmlns:a="http://schemas.openxmlformats.org/drawingml/2006/main" xmlns:r="http://schemas.openxmlformats.org/officeDocument/2006/relationships" xmlns:p="http://schemas.openxmlformats.org/presentationml/2006/main">
+  <p:cSld>
+    <p:spTree>
+      <p:nvGrpSpPr>
+        <p:cNvPr id="1" name=""/>
+        <p:cNvGrpSpPr/>
+        <p:nvPr/>
+      </p:nvGrpSpPr>
+      <p:grpSpPr>
+        <a:xfrm>
+          <a:off x="0" y="0"/>
+          <a:ext cx="0" cy="0"/>
+          <a:chOff x="0" y="0"/>
+          <a:chExt cx="0" cy="0"/>
+        </a:xfrm>
+      </p:grpSpPr>
+      <p:sp>
+        <p:nvSpPr>
+          <p:cNvPr id="2" name="标题 1">
+            <a:extLst>
+              <a:ext uri="{FF2B5EF4-FFF2-40B4-BE49-F238E27FC236}">
+                <a16:creationId xmlns:a16="http://schemas.microsoft.com/office/drawing/2014/main" id="{9D35F589-7FD7-FC30-3F79-6BFB44BD1233}"/>
+              </a:ext>
+            </a:extLst>
+          </p:cNvPr>
+          <p:cNvSpPr>
+            <a:spLocks noGrp="1"/>
+          </p:cNvSpPr>
+          <p:nvPr>
+            <p:ph type="title"/>
+          </p:nvPr>
+        </p:nvSpPr>
+        <p:spPr/>
+        <p:txBody>
+          <a:bodyPr/>
+          <a:lstStyle/>
+          <a:p>
+            <a:r>
+              <a:rPr lang="zh-CN" altLang="en-US" dirty="0"/>
+              <a:t>分段</a:t>
+            </a:r>
+          </a:p>
+        </p:txBody>
+      </p:sp>
+      <p:sp>
+        <p:nvSpPr>
+          <p:cNvPr id="3" name="内容占位符 2">
+            <a:extLst>
+              <a:ext uri="{FF2B5EF4-FFF2-40B4-BE49-F238E27FC236}">
+                <a16:creationId xmlns:a16="http://schemas.microsoft.com/office/drawing/2014/main" id="{302B9C7C-3696-8529-B5AD-C0976963ED38}"/>
+              </a:ext>
+            </a:extLst>
+          </p:cNvPr>
+          <p:cNvSpPr>
+            <a:spLocks noGrp="1"/>
+          </p:cNvSpPr>
+          <p:nvPr>
+            <p:ph idx="1"/>
+          </p:nvPr>
+        </p:nvSpPr>
+        <p:spPr/>
+        <p:txBody>
+          <a:bodyPr/>
+          <a:lstStyle/>
+          <a:p>
+            <a:r>
+              <a:rPr lang="zh-CN" altLang="en-US" dirty="0"/>
+              <a:t>如何确定要访问的段寄存器</a:t>
+            </a:r>
+            <a:r>
+              <a:rPr lang="en-US" altLang="zh-CN" dirty="0"/>
+              <a:t>?</a:t>
+            </a:r>
+          </a:p>
+          <a:p>
+            <a:pPr lvl="1"/>
+            <a:r>
+              <a:rPr lang="zh-CN" altLang="en-US" dirty="0"/>
+              <a:t>把虚拟地址分为：段编号</a:t>
+            </a:r>
+            <a:r>
+              <a:rPr lang="en-US" altLang="zh-CN" dirty="0"/>
+              <a:t>+</a:t>
+            </a:r>
+            <a:r>
+              <a:rPr lang="zh-CN" altLang="en-US" dirty="0"/>
+              <a:t>偏移量</a:t>
+            </a:r>
+            <a:endParaRPr lang="en-US" altLang="zh-CN" dirty="0"/>
+          </a:p>
+          <a:p>
+            <a:pPr lvl="1"/>
+            <a:endParaRPr lang="en-US" altLang="zh-CN" dirty="0"/>
+          </a:p>
+          <a:p>
+            <a:pPr lvl="1"/>
+            <a:endParaRPr lang="en-US" altLang="zh-CN" dirty="0"/>
+          </a:p>
+          <a:p>
+            <a:pPr lvl="1"/>
+            <a:endParaRPr lang="en-US" altLang="zh-CN" dirty="0"/>
+          </a:p>
+          <a:p>
+            <a:pPr lvl="1"/>
+            <a:r>
+              <a:rPr lang="zh-CN" altLang="en-US" dirty="0"/>
+              <a:t>实例：虚拟地址</a:t>
+            </a:r>
+            <a:r>
+              <a:rPr lang="en-US" altLang="zh-CN" dirty="0"/>
+              <a:t>4200</a:t>
+            </a:r>
+            <a:endParaRPr lang="zh-CN" altLang="en-US" dirty="0"/>
+          </a:p>
+        </p:txBody>
+      </p:sp>
+      <p:sp>
+        <p:nvSpPr>
+          <p:cNvPr id="4" name="灯片编号占位符 3">
+            <a:extLst>
+              <a:ext uri="{FF2B5EF4-FFF2-40B4-BE49-F238E27FC236}">
+                <a16:creationId xmlns:a16="http://schemas.microsoft.com/office/drawing/2014/main" id="{F59CDB1D-7A69-4437-8510-779D5EB4D1FF}"/>
+              </a:ext>
+            </a:extLst>
+          </p:cNvPr>
+          <p:cNvSpPr>
+            <a:spLocks noGrp="1"/>
+          </p:cNvSpPr>
+          <p:nvPr>
+            <p:ph type="sldNum" sz="quarter" idx="12"/>
+          </p:nvPr>
+        </p:nvSpPr>
+        <p:spPr/>
+        <p:txBody>
+          <a:bodyPr/>
+          <a:lstStyle/>
+          <a:p>
+            <a:r>
+              <a:rPr lang="zh-CN" altLang="en-US"/>
+              <a:t>计算机操作系统                     </a:t>
+            </a:r>
+            <a:fld id="{2109AC4C-C6B9-4211-8A17-43C623583010}" type="slidenum">
+              <a:rPr lang="zh-CN" altLang="en-US" smtClean="0"/>
+              <a:pPr/>
+              <a:t>38</a:t>
             </a:fld>
             <a:endParaRPr lang="zh-CN" altLang="en-US" dirty="0"/>
           </a:p>
@@ -10729,7 +11420,7 @@
 </p:sld>
 </file>
 
-<file path=ppt/slides/slide35.xml><?xml version="1.0" encoding="utf-8"?>
+<file path=ppt/slides/slide39.xml><?xml version="1.0" encoding="utf-8"?>
 <p:sld xmlns:a="http://schemas.openxmlformats.org/drawingml/2006/main" xmlns:r="http://schemas.openxmlformats.org/officeDocument/2006/relationships" xmlns:p="http://schemas.openxmlformats.org/presentationml/2006/main">
   <p:cSld>
     <p:spTree>
@@ -10838,7 +11529,7 @@
             <a:fld id="{2109AC4C-C6B9-4211-8A17-43C623583010}" type="slidenum">
               <a:rPr lang="zh-CN" altLang="en-US" smtClean="0"/>
               <a:pPr/>
-              <a:t>35</a:t>
+              <a:t>39</a:t>
             </a:fld>
             <a:endParaRPr lang="zh-CN" altLang="en-US" dirty="0"/>
           </a:p>
@@ -10878,878 +11569,6 @@
     <p:extLst>
       <p:ext uri="{BB962C8B-B14F-4D97-AF65-F5344CB8AC3E}">
         <p14:creationId xmlns:p14="http://schemas.microsoft.com/office/powerpoint/2010/main" val="3543648473"/>
-      </p:ext>
-    </p:extLst>
-  </p:cSld>
-  <p:clrMapOvr>
-    <a:masterClrMapping/>
-  </p:clrMapOvr>
-</p:sld>
-</file>
-
-<file path=ppt/slides/slide36.xml><?xml version="1.0" encoding="utf-8"?>
-<p:sld xmlns:a="http://schemas.openxmlformats.org/drawingml/2006/main" xmlns:r="http://schemas.openxmlformats.org/officeDocument/2006/relationships" xmlns:p="http://schemas.openxmlformats.org/presentationml/2006/main">
-  <p:cSld>
-    <p:spTree>
-      <p:nvGrpSpPr>
-        <p:cNvPr id="1" name=""/>
-        <p:cNvGrpSpPr/>
-        <p:nvPr/>
-      </p:nvGrpSpPr>
-      <p:grpSpPr>
-        <a:xfrm>
-          <a:off x="0" y="0"/>
-          <a:ext cx="0" cy="0"/>
-          <a:chOff x="0" y="0"/>
-          <a:chExt cx="0" cy="0"/>
-        </a:xfrm>
-      </p:grpSpPr>
-      <p:sp>
-        <p:nvSpPr>
-          <p:cNvPr id="2" name="标题 1">
-            <a:extLst>
-              <a:ext uri="{FF2B5EF4-FFF2-40B4-BE49-F238E27FC236}">
-                <a16:creationId xmlns:a16="http://schemas.microsoft.com/office/drawing/2014/main" id="{4200137C-AA89-34F3-824A-918DCF51B3C1}"/>
-              </a:ext>
-            </a:extLst>
-          </p:cNvPr>
-          <p:cNvSpPr>
-            <a:spLocks noGrp="1"/>
-          </p:cNvSpPr>
-          <p:nvPr>
-            <p:ph type="title"/>
-          </p:nvPr>
-        </p:nvSpPr>
-        <p:spPr/>
-        <p:txBody>
-          <a:bodyPr/>
-          <a:lstStyle/>
-          <a:p>
-            <a:r>
-              <a:rPr lang="zh-CN" altLang="en-US" dirty="0"/>
-              <a:t>分段</a:t>
-            </a:r>
-          </a:p>
-        </p:txBody>
-      </p:sp>
-      <p:sp>
-        <p:nvSpPr>
-          <p:cNvPr id="3" name="内容占位符 2">
-            <a:extLst>
-              <a:ext uri="{FF2B5EF4-FFF2-40B4-BE49-F238E27FC236}">
-                <a16:creationId xmlns:a16="http://schemas.microsoft.com/office/drawing/2014/main" id="{3010CD17-681B-17BA-6999-4F41CBAE61D7}"/>
-              </a:ext>
-            </a:extLst>
-          </p:cNvPr>
-          <p:cNvSpPr>
-            <a:spLocks noGrp="1"/>
-          </p:cNvSpPr>
-          <p:nvPr>
-            <p:ph idx="1"/>
-          </p:nvPr>
-        </p:nvSpPr>
-        <p:spPr/>
-        <p:txBody>
-          <a:bodyPr/>
-          <a:lstStyle/>
-          <a:p>
-            <a:r>
-              <a:rPr lang="zh-CN" altLang="en-US" dirty="0"/>
-              <a:t>栈</a:t>
-            </a:r>
-            <a:endParaRPr lang="en-US" altLang="zh-CN" dirty="0"/>
-          </a:p>
-          <a:p>
-            <a:pPr lvl="1"/>
-            <a:r>
-              <a:rPr lang="zh-CN" altLang="en-US" dirty="0"/>
-              <a:t>栈的虚拟和物理地址均反向增长</a:t>
-            </a:r>
-            <a:endParaRPr lang="en-US" altLang="zh-CN" dirty="0"/>
-          </a:p>
-          <a:p>
-            <a:pPr lvl="1"/>
-            <a:r>
-              <a:rPr lang="zh-CN" altLang="en-US" dirty="0"/>
-              <a:t>虚拟</a:t>
-            </a:r>
-            <a:r>
-              <a:rPr lang="en-US" altLang="zh-CN" dirty="0"/>
-              <a:t>16K-&gt;14K,</a:t>
-            </a:r>
-            <a:r>
-              <a:rPr lang="zh-CN" altLang="en-US" dirty="0"/>
-              <a:t>物理</a:t>
-            </a:r>
-            <a:r>
-              <a:rPr lang="en-US" altLang="zh-CN" dirty="0"/>
-              <a:t>28K-&gt;26K</a:t>
-            </a:r>
-          </a:p>
-          <a:p>
-            <a:pPr lvl="1"/>
-            <a:r>
-              <a:rPr lang="zh-CN" altLang="en-US" dirty="0"/>
-              <a:t>需要通过额外的</a:t>
-            </a:r>
-            <a:r>
-              <a:rPr lang="en-US" altLang="zh-CN" dirty="0"/>
-              <a:t>1bit</a:t>
-            </a:r>
-            <a:r>
-              <a:rPr lang="zh-CN" altLang="en-US" dirty="0"/>
-              <a:t>告诉硬件栈的增长方向</a:t>
-            </a:r>
-            <a:endParaRPr lang="en-US" altLang="zh-CN" dirty="0"/>
-          </a:p>
-          <a:p>
-            <a:pPr lvl="1"/>
-            <a:endParaRPr lang="en-US" altLang="zh-CN" dirty="0"/>
-          </a:p>
-          <a:p>
-            <a:endParaRPr lang="zh-CN" altLang="en-US" dirty="0"/>
-          </a:p>
-        </p:txBody>
-      </p:sp>
-      <p:sp>
-        <p:nvSpPr>
-          <p:cNvPr id="4" name="灯片编号占位符 3">
-            <a:extLst>
-              <a:ext uri="{FF2B5EF4-FFF2-40B4-BE49-F238E27FC236}">
-                <a16:creationId xmlns:a16="http://schemas.microsoft.com/office/drawing/2014/main" id="{F16E5CC8-8C28-31DE-8416-C4E08F72B930}"/>
-              </a:ext>
-            </a:extLst>
-          </p:cNvPr>
-          <p:cNvSpPr>
-            <a:spLocks noGrp="1"/>
-          </p:cNvSpPr>
-          <p:nvPr>
-            <p:ph type="sldNum" sz="quarter" idx="12"/>
-          </p:nvPr>
-        </p:nvSpPr>
-        <p:spPr/>
-        <p:txBody>
-          <a:bodyPr/>
-          <a:lstStyle/>
-          <a:p>
-            <a:r>
-              <a:rPr lang="zh-CN" altLang="en-US"/>
-              <a:t>计算机操作系统                     </a:t>
-            </a:r>
-            <a:fld id="{2109AC4C-C6B9-4211-8A17-43C623583010}" type="slidenum">
-              <a:rPr lang="zh-CN" altLang="en-US" smtClean="0"/>
-              <a:pPr/>
-              <a:t>36</a:t>
-            </a:fld>
-            <a:endParaRPr lang="zh-CN" altLang="en-US" dirty="0"/>
-          </a:p>
-        </p:txBody>
-      </p:sp>
-      <p:pic>
-        <p:nvPicPr>
-          <p:cNvPr id="5" name="图片 4">
-            <a:extLst>
-              <a:ext uri="{FF2B5EF4-FFF2-40B4-BE49-F238E27FC236}">
-                <a16:creationId xmlns:a16="http://schemas.microsoft.com/office/drawing/2014/main" id="{8EB16B34-7127-274B-DB71-BF669E2D2A30}"/>
-              </a:ext>
-            </a:extLst>
-          </p:cNvPr>
-          <p:cNvPicPr>
-            <a:picLocks noChangeAspect="1"/>
-          </p:cNvPicPr>
-          <p:nvPr/>
-        </p:nvPicPr>
-        <p:blipFill>
-          <a:blip r:embed="rId2"/>
-          <a:stretch>
-            <a:fillRect/>
-          </a:stretch>
-        </p:blipFill>
-        <p:spPr>
-          <a:xfrm>
-            <a:off x="7581450" y="1874160"/>
-            <a:ext cx="1661761" cy="3969027"/>
-          </a:xfrm>
-          <a:prstGeom prst="rect">
-            <a:avLst/>
-          </a:prstGeom>
-        </p:spPr>
-      </p:pic>
-      <p:pic>
-        <p:nvPicPr>
-          <p:cNvPr id="6" name="图片 5">
-            <a:extLst>
-              <a:ext uri="{FF2B5EF4-FFF2-40B4-BE49-F238E27FC236}">
-                <a16:creationId xmlns:a16="http://schemas.microsoft.com/office/drawing/2014/main" id="{45A6A3E9-5C64-18D4-DD9F-9D222062330E}"/>
-              </a:ext>
-            </a:extLst>
-          </p:cNvPr>
-          <p:cNvPicPr>
-            <a:picLocks noChangeAspect="1"/>
-          </p:cNvPicPr>
-          <p:nvPr/>
-        </p:nvPicPr>
-        <p:blipFill>
-          <a:blip r:embed="rId3"/>
-          <a:stretch>
-            <a:fillRect/>
-          </a:stretch>
-        </p:blipFill>
-        <p:spPr>
-          <a:xfrm>
-            <a:off x="9088165" y="3035162"/>
-            <a:ext cx="2282844" cy="2808025"/>
-          </a:xfrm>
-          <a:prstGeom prst="rect">
-            <a:avLst/>
-          </a:prstGeom>
-        </p:spPr>
-      </p:pic>
-      <p:pic>
-        <p:nvPicPr>
-          <p:cNvPr id="7" name="图片 6">
-            <a:extLst>
-              <a:ext uri="{FF2B5EF4-FFF2-40B4-BE49-F238E27FC236}">
-                <a16:creationId xmlns:a16="http://schemas.microsoft.com/office/drawing/2014/main" id="{1FDC233A-BDA9-1664-4207-51C7D4FC3F8E}"/>
-              </a:ext>
-            </a:extLst>
-          </p:cNvPr>
-          <p:cNvPicPr>
-            <a:picLocks noChangeAspect="1"/>
-          </p:cNvPicPr>
-          <p:nvPr/>
-        </p:nvPicPr>
-        <p:blipFill>
-          <a:blip r:embed="rId4"/>
-          <a:stretch>
-            <a:fillRect/>
-          </a:stretch>
-        </p:blipFill>
-        <p:spPr>
-          <a:xfrm>
-            <a:off x="6977640" y="599995"/>
-            <a:ext cx="3698255" cy="1211822"/>
-          </a:xfrm>
-          <a:prstGeom prst="rect">
-            <a:avLst/>
-          </a:prstGeom>
-        </p:spPr>
-      </p:pic>
-      <p:pic>
-        <p:nvPicPr>
-          <p:cNvPr id="9" name="图片 8">
-            <a:extLst>
-              <a:ext uri="{FF2B5EF4-FFF2-40B4-BE49-F238E27FC236}">
-                <a16:creationId xmlns:a16="http://schemas.microsoft.com/office/drawing/2014/main" id="{49DDC401-3F5D-3C5A-C620-80348E5FFA3D}"/>
-              </a:ext>
-            </a:extLst>
-          </p:cNvPr>
-          <p:cNvPicPr>
-            <a:picLocks noChangeAspect="1"/>
-          </p:cNvPicPr>
-          <p:nvPr/>
-        </p:nvPicPr>
-        <p:blipFill>
-          <a:blip r:embed="rId5"/>
-          <a:stretch>
-            <a:fillRect/>
-          </a:stretch>
-        </p:blipFill>
-        <p:spPr>
-          <a:xfrm>
-            <a:off x="333797" y="3089068"/>
-            <a:ext cx="6426662" cy="1289805"/>
-          </a:xfrm>
-          <a:prstGeom prst="rect">
-            <a:avLst/>
-          </a:prstGeom>
-        </p:spPr>
-      </p:pic>
-    </p:spTree>
-    <p:extLst>
-      <p:ext uri="{BB962C8B-B14F-4D97-AF65-F5344CB8AC3E}">
-        <p14:creationId xmlns:p14="http://schemas.microsoft.com/office/powerpoint/2010/main" val="3139550078"/>
-      </p:ext>
-    </p:extLst>
-  </p:cSld>
-  <p:clrMapOvr>
-    <a:masterClrMapping/>
-  </p:clrMapOvr>
-</p:sld>
-</file>
-
-<file path=ppt/slides/slide37.xml><?xml version="1.0" encoding="utf-8"?>
-<p:sld xmlns:a="http://schemas.openxmlformats.org/drawingml/2006/main" xmlns:r="http://schemas.openxmlformats.org/officeDocument/2006/relationships" xmlns:p="http://schemas.openxmlformats.org/presentationml/2006/main">
-  <p:cSld>
-    <p:spTree>
-      <p:nvGrpSpPr>
-        <p:cNvPr id="1" name=""/>
-        <p:cNvGrpSpPr/>
-        <p:nvPr/>
-      </p:nvGrpSpPr>
-      <p:grpSpPr>
-        <a:xfrm>
-          <a:off x="0" y="0"/>
-          <a:ext cx="0" cy="0"/>
-          <a:chOff x="0" y="0"/>
-          <a:chExt cx="0" cy="0"/>
-        </a:xfrm>
-      </p:grpSpPr>
-      <p:sp>
-        <p:nvSpPr>
-          <p:cNvPr id="2" name="标题 1">
-            <a:extLst>
-              <a:ext uri="{FF2B5EF4-FFF2-40B4-BE49-F238E27FC236}">
-                <a16:creationId xmlns:a16="http://schemas.microsoft.com/office/drawing/2014/main" id="{4EC8144A-DD61-027F-F858-027BF4E32CAE}"/>
-              </a:ext>
-            </a:extLst>
-          </p:cNvPr>
-          <p:cNvSpPr>
-            <a:spLocks noGrp="1"/>
-          </p:cNvSpPr>
-          <p:nvPr>
-            <p:ph type="title"/>
-          </p:nvPr>
-        </p:nvSpPr>
-        <p:spPr/>
-        <p:txBody>
-          <a:bodyPr/>
-          <a:lstStyle/>
-          <a:p>
-            <a:r>
-              <a:rPr lang="zh-CN" altLang="en-US" dirty="0"/>
-              <a:t>支持共享</a:t>
-            </a:r>
-          </a:p>
-        </p:txBody>
-      </p:sp>
-      <p:sp>
-        <p:nvSpPr>
-          <p:cNvPr id="3" name="内容占位符 2">
-            <a:extLst>
-              <a:ext uri="{FF2B5EF4-FFF2-40B4-BE49-F238E27FC236}">
-                <a16:creationId xmlns:a16="http://schemas.microsoft.com/office/drawing/2014/main" id="{9F3E967F-87F6-D8D8-18BE-FB8ED1770AF0}"/>
-              </a:ext>
-            </a:extLst>
-          </p:cNvPr>
-          <p:cNvSpPr>
-            <a:spLocks noGrp="1"/>
-          </p:cNvSpPr>
-          <p:nvPr>
-            <p:ph idx="1"/>
-          </p:nvPr>
-        </p:nvSpPr>
-        <p:spPr/>
-        <p:txBody>
-          <a:bodyPr/>
-          <a:lstStyle/>
-          <a:p>
-            <a:r>
-              <a:rPr lang="zh-CN" altLang="en-US" dirty="0"/>
-              <a:t>有时候需要在进程之间共享地址空间，尤其是代码段</a:t>
-            </a:r>
-            <a:endParaRPr lang="en-US" altLang="zh-CN" dirty="0"/>
-          </a:p>
-          <a:p>
-            <a:pPr lvl="1"/>
-            <a:r>
-              <a:rPr lang="zh-CN" altLang="en-US" dirty="0"/>
-              <a:t>多个进程共享代码段，同时保持隔离</a:t>
-            </a:r>
-            <a:endParaRPr lang="en-US" altLang="zh-CN" dirty="0"/>
-          </a:p>
-          <a:p>
-            <a:pPr lvl="1"/>
-            <a:r>
-              <a:rPr lang="zh-CN" altLang="en-US" dirty="0"/>
-              <a:t>需要提供保护位，标识进程是否可以读写该段，或执行其中的代码</a:t>
-            </a:r>
-            <a:endParaRPr lang="en-US" altLang="zh-CN" dirty="0"/>
-          </a:p>
-          <a:p>
-            <a:pPr lvl="1"/>
-            <a:r>
-              <a:rPr lang="zh-CN" altLang="en-US" dirty="0"/>
-              <a:t>有了保护位，</a:t>
-            </a:r>
-            <a:r>
-              <a:rPr lang="en-US" altLang="zh-CN" dirty="0"/>
-              <a:t>CPU</a:t>
-            </a:r>
-            <a:r>
-              <a:rPr lang="zh-CN" altLang="en-US" dirty="0"/>
-              <a:t>除了检查越界外，还需要检查进程是否有对应操作权限</a:t>
-            </a:r>
-          </a:p>
-        </p:txBody>
-      </p:sp>
-      <p:sp>
-        <p:nvSpPr>
-          <p:cNvPr id="4" name="灯片编号占位符 3">
-            <a:extLst>
-              <a:ext uri="{FF2B5EF4-FFF2-40B4-BE49-F238E27FC236}">
-                <a16:creationId xmlns:a16="http://schemas.microsoft.com/office/drawing/2014/main" id="{28E2F07C-CC3E-1DF2-D56C-5627F0D6972D}"/>
-              </a:ext>
-            </a:extLst>
-          </p:cNvPr>
-          <p:cNvSpPr>
-            <a:spLocks noGrp="1"/>
-          </p:cNvSpPr>
-          <p:nvPr>
-            <p:ph type="sldNum" sz="quarter" idx="12"/>
-          </p:nvPr>
-        </p:nvSpPr>
-        <p:spPr/>
-        <p:txBody>
-          <a:bodyPr/>
-          <a:lstStyle/>
-          <a:p>
-            <a:r>
-              <a:rPr lang="zh-CN" altLang="en-US"/>
-              <a:t>计算机操作系统                     </a:t>
-            </a:r>
-            <a:fld id="{2109AC4C-C6B9-4211-8A17-43C623583010}" type="slidenum">
-              <a:rPr lang="zh-CN" altLang="en-US" smtClean="0"/>
-              <a:pPr/>
-              <a:t>37</a:t>
-            </a:fld>
-            <a:endParaRPr lang="zh-CN" altLang="en-US" dirty="0"/>
-          </a:p>
-        </p:txBody>
-      </p:sp>
-      <p:pic>
-        <p:nvPicPr>
-          <p:cNvPr id="6" name="图片 5">
-            <a:extLst>
-              <a:ext uri="{FF2B5EF4-FFF2-40B4-BE49-F238E27FC236}">
-                <a16:creationId xmlns:a16="http://schemas.microsoft.com/office/drawing/2014/main" id="{F18281C7-16CE-42C6-F06E-0BB0A15FC809}"/>
-              </a:ext>
-            </a:extLst>
-          </p:cNvPr>
-          <p:cNvPicPr>
-            <a:picLocks noChangeAspect="1"/>
-          </p:cNvPicPr>
-          <p:nvPr/>
-        </p:nvPicPr>
-        <p:blipFill>
-          <a:blip r:embed="rId2"/>
-          <a:stretch>
-            <a:fillRect/>
-          </a:stretch>
-        </p:blipFill>
-        <p:spPr>
-          <a:xfrm>
-            <a:off x="610379" y="3062939"/>
-            <a:ext cx="6604339" cy="1092256"/>
-          </a:xfrm>
-          <a:prstGeom prst="rect">
-            <a:avLst/>
-          </a:prstGeom>
-        </p:spPr>
-      </p:pic>
-    </p:spTree>
-    <p:extLst>
-      <p:ext uri="{BB962C8B-B14F-4D97-AF65-F5344CB8AC3E}">
-        <p14:creationId xmlns:p14="http://schemas.microsoft.com/office/powerpoint/2010/main" val="3869323096"/>
-      </p:ext>
-    </p:extLst>
-  </p:cSld>
-  <p:clrMapOvr>
-    <a:masterClrMapping/>
-  </p:clrMapOvr>
-</p:sld>
-</file>
-
-<file path=ppt/slides/slide38.xml><?xml version="1.0" encoding="utf-8"?>
-<p:sld xmlns:a="http://schemas.openxmlformats.org/drawingml/2006/main" xmlns:r="http://schemas.openxmlformats.org/officeDocument/2006/relationships" xmlns:p="http://schemas.openxmlformats.org/presentationml/2006/main">
-  <p:cSld>
-    <p:spTree>
-      <p:nvGrpSpPr>
-        <p:cNvPr id="1" name=""/>
-        <p:cNvGrpSpPr/>
-        <p:nvPr/>
-      </p:nvGrpSpPr>
-      <p:grpSpPr>
-        <a:xfrm>
-          <a:off x="0" y="0"/>
-          <a:ext cx="0" cy="0"/>
-          <a:chOff x="0" y="0"/>
-          <a:chExt cx="0" cy="0"/>
-        </a:xfrm>
-      </p:grpSpPr>
-      <p:sp>
-        <p:nvSpPr>
-          <p:cNvPr id="2" name="标题 1">
-            <a:extLst>
-              <a:ext uri="{FF2B5EF4-FFF2-40B4-BE49-F238E27FC236}">
-                <a16:creationId xmlns:a16="http://schemas.microsoft.com/office/drawing/2014/main" id="{9011FB60-C0BF-1A23-FAD3-C152274EA801}"/>
-              </a:ext>
-            </a:extLst>
-          </p:cNvPr>
-          <p:cNvSpPr>
-            <a:spLocks noGrp="1"/>
-          </p:cNvSpPr>
-          <p:nvPr>
-            <p:ph type="title"/>
-          </p:nvPr>
-        </p:nvSpPr>
-        <p:spPr/>
-        <p:txBody>
-          <a:bodyPr/>
-          <a:lstStyle/>
-          <a:p>
-            <a:r>
-              <a:rPr lang="zh-CN" altLang="en-US" dirty="0"/>
-              <a:t>分段：</a:t>
-            </a:r>
-            <a:r>
-              <a:rPr lang="en-US" altLang="zh-CN" dirty="0"/>
-              <a:t>OS</a:t>
-            </a:r>
-            <a:r>
-              <a:rPr lang="zh-CN" altLang="en-US" dirty="0"/>
-              <a:t>的职责</a:t>
-            </a:r>
-          </a:p>
-        </p:txBody>
-      </p:sp>
-      <p:sp>
-        <p:nvSpPr>
-          <p:cNvPr id="3" name="内容占位符 2">
-            <a:extLst>
-              <a:ext uri="{FF2B5EF4-FFF2-40B4-BE49-F238E27FC236}">
-                <a16:creationId xmlns:a16="http://schemas.microsoft.com/office/drawing/2014/main" id="{9D50E234-C3EB-4393-91DE-9C48E712B07B}"/>
-              </a:ext>
-            </a:extLst>
-          </p:cNvPr>
-          <p:cNvSpPr>
-            <a:spLocks noGrp="1"/>
-          </p:cNvSpPr>
-          <p:nvPr>
-            <p:ph idx="1"/>
-          </p:nvPr>
-        </p:nvSpPr>
-        <p:spPr/>
-        <p:txBody>
-          <a:bodyPr/>
-          <a:lstStyle/>
-          <a:p>
-            <a:r>
-              <a:rPr lang="zh-CN" altLang="en-US" dirty="0"/>
-              <a:t>上下文切换时，</a:t>
-            </a:r>
-            <a:r>
-              <a:rPr lang="en-US" altLang="zh-CN" dirty="0"/>
-              <a:t>OS</a:t>
-            </a:r>
-            <a:r>
-              <a:rPr lang="zh-CN" altLang="en-US" dirty="0"/>
-              <a:t>需要保存和恢复段寄存器</a:t>
-            </a:r>
-            <a:endParaRPr lang="en-US" altLang="zh-CN" dirty="0"/>
-          </a:p>
-          <a:p>
-            <a:r>
-              <a:rPr lang="zh-CN" altLang="en-US" dirty="0"/>
-              <a:t>管理空闲内存</a:t>
-            </a:r>
-            <a:r>
-              <a:rPr lang="en-US" altLang="zh-CN" dirty="0"/>
-              <a:t>(</a:t>
-            </a:r>
-            <a:r>
-              <a:rPr lang="zh-CN" altLang="en-US" dirty="0"/>
-              <a:t>物理</a:t>
-            </a:r>
-            <a:r>
-              <a:rPr lang="en-US" altLang="zh-CN" dirty="0"/>
-              <a:t>)</a:t>
-            </a:r>
-          </a:p>
-          <a:p>
-            <a:pPr lvl="1"/>
-            <a:r>
-              <a:rPr lang="zh-CN" altLang="en-US" dirty="0"/>
-              <a:t>创建进程时，</a:t>
-            </a:r>
-            <a:r>
-              <a:rPr lang="en-US" altLang="zh-CN" dirty="0"/>
-              <a:t>OS</a:t>
-            </a:r>
-            <a:r>
-              <a:rPr lang="zh-CN" altLang="en-US" dirty="0"/>
-              <a:t>需要为新进程的每个段找到合适的空间</a:t>
-            </a:r>
-            <a:endParaRPr lang="en-US" altLang="zh-CN" dirty="0"/>
-          </a:p>
-          <a:p>
-            <a:pPr lvl="1"/>
-            <a:r>
-              <a:rPr lang="zh-CN" altLang="en-US" dirty="0"/>
-              <a:t>每个段大小可能不同</a:t>
-            </a:r>
-            <a:endParaRPr lang="en-US" altLang="zh-CN" dirty="0"/>
-          </a:p>
-          <a:p>
-            <a:pPr lvl="1"/>
-            <a:r>
-              <a:rPr lang="zh-CN" altLang="en-US" dirty="0">
-                <a:solidFill>
-                  <a:srgbClr val="FF0000"/>
-                </a:solidFill>
-              </a:rPr>
-              <a:t>外部碎片</a:t>
-            </a:r>
-            <a:r>
-              <a:rPr lang="zh-CN" altLang="en-US" dirty="0"/>
-              <a:t>：空闲空间碎片化，导致空闲总量够，却无法找到一块完整的内存块分配给新进程</a:t>
-            </a:r>
-            <a:endParaRPr lang="en-US" altLang="zh-CN" dirty="0"/>
-          </a:p>
-          <a:p>
-            <a:pPr lvl="1"/>
-            <a:r>
-              <a:rPr lang="zh-CN" altLang="en-US" dirty="0">
-                <a:solidFill>
-                  <a:srgbClr val="FF0000"/>
-                </a:solidFill>
-              </a:rPr>
-              <a:t>内部碎片</a:t>
-            </a:r>
-            <a:r>
-              <a:rPr lang="zh-CN" altLang="en-US" dirty="0"/>
-              <a:t>：如果一个分配器分配的内存比请求的要大，该内存块中未被使用的部分被视为内部碎片</a:t>
-            </a:r>
-            <a:endParaRPr lang="en-US" altLang="zh-CN" dirty="0"/>
-          </a:p>
-          <a:p>
-            <a:endParaRPr lang="en-US" altLang="zh-CN" dirty="0"/>
-          </a:p>
-          <a:p>
-            <a:endParaRPr lang="zh-CN" altLang="en-US" dirty="0"/>
-          </a:p>
-        </p:txBody>
-      </p:sp>
-      <p:sp>
-        <p:nvSpPr>
-          <p:cNvPr id="4" name="灯片编号占位符 3">
-            <a:extLst>
-              <a:ext uri="{FF2B5EF4-FFF2-40B4-BE49-F238E27FC236}">
-                <a16:creationId xmlns:a16="http://schemas.microsoft.com/office/drawing/2014/main" id="{4402B058-60D1-AFF0-C47B-C282C2778907}"/>
-              </a:ext>
-            </a:extLst>
-          </p:cNvPr>
-          <p:cNvSpPr>
-            <a:spLocks noGrp="1"/>
-          </p:cNvSpPr>
-          <p:nvPr>
-            <p:ph type="sldNum" sz="quarter" idx="12"/>
-          </p:nvPr>
-        </p:nvSpPr>
-        <p:spPr/>
-        <p:txBody>
-          <a:bodyPr/>
-          <a:lstStyle/>
-          <a:p>
-            <a:r>
-              <a:rPr lang="zh-CN" altLang="en-US"/>
-              <a:t>计算机操作系统                     </a:t>
-            </a:r>
-            <a:fld id="{2109AC4C-C6B9-4211-8A17-43C623583010}" type="slidenum">
-              <a:rPr lang="zh-CN" altLang="en-US" smtClean="0"/>
-              <a:pPr/>
-              <a:t>38</a:t>
-            </a:fld>
-            <a:endParaRPr lang="zh-CN" altLang="en-US" dirty="0"/>
-          </a:p>
-        </p:txBody>
-      </p:sp>
-    </p:spTree>
-    <p:extLst>
-      <p:ext uri="{BB962C8B-B14F-4D97-AF65-F5344CB8AC3E}">
-        <p14:creationId xmlns:p14="http://schemas.microsoft.com/office/powerpoint/2010/main" val="3901448852"/>
-      </p:ext>
-    </p:extLst>
-  </p:cSld>
-  <p:clrMapOvr>
-    <a:masterClrMapping/>
-  </p:clrMapOvr>
-</p:sld>
-</file>
-
-<file path=ppt/slides/slide39.xml><?xml version="1.0" encoding="utf-8"?>
-<p:sld xmlns:a="http://schemas.openxmlformats.org/drawingml/2006/main" xmlns:r="http://schemas.openxmlformats.org/officeDocument/2006/relationships" xmlns:p="http://schemas.openxmlformats.org/presentationml/2006/main">
-  <p:cSld>
-    <p:spTree>
-      <p:nvGrpSpPr>
-        <p:cNvPr id="1" name=""/>
-        <p:cNvGrpSpPr/>
-        <p:nvPr/>
-      </p:nvGrpSpPr>
-      <p:grpSpPr>
-        <a:xfrm>
-          <a:off x="0" y="0"/>
-          <a:ext cx="0" cy="0"/>
-          <a:chOff x="0" y="0"/>
-          <a:chExt cx="0" cy="0"/>
-        </a:xfrm>
-      </p:grpSpPr>
-      <p:sp>
-        <p:nvSpPr>
-          <p:cNvPr id="2" name="标题 1">
-            <a:extLst>
-              <a:ext uri="{FF2B5EF4-FFF2-40B4-BE49-F238E27FC236}">
-                <a16:creationId xmlns:a16="http://schemas.microsoft.com/office/drawing/2014/main" id="{9787ABB2-D664-6673-3FE9-0F2535CD8EEA}"/>
-              </a:ext>
-            </a:extLst>
-          </p:cNvPr>
-          <p:cNvSpPr>
-            <a:spLocks noGrp="1"/>
-          </p:cNvSpPr>
-          <p:nvPr>
-            <p:ph type="title"/>
-          </p:nvPr>
-        </p:nvSpPr>
-        <p:spPr/>
-        <p:txBody>
-          <a:bodyPr/>
-          <a:lstStyle/>
-          <a:p>
-            <a:r>
-              <a:rPr lang="zh-CN" altLang="en-US" dirty="0"/>
-              <a:t>分段：</a:t>
-            </a:r>
-            <a:r>
-              <a:rPr lang="en-US" altLang="zh-CN" dirty="0"/>
-              <a:t>OS</a:t>
-            </a:r>
-            <a:r>
-              <a:rPr lang="zh-CN" altLang="en-US" dirty="0"/>
-              <a:t>的职责</a:t>
-            </a:r>
-          </a:p>
-        </p:txBody>
-      </p:sp>
-      <p:sp>
-        <p:nvSpPr>
-          <p:cNvPr id="3" name="内容占位符 2">
-            <a:extLst>
-              <a:ext uri="{FF2B5EF4-FFF2-40B4-BE49-F238E27FC236}">
-                <a16:creationId xmlns:a16="http://schemas.microsoft.com/office/drawing/2014/main" id="{C5CCC6CA-FBDE-6930-EEC7-4466E019812A}"/>
-              </a:ext>
-            </a:extLst>
-          </p:cNvPr>
-          <p:cNvSpPr>
-            <a:spLocks noGrp="1"/>
-          </p:cNvSpPr>
-          <p:nvPr>
-            <p:ph idx="1"/>
-          </p:nvPr>
-        </p:nvSpPr>
-        <p:spPr/>
-        <p:txBody>
-          <a:bodyPr/>
-          <a:lstStyle/>
-          <a:p>
-            <a:r>
-              <a:rPr lang="zh-CN" altLang="en-US" dirty="0"/>
-              <a:t>外部碎片的实例</a:t>
-            </a:r>
-            <a:endParaRPr lang="en-US" altLang="zh-CN" dirty="0"/>
-          </a:p>
-          <a:p>
-            <a:pPr lvl="1"/>
-            <a:r>
-              <a:rPr lang="zh-CN" altLang="en-US" dirty="0"/>
-              <a:t>一个进程需要分配一个</a:t>
-            </a:r>
-            <a:r>
-              <a:rPr lang="en-US" altLang="zh-CN" dirty="0"/>
-              <a:t>20KB</a:t>
-            </a:r>
-            <a:r>
-              <a:rPr lang="zh-CN" altLang="en-US" dirty="0"/>
-              <a:t>的段，当前空闲总共</a:t>
-            </a:r>
-            <a:r>
-              <a:rPr lang="en-US" altLang="zh-CN" dirty="0"/>
-              <a:t>24K</a:t>
-            </a:r>
-            <a:r>
-              <a:rPr lang="zh-CN" altLang="en-US" dirty="0"/>
-              <a:t>，但不连续，因此无法满足请求</a:t>
-            </a:r>
-          </a:p>
-        </p:txBody>
-      </p:sp>
-      <p:sp>
-        <p:nvSpPr>
-          <p:cNvPr id="4" name="灯片编号占位符 3">
-            <a:extLst>
-              <a:ext uri="{FF2B5EF4-FFF2-40B4-BE49-F238E27FC236}">
-                <a16:creationId xmlns:a16="http://schemas.microsoft.com/office/drawing/2014/main" id="{474FD58A-37E6-1E5D-50C8-AF6AD12C8D59}"/>
-              </a:ext>
-            </a:extLst>
-          </p:cNvPr>
-          <p:cNvSpPr>
-            <a:spLocks noGrp="1"/>
-          </p:cNvSpPr>
-          <p:nvPr>
-            <p:ph type="sldNum" sz="quarter" idx="12"/>
-          </p:nvPr>
-        </p:nvSpPr>
-        <p:spPr/>
-        <p:txBody>
-          <a:bodyPr/>
-          <a:lstStyle/>
-          <a:p>
-            <a:r>
-              <a:rPr lang="zh-CN" altLang="en-US"/>
-              <a:t>计算机操作系统                     </a:t>
-            </a:r>
-            <a:fld id="{2109AC4C-C6B9-4211-8A17-43C623583010}" type="slidenum">
-              <a:rPr lang="zh-CN" altLang="en-US" smtClean="0"/>
-              <a:pPr/>
-              <a:t>39</a:t>
-            </a:fld>
-            <a:endParaRPr lang="zh-CN" altLang="en-US" dirty="0"/>
-          </a:p>
-        </p:txBody>
-      </p:sp>
-      <p:pic>
-        <p:nvPicPr>
-          <p:cNvPr id="6" name="图片 5">
-            <a:extLst>
-              <a:ext uri="{FF2B5EF4-FFF2-40B4-BE49-F238E27FC236}">
-                <a16:creationId xmlns:a16="http://schemas.microsoft.com/office/drawing/2014/main" id="{DAEE517C-5C29-2558-F05D-7A0D5E8291E9}"/>
-              </a:ext>
-            </a:extLst>
-          </p:cNvPr>
-          <p:cNvPicPr>
-            <a:picLocks noChangeAspect="1"/>
-          </p:cNvPicPr>
-          <p:nvPr/>
-        </p:nvPicPr>
-        <p:blipFill>
-          <a:blip r:embed="rId2"/>
-          <a:stretch>
-            <a:fillRect/>
-          </a:stretch>
-        </p:blipFill>
-        <p:spPr>
-          <a:xfrm>
-            <a:off x="2098976" y="2002715"/>
-            <a:ext cx="3276768" cy="4553184"/>
-          </a:xfrm>
-          <a:prstGeom prst="rect">
-            <a:avLst/>
-          </a:prstGeom>
-        </p:spPr>
-      </p:pic>
-    </p:spTree>
-    <p:extLst>
-      <p:ext uri="{BB962C8B-B14F-4D97-AF65-F5344CB8AC3E}">
-        <p14:creationId xmlns:p14="http://schemas.microsoft.com/office/powerpoint/2010/main" val="2415466309"/>
       </p:ext>
     </p:extLst>
   </p:cSld>
@@ -12056,7 +11875,7 @@
           <p:cNvPr id="2" name="标题 1">
             <a:extLst>
               <a:ext uri="{FF2B5EF4-FFF2-40B4-BE49-F238E27FC236}">
-                <a16:creationId xmlns:a16="http://schemas.microsoft.com/office/drawing/2014/main" id="{85CD9A62-1429-9067-5E13-745C2788465D}"/>
+                <a16:creationId xmlns:a16="http://schemas.microsoft.com/office/drawing/2014/main" id="{4200137C-AA89-34F3-824A-918DCF51B3C1}"/>
               </a:ext>
             </a:extLst>
           </p:cNvPr>
@@ -12074,15 +11893,7 @@
           <a:p>
             <a:r>
               <a:rPr lang="zh-CN" altLang="en-US" dirty="0"/>
-              <a:t>分段：</a:t>
-            </a:r>
-            <a:r>
-              <a:rPr lang="en-US" altLang="zh-CN" dirty="0"/>
-              <a:t>OS</a:t>
-            </a:r>
-            <a:r>
-              <a:rPr lang="zh-CN" altLang="en-US" dirty="0"/>
-              <a:t>的职责</a:t>
+              <a:t>分段</a:t>
             </a:r>
           </a:p>
         </p:txBody>
@@ -12092,7 +11903,7 @@
           <p:cNvPr id="3" name="内容占位符 2">
             <a:extLst>
               <a:ext uri="{FF2B5EF4-FFF2-40B4-BE49-F238E27FC236}">
-                <a16:creationId xmlns:a16="http://schemas.microsoft.com/office/drawing/2014/main" id="{470DA0F0-78FE-AB15-5972-93EB9CF92682}"/>
+                <a16:creationId xmlns:a16="http://schemas.microsoft.com/office/drawing/2014/main" id="{3010CD17-681B-17BA-6999-4F41CBAE61D7}"/>
               </a:ext>
             </a:extLst>
           </p:cNvPr>
@@ -12110,23 +11921,7 @@
           <a:p>
             <a:r>
               <a:rPr lang="zh-CN" altLang="en-US" dirty="0"/>
-              <a:t>外部碎片的解决方法</a:t>
-            </a:r>
-            <a:r>
-              <a:rPr lang="en-US" altLang="zh-CN" dirty="0"/>
-              <a:t>1</a:t>
-            </a:r>
-            <a:r>
-              <a:rPr lang="zh-CN" altLang="en-US" dirty="0"/>
-              <a:t>：采用紧凑</a:t>
-            </a:r>
-            <a:r>
-              <a:rPr lang="en-US" altLang="zh-CN" dirty="0"/>
-              <a:t>(compact)</a:t>
-            </a:r>
-            <a:r>
-              <a:rPr lang="zh-CN" altLang="en-US" dirty="0"/>
-              <a:t>物理内存</a:t>
+              <a:t>栈</a:t>
             </a:r>
             <a:endParaRPr lang="en-US" altLang="zh-CN" dirty="0"/>
           </a:p>
@@ -12134,37 +11929,52 @@
             <a:pPr lvl="1"/>
             <a:r>
               <a:rPr lang="zh-CN" altLang="en-US" dirty="0"/>
-              <a:t>终止运行进程，数据复制到连续的内存区域</a:t>
-            </a:r>
-            <a:r>
-              <a:rPr lang="en-US" altLang="zh-CN" dirty="0"/>
-              <a:t>(</a:t>
-            </a:r>
-            <a:r>
-              <a:rPr lang="zh-CN" altLang="en-US" dirty="0"/>
-              <a:t>内存整理</a:t>
-            </a:r>
-            <a:r>
-              <a:rPr lang="en-US" altLang="zh-CN" dirty="0"/>
-              <a:t>)</a:t>
-            </a:r>
+              <a:t>栈的虚拟和物理地址均反向增长</a:t>
+            </a:r>
+            <a:endParaRPr lang="en-US" altLang="zh-CN" dirty="0"/>
           </a:p>
           <a:p>
             <a:pPr lvl="1"/>
             <a:r>
               <a:rPr lang="zh-CN" altLang="en-US" dirty="0"/>
-              <a:t>代价：占用大量</a:t>
-            </a:r>
-            <a:r>
-              <a:rPr lang="en-US" altLang="zh-CN" dirty="0"/>
-              <a:t>CPU</a:t>
-            </a:r>
-            <a:r>
-              <a:rPr lang="zh-CN" altLang="en-US" dirty="0"/>
-              <a:t>时间</a:t>
+              <a:t>虚拟</a:t>
+            </a:r>
+            <a:r>
+              <a:rPr lang="en-US" altLang="zh-CN" dirty="0"/>
+              <a:t>16K-&gt;14K,</a:t>
+            </a:r>
+            <a:r>
+              <a:rPr lang="zh-CN" altLang="en-US" dirty="0"/>
+              <a:t>物理</a:t>
+            </a:r>
+            <a:r>
+              <a:rPr lang="en-US" altLang="zh-CN" dirty="0"/>
+              <a:t>28K-&gt;26K</a:t>
+            </a:r>
+          </a:p>
+          <a:p>
+            <a:pPr lvl="1"/>
+            <a:r>
+              <a:rPr lang="zh-CN" altLang="en-US" dirty="0"/>
+              <a:t>需要通过额外的</a:t>
+            </a:r>
+            <a:r>
+              <a:rPr lang="en-US" altLang="zh-CN" dirty="0"/>
+              <a:t>1bit</a:t>
+            </a:r>
+            <a:r>
+              <a:rPr lang="zh-CN" altLang="en-US" dirty="0"/>
+              <a:t>告诉硬件栈的增长方向</a:t>
             </a:r>
             <a:endParaRPr lang="en-US" altLang="zh-CN" dirty="0"/>
           </a:p>
+          <a:p>
+            <a:pPr lvl="1"/>
+            <a:endParaRPr lang="en-US" altLang="zh-CN" dirty="0"/>
+          </a:p>
+          <a:p>
+            <a:endParaRPr lang="zh-CN" altLang="en-US" dirty="0"/>
+          </a:p>
         </p:txBody>
       </p:sp>
       <p:sp>
@@ -12172,7 +11982,7 @@
           <p:cNvPr id="4" name="灯片编号占位符 3">
             <a:extLst>
               <a:ext uri="{FF2B5EF4-FFF2-40B4-BE49-F238E27FC236}">
-                <a16:creationId xmlns:a16="http://schemas.microsoft.com/office/drawing/2014/main" id="{2D0F2389-7E66-6EB2-819D-6EEF645663DA}"/>
+                <a16:creationId xmlns:a16="http://schemas.microsoft.com/office/drawing/2014/main" id="{F16E5CC8-8C28-31DE-8416-C4E08F72B930}"/>
               </a:ext>
             </a:extLst>
           </p:cNvPr>
@@ -12196,6 +12006,887 @@
               <a:rPr lang="zh-CN" altLang="en-US" smtClean="0"/>
               <a:pPr/>
               <a:t>40</a:t>
+            </a:fld>
+            <a:endParaRPr lang="zh-CN" altLang="en-US" dirty="0"/>
+          </a:p>
+        </p:txBody>
+      </p:sp>
+      <p:pic>
+        <p:nvPicPr>
+          <p:cNvPr id="5" name="图片 4">
+            <a:extLst>
+              <a:ext uri="{FF2B5EF4-FFF2-40B4-BE49-F238E27FC236}">
+                <a16:creationId xmlns:a16="http://schemas.microsoft.com/office/drawing/2014/main" id="{8EB16B34-7127-274B-DB71-BF669E2D2A30}"/>
+              </a:ext>
+            </a:extLst>
+          </p:cNvPr>
+          <p:cNvPicPr>
+            <a:picLocks noChangeAspect="1"/>
+          </p:cNvPicPr>
+          <p:nvPr/>
+        </p:nvPicPr>
+        <p:blipFill>
+          <a:blip r:embed="rId2"/>
+          <a:stretch>
+            <a:fillRect/>
+          </a:stretch>
+        </p:blipFill>
+        <p:spPr>
+          <a:xfrm>
+            <a:off x="7581450" y="1874160"/>
+            <a:ext cx="1661761" cy="3969027"/>
+          </a:xfrm>
+          <a:prstGeom prst="rect">
+            <a:avLst/>
+          </a:prstGeom>
+        </p:spPr>
+      </p:pic>
+      <p:pic>
+        <p:nvPicPr>
+          <p:cNvPr id="6" name="图片 5">
+            <a:extLst>
+              <a:ext uri="{FF2B5EF4-FFF2-40B4-BE49-F238E27FC236}">
+                <a16:creationId xmlns:a16="http://schemas.microsoft.com/office/drawing/2014/main" id="{45A6A3E9-5C64-18D4-DD9F-9D222062330E}"/>
+              </a:ext>
+            </a:extLst>
+          </p:cNvPr>
+          <p:cNvPicPr>
+            <a:picLocks noChangeAspect="1"/>
+          </p:cNvPicPr>
+          <p:nvPr/>
+        </p:nvPicPr>
+        <p:blipFill>
+          <a:blip r:embed="rId3"/>
+          <a:stretch>
+            <a:fillRect/>
+          </a:stretch>
+        </p:blipFill>
+        <p:spPr>
+          <a:xfrm>
+            <a:off x="9088165" y="3035162"/>
+            <a:ext cx="2282844" cy="2808025"/>
+          </a:xfrm>
+          <a:prstGeom prst="rect">
+            <a:avLst/>
+          </a:prstGeom>
+        </p:spPr>
+      </p:pic>
+      <p:pic>
+        <p:nvPicPr>
+          <p:cNvPr id="7" name="图片 6">
+            <a:extLst>
+              <a:ext uri="{FF2B5EF4-FFF2-40B4-BE49-F238E27FC236}">
+                <a16:creationId xmlns:a16="http://schemas.microsoft.com/office/drawing/2014/main" id="{1FDC233A-BDA9-1664-4207-51C7D4FC3F8E}"/>
+              </a:ext>
+            </a:extLst>
+          </p:cNvPr>
+          <p:cNvPicPr>
+            <a:picLocks noChangeAspect="1"/>
+          </p:cNvPicPr>
+          <p:nvPr/>
+        </p:nvPicPr>
+        <p:blipFill>
+          <a:blip r:embed="rId4"/>
+          <a:stretch>
+            <a:fillRect/>
+          </a:stretch>
+        </p:blipFill>
+        <p:spPr>
+          <a:xfrm>
+            <a:off x="6977640" y="599995"/>
+            <a:ext cx="3698255" cy="1211822"/>
+          </a:xfrm>
+          <a:prstGeom prst="rect">
+            <a:avLst/>
+          </a:prstGeom>
+        </p:spPr>
+      </p:pic>
+      <p:pic>
+        <p:nvPicPr>
+          <p:cNvPr id="9" name="图片 8">
+            <a:extLst>
+              <a:ext uri="{FF2B5EF4-FFF2-40B4-BE49-F238E27FC236}">
+                <a16:creationId xmlns:a16="http://schemas.microsoft.com/office/drawing/2014/main" id="{49DDC401-3F5D-3C5A-C620-80348E5FFA3D}"/>
+              </a:ext>
+            </a:extLst>
+          </p:cNvPr>
+          <p:cNvPicPr>
+            <a:picLocks noChangeAspect="1"/>
+          </p:cNvPicPr>
+          <p:nvPr/>
+        </p:nvPicPr>
+        <p:blipFill>
+          <a:blip r:embed="rId5"/>
+          <a:stretch>
+            <a:fillRect/>
+          </a:stretch>
+        </p:blipFill>
+        <p:spPr>
+          <a:xfrm>
+            <a:off x="333797" y="3089068"/>
+            <a:ext cx="6426662" cy="1289805"/>
+          </a:xfrm>
+          <a:prstGeom prst="rect">
+            <a:avLst/>
+          </a:prstGeom>
+        </p:spPr>
+      </p:pic>
+    </p:spTree>
+    <p:extLst>
+      <p:ext uri="{BB962C8B-B14F-4D97-AF65-F5344CB8AC3E}">
+        <p14:creationId xmlns:p14="http://schemas.microsoft.com/office/powerpoint/2010/main" val="3139550078"/>
+      </p:ext>
+    </p:extLst>
+  </p:cSld>
+  <p:clrMapOvr>
+    <a:masterClrMapping/>
+  </p:clrMapOvr>
+</p:sld>
+</file>
+
+<file path=ppt/slides/slide41.xml><?xml version="1.0" encoding="utf-8"?>
+<p:sld xmlns:a="http://schemas.openxmlformats.org/drawingml/2006/main" xmlns:r="http://schemas.openxmlformats.org/officeDocument/2006/relationships" xmlns:p="http://schemas.openxmlformats.org/presentationml/2006/main">
+  <p:cSld>
+    <p:spTree>
+      <p:nvGrpSpPr>
+        <p:cNvPr id="1" name=""/>
+        <p:cNvGrpSpPr/>
+        <p:nvPr/>
+      </p:nvGrpSpPr>
+      <p:grpSpPr>
+        <a:xfrm>
+          <a:off x="0" y="0"/>
+          <a:ext cx="0" cy="0"/>
+          <a:chOff x="0" y="0"/>
+          <a:chExt cx="0" cy="0"/>
+        </a:xfrm>
+      </p:grpSpPr>
+      <p:sp>
+        <p:nvSpPr>
+          <p:cNvPr id="2" name="标题 1">
+            <a:extLst>
+              <a:ext uri="{FF2B5EF4-FFF2-40B4-BE49-F238E27FC236}">
+                <a16:creationId xmlns:a16="http://schemas.microsoft.com/office/drawing/2014/main" id="{4EC8144A-DD61-027F-F858-027BF4E32CAE}"/>
+              </a:ext>
+            </a:extLst>
+          </p:cNvPr>
+          <p:cNvSpPr>
+            <a:spLocks noGrp="1"/>
+          </p:cNvSpPr>
+          <p:nvPr>
+            <p:ph type="title"/>
+          </p:nvPr>
+        </p:nvSpPr>
+        <p:spPr/>
+        <p:txBody>
+          <a:bodyPr/>
+          <a:lstStyle/>
+          <a:p>
+            <a:r>
+              <a:rPr lang="zh-CN" altLang="en-US" dirty="0"/>
+              <a:t>支持共享</a:t>
+            </a:r>
+          </a:p>
+        </p:txBody>
+      </p:sp>
+      <p:sp>
+        <p:nvSpPr>
+          <p:cNvPr id="3" name="内容占位符 2">
+            <a:extLst>
+              <a:ext uri="{FF2B5EF4-FFF2-40B4-BE49-F238E27FC236}">
+                <a16:creationId xmlns:a16="http://schemas.microsoft.com/office/drawing/2014/main" id="{9F3E967F-87F6-D8D8-18BE-FB8ED1770AF0}"/>
+              </a:ext>
+            </a:extLst>
+          </p:cNvPr>
+          <p:cNvSpPr>
+            <a:spLocks noGrp="1"/>
+          </p:cNvSpPr>
+          <p:nvPr>
+            <p:ph idx="1"/>
+          </p:nvPr>
+        </p:nvSpPr>
+        <p:spPr/>
+        <p:txBody>
+          <a:bodyPr/>
+          <a:lstStyle/>
+          <a:p>
+            <a:r>
+              <a:rPr lang="zh-CN" altLang="en-US" dirty="0"/>
+              <a:t>有时候需要在进程之间共享地址空间，尤其是代码段</a:t>
+            </a:r>
+            <a:endParaRPr lang="en-US" altLang="zh-CN" dirty="0"/>
+          </a:p>
+          <a:p>
+            <a:pPr lvl="1"/>
+            <a:r>
+              <a:rPr lang="zh-CN" altLang="en-US" dirty="0"/>
+              <a:t>多个进程共享代码段，同时保持隔离</a:t>
+            </a:r>
+            <a:endParaRPr lang="en-US" altLang="zh-CN" dirty="0"/>
+          </a:p>
+          <a:p>
+            <a:pPr lvl="1"/>
+            <a:r>
+              <a:rPr lang="zh-CN" altLang="en-US" dirty="0"/>
+              <a:t>需要提供保护位，标识进程是否可以读写该段，或执行其中的代码</a:t>
+            </a:r>
+            <a:endParaRPr lang="en-US" altLang="zh-CN" dirty="0"/>
+          </a:p>
+          <a:p>
+            <a:pPr lvl="1"/>
+            <a:r>
+              <a:rPr lang="zh-CN" altLang="en-US" dirty="0"/>
+              <a:t>有了保护位，</a:t>
+            </a:r>
+            <a:r>
+              <a:rPr lang="en-US" altLang="zh-CN" dirty="0"/>
+              <a:t>CPU</a:t>
+            </a:r>
+            <a:r>
+              <a:rPr lang="zh-CN" altLang="en-US" dirty="0"/>
+              <a:t>除了检查越界外，还需要检查进程是否有对应操作权限</a:t>
+            </a:r>
+          </a:p>
+        </p:txBody>
+      </p:sp>
+      <p:sp>
+        <p:nvSpPr>
+          <p:cNvPr id="4" name="灯片编号占位符 3">
+            <a:extLst>
+              <a:ext uri="{FF2B5EF4-FFF2-40B4-BE49-F238E27FC236}">
+                <a16:creationId xmlns:a16="http://schemas.microsoft.com/office/drawing/2014/main" id="{28E2F07C-CC3E-1DF2-D56C-5627F0D6972D}"/>
+              </a:ext>
+            </a:extLst>
+          </p:cNvPr>
+          <p:cNvSpPr>
+            <a:spLocks noGrp="1"/>
+          </p:cNvSpPr>
+          <p:nvPr>
+            <p:ph type="sldNum" sz="quarter" idx="12"/>
+          </p:nvPr>
+        </p:nvSpPr>
+        <p:spPr/>
+        <p:txBody>
+          <a:bodyPr/>
+          <a:lstStyle/>
+          <a:p>
+            <a:r>
+              <a:rPr lang="zh-CN" altLang="en-US"/>
+              <a:t>计算机操作系统                     </a:t>
+            </a:r>
+            <a:fld id="{2109AC4C-C6B9-4211-8A17-43C623583010}" type="slidenum">
+              <a:rPr lang="zh-CN" altLang="en-US" smtClean="0"/>
+              <a:pPr/>
+              <a:t>41</a:t>
+            </a:fld>
+            <a:endParaRPr lang="zh-CN" altLang="en-US" dirty="0"/>
+          </a:p>
+        </p:txBody>
+      </p:sp>
+      <p:pic>
+        <p:nvPicPr>
+          <p:cNvPr id="6" name="图片 5">
+            <a:extLst>
+              <a:ext uri="{FF2B5EF4-FFF2-40B4-BE49-F238E27FC236}">
+                <a16:creationId xmlns:a16="http://schemas.microsoft.com/office/drawing/2014/main" id="{F18281C7-16CE-42C6-F06E-0BB0A15FC809}"/>
+              </a:ext>
+            </a:extLst>
+          </p:cNvPr>
+          <p:cNvPicPr>
+            <a:picLocks noChangeAspect="1"/>
+          </p:cNvPicPr>
+          <p:nvPr/>
+        </p:nvPicPr>
+        <p:blipFill>
+          <a:blip r:embed="rId2"/>
+          <a:stretch>
+            <a:fillRect/>
+          </a:stretch>
+        </p:blipFill>
+        <p:spPr>
+          <a:xfrm>
+            <a:off x="610379" y="3062939"/>
+            <a:ext cx="6604339" cy="1092256"/>
+          </a:xfrm>
+          <a:prstGeom prst="rect">
+            <a:avLst/>
+          </a:prstGeom>
+        </p:spPr>
+      </p:pic>
+    </p:spTree>
+    <p:extLst>
+      <p:ext uri="{BB962C8B-B14F-4D97-AF65-F5344CB8AC3E}">
+        <p14:creationId xmlns:p14="http://schemas.microsoft.com/office/powerpoint/2010/main" val="3869323096"/>
+      </p:ext>
+    </p:extLst>
+  </p:cSld>
+  <p:clrMapOvr>
+    <a:masterClrMapping/>
+  </p:clrMapOvr>
+</p:sld>
+</file>
+
+<file path=ppt/slides/slide42.xml><?xml version="1.0" encoding="utf-8"?>
+<p:sld xmlns:a="http://schemas.openxmlformats.org/drawingml/2006/main" xmlns:r="http://schemas.openxmlformats.org/officeDocument/2006/relationships" xmlns:p="http://schemas.openxmlformats.org/presentationml/2006/main">
+  <p:cSld>
+    <p:spTree>
+      <p:nvGrpSpPr>
+        <p:cNvPr id="1" name=""/>
+        <p:cNvGrpSpPr/>
+        <p:nvPr/>
+      </p:nvGrpSpPr>
+      <p:grpSpPr>
+        <a:xfrm>
+          <a:off x="0" y="0"/>
+          <a:ext cx="0" cy="0"/>
+          <a:chOff x="0" y="0"/>
+          <a:chExt cx="0" cy="0"/>
+        </a:xfrm>
+      </p:grpSpPr>
+      <p:sp>
+        <p:nvSpPr>
+          <p:cNvPr id="2" name="标题 1">
+            <a:extLst>
+              <a:ext uri="{FF2B5EF4-FFF2-40B4-BE49-F238E27FC236}">
+                <a16:creationId xmlns:a16="http://schemas.microsoft.com/office/drawing/2014/main" id="{9011FB60-C0BF-1A23-FAD3-C152274EA801}"/>
+              </a:ext>
+            </a:extLst>
+          </p:cNvPr>
+          <p:cNvSpPr>
+            <a:spLocks noGrp="1"/>
+          </p:cNvSpPr>
+          <p:nvPr>
+            <p:ph type="title"/>
+          </p:nvPr>
+        </p:nvSpPr>
+        <p:spPr/>
+        <p:txBody>
+          <a:bodyPr/>
+          <a:lstStyle/>
+          <a:p>
+            <a:r>
+              <a:rPr lang="zh-CN" altLang="en-US" dirty="0"/>
+              <a:t>分段：</a:t>
+            </a:r>
+            <a:r>
+              <a:rPr lang="en-US" altLang="zh-CN" dirty="0"/>
+              <a:t>OS</a:t>
+            </a:r>
+            <a:r>
+              <a:rPr lang="zh-CN" altLang="en-US" dirty="0"/>
+              <a:t>的职责</a:t>
+            </a:r>
+          </a:p>
+        </p:txBody>
+      </p:sp>
+      <p:sp>
+        <p:nvSpPr>
+          <p:cNvPr id="3" name="内容占位符 2">
+            <a:extLst>
+              <a:ext uri="{FF2B5EF4-FFF2-40B4-BE49-F238E27FC236}">
+                <a16:creationId xmlns:a16="http://schemas.microsoft.com/office/drawing/2014/main" id="{9D50E234-C3EB-4393-91DE-9C48E712B07B}"/>
+              </a:ext>
+            </a:extLst>
+          </p:cNvPr>
+          <p:cNvSpPr>
+            <a:spLocks noGrp="1"/>
+          </p:cNvSpPr>
+          <p:nvPr>
+            <p:ph idx="1"/>
+          </p:nvPr>
+        </p:nvSpPr>
+        <p:spPr/>
+        <p:txBody>
+          <a:bodyPr/>
+          <a:lstStyle/>
+          <a:p>
+            <a:r>
+              <a:rPr lang="zh-CN" altLang="en-US" dirty="0"/>
+              <a:t>上下文切换时，</a:t>
+            </a:r>
+            <a:r>
+              <a:rPr lang="en-US" altLang="zh-CN" dirty="0"/>
+              <a:t>OS</a:t>
+            </a:r>
+            <a:r>
+              <a:rPr lang="zh-CN" altLang="en-US" dirty="0"/>
+              <a:t>需要保存和恢复段寄存器</a:t>
+            </a:r>
+            <a:endParaRPr lang="en-US" altLang="zh-CN" dirty="0"/>
+          </a:p>
+          <a:p>
+            <a:r>
+              <a:rPr lang="zh-CN" altLang="en-US" dirty="0"/>
+              <a:t>管理空闲内存</a:t>
+            </a:r>
+            <a:r>
+              <a:rPr lang="en-US" altLang="zh-CN" dirty="0"/>
+              <a:t>(</a:t>
+            </a:r>
+            <a:r>
+              <a:rPr lang="zh-CN" altLang="en-US" dirty="0"/>
+              <a:t>物理</a:t>
+            </a:r>
+            <a:r>
+              <a:rPr lang="en-US" altLang="zh-CN" dirty="0"/>
+              <a:t>)</a:t>
+            </a:r>
+          </a:p>
+          <a:p>
+            <a:pPr lvl="1"/>
+            <a:r>
+              <a:rPr lang="zh-CN" altLang="en-US" dirty="0"/>
+              <a:t>创建进程时，</a:t>
+            </a:r>
+            <a:r>
+              <a:rPr lang="en-US" altLang="zh-CN" dirty="0"/>
+              <a:t>OS</a:t>
+            </a:r>
+            <a:r>
+              <a:rPr lang="zh-CN" altLang="en-US" dirty="0"/>
+              <a:t>需要为新进程的每个段找到合适的空间</a:t>
+            </a:r>
+            <a:endParaRPr lang="en-US" altLang="zh-CN" dirty="0"/>
+          </a:p>
+          <a:p>
+            <a:pPr lvl="1"/>
+            <a:r>
+              <a:rPr lang="zh-CN" altLang="en-US" dirty="0"/>
+              <a:t>每个段大小可能不同</a:t>
+            </a:r>
+            <a:endParaRPr lang="en-US" altLang="zh-CN" dirty="0"/>
+          </a:p>
+          <a:p>
+            <a:pPr lvl="1"/>
+            <a:r>
+              <a:rPr lang="zh-CN" altLang="en-US" dirty="0">
+                <a:solidFill>
+                  <a:srgbClr val="FF0000"/>
+                </a:solidFill>
+              </a:rPr>
+              <a:t>外部碎片</a:t>
+            </a:r>
+            <a:r>
+              <a:rPr lang="zh-CN" altLang="en-US" dirty="0"/>
+              <a:t>：空闲空间碎片化，导致空闲总量够，却无法找到一块完整的内存块分配给新进程</a:t>
+            </a:r>
+            <a:endParaRPr lang="en-US" altLang="zh-CN" dirty="0"/>
+          </a:p>
+          <a:p>
+            <a:pPr lvl="1"/>
+            <a:r>
+              <a:rPr lang="zh-CN" altLang="en-US" dirty="0">
+                <a:solidFill>
+                  <a:srgbClr val="FF0000"/>
+                </a:solidFill>
+              </a:rPr>
+              <a:t>内部碎片</a:t>
+            </a:r>
+            <a:r>
+              <a:rPr lang="zh-CN" altLang="en-US" dirty="0"/>
+              <a:t>：如果一个分配器分配的内存比请求的要大，该内存块中未被使用的部分被视为内部碎片</a:t>
+            </a:r>
+            <a:endParaRPr lang="en-US" altLang="zh-CN" dirty="0"/>
+          </a:p>
+          <a:p>
+            <a:endParaRPr lang="en-US" altLang="zh-CN" dirty="0"/>
+          </a:p>
+          <a:p>
+            <a:endParaRPr lang="zh-CN" altLang="en-US" dirty="0"/>
+          </a:p>
+        </p:txBody>
+      </p:sp>
+      <p:sp>
+        <p:nvSpPr>
+          <p:cNvPr id="4" name="灯片编号占位符 3">
+            <a:extLst>
+              <a:ext uri="{FF2B5EF4-FFF2-40B4-BE49-F238E27FC236}">
+                <a16:creationId xmlns:a16="http://schemas.microsoft.com/office/drawing/2014/main" id="{4402B058-60D1-AFF0-C47B-C282C2778907}"/>
+              </a:ext>
+            </a:extLst>
+          </p:cNvPr>
+          <p:cNvSpPr>
+            <a:spLocks noGrp="1"/>
+          </p:cNvSpPr>
+          <p:nvPr>
+            <p:ph type="sldNum" sz="quarter" idx="12"/>
+          </p:nvPr>
+        </p:nvSpPr>
+        <p:spPr/>
+        <p:txBody>
+          <a:bodyPr/>
+          <a:lstStyle/>
+          <a:p>
+            <a:r>
+              <a:rPr lang="zh-CN" altLang="en-US"/>
+              <a:t>计算机操作系统                     </a:t>
+            </a:r>
+            <a:fld id="{2109AC4C-C6B9-4211-8A17-43C623583010}" type="slidenum">
+              <a:rPr lang="zh-CN" altLang="en-US" smtClean="0"/>
+              <a:pPr/>
+              <a:t>42</a:t>
+            </a:fld>
+            <a:endParaRPr lang="zh-CN" altLang="en-US" dirty="0"/>
+          </a:p>
+        </p:txBody>
+      </p:sp>
+    </p:spTree>
+    <p:extLst>
+      <p:ext uri="{BB962C8B-B14F-4D97-AF65-F5344CB8AC3E}">
+        <p14:creationId xmlns:p14="http://schemas.microsoft.com/office/powerpoint/2010/main" val="3901448852"/>
+      </p:ext>
+    </p:extLst>
+  </p:cSld>
+  <p:clrMapOvr>
+    <a:masterClrMapping/>
+  </p:clrMapOvr>
+</p:sld>
+</file>
+
+<file path=ppt/slides/slide43.xml><?xml version="1.0" encoding="utf-8"?>
+<p:sld xmlns:a="http://schemas.openxmlformats.org/drawingml/2006/main" xmlns:r="http://schemas.openxmlformats.org/officeDocument/2006/relationships" xmlns:p="http://schemas.openxmlformats.org/presentationml/2006/main">
+  <p:cSld>
+    <p:spTree>
+      <p:nvGrpSpPr>
+        <p:cNvPr id="1" name=""/>
+        <p:cNvGrpSpPr/>
+        <p:nvPr/>
+      </p:nvGrpSpPr>
+      <p:grpSpPr>
+        <a:xfrm>
+          <a:off x="0" y="0"/>
+          <a:ext cx="0" cy="0"/>
+          <a:chOff x="0" y="0"/>
+          <a:chExt cx="0" cy="0"/>
+        </a:xfrm>
+      </p:grpSpPr>
+      <p:sp>
+        <p:nvSpPr>
+          <p:cNvPr id="2" name="标题 1">
+            <a:extLst>
+              <a:ext uri="{FF2B5EF4-FFF2-40B4-BE49-F238E27FC236}">
+                <a16:creationId xmlns:a16="http://schemas.microsoft.com/office/drawing/2014/main" id="{9787ABB2-D664-6673-3FE9-0F2535CD8EEA}"/>
+              </a:ext>
+            </a:extLst>
+          </p:cNvPr>
+          <p:cNvSpPr>
+            <a:spLocks noGrp="1"/>
+          </p:cNvSpPr>
+          <p:nvPr>
+            <p:ph type="title"/>
+          </p:nvPr>
+        </p:nvSpPr>
+        <p:spPr/>
+        <p:txBody>
+          <a:bodyPr/>
+          <a:lstStyle/>
+          <a:p>
+            <a:r>
+              <a:rPr lang="zh-CN" altLang="en-US" dirty="0"/>
+              <a:t>分段：</a:t>
+            </a:r>
+            <a:r>
+              <a:rPr lang="en-US" altLang="zh-CN" dirty="0"/>
+              <a:t>OS</a:t>
+            </a:r>
+            <a:r>
+              <a:rPr lang="zh-CN" altLang="en-US" dirty="0"/>
+              <a:t>的职责</a:t>
+            </a:r>
+          </a:p>
+        </p:txBody>
+      </p:sp>
+      <p:sp>
+        <p:nvSpPr>
+          <p:cNvPr id="3" name="内容占位符 2">
+            <a:extLst>
+              <a:ext uri="{FF2B5EF4-FFF2-40B4-BE49-F238E27FC236}">
+                <a16:creationId xmlns:a16="http://schemas.microsoft.com/office/drawing/2014/main" id="{C5CCC6CA-FBDE-6930-EEC7-4466E019812A}"/>
+              </a:ext>
+            </a:extLst>
+          </p:cNvPr>
+          <p:cNvSpPr>
+            <a:spLocks noGrp="1"/>
+          </p:cNvSpPr>
+          <p:nvPr>
+            <p:ph idx="1"/>
+          </p:nvPr>
+        </p:nvSpPr>
+        <p:spPr/>
+        <p:txBody>
+          <a:bodyPr/>
+          <a:lstStyle/>
+          <a:p>
+            <a:r>
+              <a:rPr lang="zh-CN" altLang="en-US" dirty="0"/>
+              <a:t>外部碎片的实例</a:t>
+            </a:r>
+            <a:endParaRPr lang="en-US" altLang="zh-CN" dirty="0"/>
+          </a:p>
+          <a:p>
+            <a:pPr lvl="1"/>
+            <a:r>
+              <a:rPr lang="zh-CN" altLang="en-US" dirty="0"/>
+              <a:t>一个进程需要分配一个</a:t>
+            </a:r>
+            <a:r>
+              <a:rPr lang="en-US" altLang="zh-CN" dirty="0"/>
+              <a:t>20KB</a:t>
+            </a:r>
+            <a:r>
+              <a:rPr lang="zh-CN" altLang="en-US" dirty="0"/>
+              <a:t>的段，当前空闲总共</a:t>
+            </a:r>
+            <a:r>
+              <a:rPr lang="en-US" altLang="zh-CN" dirty="0"/>
+              <a:t>24K</a:t>
+            </a:r>
+            <a:r>
+              <a:rPr lang="zh-CN" altLang="en-US" dirty="0"/>
+              <a:t>，但不连续，因此无法满足请求</a:t>
+            </a:r>
+          </a:p>
+        </p:txBody>
+      </p:sp>
+      <p:sp>
+        <p:nvSpPr>
+          <p:cNvPr id="4" name="灯片编号占位符 3">
+            <a:extLst>
+              <a:ext uri="{FF2B5EF4-FFF2-40B4-BE49-F238E27FC236}">
+                <a16:creationId xmlns:a16="http://schemas.microsoft.com/office/drawing/2014/main" id="{474FD58A-37E6-1E5D-50C8-AF6AD12C8D59}"/>
+              </a:ext>
+            </a:extLst>
+          </p:cNvPr>
+          <p:cNvSpPr>
+            <a:spLocks noGrp="1"/>
+          </p:cNvSpPr>
+          <p:nvPr>
+            <p:ph type="sldNum" sz="quarter" idx="12"/>
+          </p:nvPr>
+        </p:nvSpPr>
+        <p:spPr/>
+        <p:txBody>
+          <a:bodyPr/>
+          <a:lstStyle/>
+          <a:p>
+            <a:r>
+              <a:rPr lang="zh-CN" altLang="en-US"/>
+              <a:t>计算机操作系统                     </a:t>
+            </a:r>
+            <a:fld id="{2109AC4C-C6B9-4211-8A17-43C623583010}" type="slidenum">
+              <a:rPr lang="zh-CN" altLang="en-US" smtClean="0"/>
+              <a:pPr/>
+              <a:t>43</a:t>
+            </a:fld>
+            <a:endParaRPr lang="zh-CN" altLang="en-US" dirty="0"/>
+          </a:p>
+        </p:txBody>
+      </p:sp>
+      <p:pic>
+        <p:nvPicPr>
+          <p:cNvPr id="6" name="图片 5">
+            <a:extLst>
+              <a:ext uri="{FF2B5EF4-FFF2-40B4-BE49-F238E27FC236}">
+                <a16:creationId xmlns:a16="http://schemas.microsoft.com/office/drawing/2014/main" id="{DAEE517C-5C29-2558-F05D-7A0D5E8291E9}"/>
+              </a:ext>
+            </a:extLst>
+          </p:cNvPr>
+          <p:cNvPicPr>
+            <a:picLocks noChangeAspect="1"/>
+          </p:cNvPicPr>
+          <p:nvPr/>
+        </p:nvPicPr>
+        <p:blipFill>
+          <a:blip r:embed="rId2"/>
+          <a:stretch>
+            <a:fillRect/>
+          </a:stretch>
+        </p:blipFill>
+        <p:spPr>
+          <a:xfrm>
+            <a:off x="2098976" y="2002715"/>
+            <a:ext cx="3276768" cy="4553184"/>
+          </a:xfrm>
+          <a:prstGeom prst="rect">
+            <a:avLst/>
+          </a:prstGeom>
+        </p:spPr>
+      </p:pic>
+    </p:spTree>
+    <p:extLst>
+      <p:ext uri="{BB962C8B-B14F-4D97-AF65-F5344CB8AC3E}">
+        <p14:creationId xmlns:p14="http://schemas.microsoft.com/office/powerpoint/2010/main" val="2415466309"/>
+      </p:ext>
+    </p:extLst>
+  </p:cSld>
+  <p:clrMapOvr>
+    <a:masterClrMapping/>
+  </p:clrMapOvr>
+</p:sld>
+</file>
+
+<file path=ppt/slides/slide44.xml><?xml version="1.0" encoding="utf-8"?>
+<p:sld xmlns:a="http://schemas.openxmlformats.org/drawingml/2006/main" xmlns:r="http://schemas.openxmlformats.org/officeDocument/2006/relationships" xmlns:p="http://schemas.openxmlformats.org/presentationml/2006/main">
+  <p:cSld>
+    <p:spTree>
+      <p:nvGrpSpPr>
+        <p:cNvPr id="1" name=""/>
+        <p:cNvGrpSpPr/>
+        <p:nvPr/>
+      </p:nvGrpSpPr>
+      <p:grpSpPr>
+        <a:xfrm>
+          <a:off x="0" y="0"/>
+          <a:ext cx="0" cy="0"/>
+          <a:chOff x="0" y="0"/>
+          <a:chExt cx="0" cy="0"/>
+        </a:xfrm>
+      </p:grpSpPr>
+      <p:sp>
+        <p:nvSpPr>
+          <p:cNvPr id="2" name="标题 1">
+            <a:extLst>
+              <a:ext uri="{FF2B5EF4-FFF2-40B4-BE49-F238E27FC236}">
+                <a16:creationId xmlns:a16="http://schemas.microsoft.com/office/drawing/2014/main" id="{85CD9A62-1429-9067-5E13-745C2788465D}"/>
+              </a:ext>
+            </a:extLst>
+          </p:cNvPr>
+          <p:cNvSpPr>
+            <a:spLocks noGrp="1"/>
+          </p:cNvSpPr>
+          <p:nvPr>
+            <p:ph type="title"/>
+          </p:nvPr>
+        </p:nvSpPr>
+        <p:spPr/>
+        <p:txBody>
+          <a:bodyPr/>
+          <a:lstStyle/>
+          <a:p>
+            <a:r>
+              <a:rPr lang="zh-CN" altLang="en-US" dirty="0"/>
+              <a:t>分段：</a:t>
+            </a:r>
+            <a:r>
+              <a:rPr lang="en-US" altLang="zh-CN" dirty="0"/>
+              <a:t>OS</a:t>
+            </a:r>
+            <a:r>
+              <a:rPr lang="zh-CN" altLang="en-US" dirty="0"/>
+              <a:t>的职责</a:t>
+            </a:r>
+          </a:p>
+        </p:txBody>
+      </p:sp>
+      <p:sp>
+        <p:nvSpPr>
+          <p:cNvPr id="3" name="内容占位符 2">
+            <a:extLst>
+              <a:ext uri="{FF2B5EF4-FFF2-40B4-BE49-F238E27FC236}">
+                <a16:creationId xmlns:a16="http://schemas.microsoft.com/office/drawing/2014/main" id="{470DA0F0-78FE-AB15-5972-93EB9CF92682}"/>
+              </a:ext>
+            </a:extLst>
+          </p:cNvPr>
+          <p:cNvSpPr>
+            <a:spLocks noGrp="1"/>
+          </p:cNvSpPr>
+          <p:nvPr>
+            <p:ph idx="1"/>
+          </p:nvPr>
+        </p:nvSpPr>
+        <p:spPr/>
+        <p:txBody>
+          <a:bodyPr/>
+          <a:lstStyle/>
+          <a:p>
+            <a:r>
+              <a:rPr lang="zh-CN" altLang="en-US" dirty="0"/>
+              <a:t>外部碎片的解决方法</a:t>
+            </a:r>
+            <a:r>
+              <a:rPr lang="en-US" altLang="zh-CN" dirty="0"/>
+              <a:t>1</a:t>
+            </a:r>
+            <a:r>
+              <a:rPr lang="zh-CN" altLang="en-US" dirty="0"/>
+              <a:t>：采用紧凑</a:t>
+            </a:r>
+            <a:r>
+              <a:rPr lang="en-US" altLang="zh-CN" dirty="0"/>
+              <a:t>(compact)</a:t>
+            </a:r>
+            <a:r>
+              <a:rPr lang="zh-CN" altLang="en-US" dirty="0"/>
+              <a:t>物理内存</a:t>
+            </a:r>
+            <a:endParaRPr lang="en-US" altLang="zh-CN" dirty="0"/>
+          </a:p>
+          <a:p>
+            <a:pPr lvl="1"/>
+            <a:r>
+              <a:rPr lang="zh-CN" altLang="en-US" dirty="0"/>
+              <a:t>终止运行进程，数据复制到连续的内存区域</a:t>
+            </a:r>
+            <a:r>
+              <a:rPr lang="en-US" altLang="zh-CN" dirty="0"/>
+              <a:t>(</a:t>
+            </a:r>
+            <a:r>
+              <a:rPr lang="zh-CN" altLang="en-US" dirty="0"/>
+              <a:t>内存整理</a:t>
+            </a:r>
+            <a:r>
+              <a:rPr lang="en-US" altLang="zh-CN" dirty="0"/>
+              <a:t>)</a:t>
+            </a:r>
+          </a:p>
+          <a:p>
+            <a:pPr lvl="1"/>
+            <a:r>
+              <a:rPr lang="zh-CN" altLang="en-US" dirty="0"/>
+              <a:t>代价：占用大量</a:t>
+            </a:r>
+            <a:r>
+              <a:rPr lang="en-US" altLang="zh-CN" dirty="0"/>
+              <a:t>CPU</a:t>
+            </a:r>
+            <a:r>
+              <a:rPr lang="zh-CN" altLang="en-US" dirty="0"/>
+              <a:t>时间</a:t>
+            </a:r>
+            <a:endParaRPr lang="en-US" altLang="zh-CN" dirty="0"/>
+          </a:p>
+        </p:txBody>
+      </p:sp>
+      <p:sp>
+        <p:nvSpPr>
+          <p:cNvPr id="4" name="灯片编号占位符 3">
+            <a:extLst>
+              <a:ext uri="{FF2B5EF4-FFF2-40B4-BE49-F238E27FC236}">
+                <a16:creationId xmlns:a16="http://schemas.microsoft.com/office/drawing/2014/main" id="{2D0F2389-7E66-6EB2-819D-6EEF645663DA}"/>
+              </a:ext>
+            </a:extLst>
+          </p:cNvPr>
+          <p:cNvSpPr>
+            <a:spLocks noGrp="1"/>
+          </p:cNvSpPr>
+          <p:nvPr>
+            <p:ph type="sldNum" sz="quarter" idx="12"/>
+          </p:nvPr>
+        </p:nvSpPr>
+        <p:spPr/>
+        <p:txBody>
+          <a:bodyPr/>
+          <a:lstStyle/>
+          <a:p>
+            <a:r>
+              <a:rPr lang="zh-CN" altLang="en-US"/>
+              <a:t>计算机操作系统                     </a:t>
+            </a:r>
+            <a:fld id="{2109AC4C-C6B9-4211-8A17-43C623583010}" type="slidenum">
+              <a:rPr lang="zh-CN" altLang="en-US" smtClean="0"/>
+              <a:pPr/>
+              <a:t>44</a:t>
             </a:fld>
             <a:endParaRPr lang="zh-CN" altLang="en-US" dirty="0"/>
           </a:p>
@@ -12274,7 +12965,7 @@
 </p:sld>
 </file>
 
-<file path=ppt/slides/slide41.xml><?xml version="1.0" encoding="utf-8"?>
+<file path=ppt/slides/slide45.xml><?xml version="1.0" encoding="utf-8"?>
 <p:sld xmlns:a="http://schemas.openxmlformats.org/drawingml/2006/main" xmlns:r="http://schemas.openxmlformats.org/officeDocument/2006/relationships" xmlns:p="http://schemas.openxmlformats.org/presentationml/2006/main">
   <p:cSld>
     <p:spTree>
@@ -12422,7 +13113,7 @@
             <a:fld id="{2109AC4C-C6B9-4211-8A17-43C623583010}" type="slidenum">
               <a:rPr lang="zh-CN" altLang="en-US" smtClean="0"/>
               <a:pPr/>
-              <a:t>41</a:t>
+              <a:t>45</a:t>
             </a:fld>
             <a:endParaRPr lang="zh-CN" altLang="en-US" dirty="0"/>
           </a:p>
@@ -12441,7 +13132,7 @@
 </p:sld>
 </file>
 
-<file path=ppt/slides/slide42.xml><?xml version="1.0" encoding="utf-8"?>
+<file path=ppt/slides/slide46.xml><?xml version="1.0" encoding="utf-8"?>
 <p:sld xmlns:a="http://schemas.openxmlformats.org/drawingml/2006/main" xmlns:r="http://schemas.openxmlformats.org/officeDocument/2006/relationships" xmlns:p="http://schemas.openxmlformats.org/presentationml/2006/main">
   <p:cSld>
     <p:spTree>
@@ -12595,7 +13286,7 @@
             <a:fld id="{2109AC4C-C6B9-4211-8A17-43C623583010}" type="slidenum">
               <a:rPr lang="zh-CN" altLang="en-US" smtClean="0"/>
               <a:pPr/>
-              <a:t>42</a:t>
+              <a:t>46</a:t>
             </a:fld>
             <a:endParaRPr lang="zh-CN" altLang="en-US" dirty="0"/>
           </a:p>
@@ -12644,833 +13335,6 @@
 </p:sld>
 </file>
 
-<file path=ppt/slides/slide43.xml><?xml version="1.0" encoding="utf-8"?>
-<p:sld xmlns:a="http://schemas.openxmlformats.org/drawingml/2006/main" xmlns:r="http://schemas.openxmlformats.org/officeDocument/2006/relationships" xmlns:p="http://schemas.openxmlformats.org/presentationml/2006/main">
-  <p:cSld>
-    <p:spTree>
-      <p:nvGrpSpPr>
-        <p:cNvPr id="1" name=""/>
-        <p:cNvGrpSpPr/>
-        <p:nvPr/>
-      </p:nvGrpSpPr>
-      <p:grpSpPr>
-        <a:xfrm>
-          <a:off x="0" y="0"/>
-          <a:ext cx="0" cy="0"/>
-          <a:chOff x="0" y="0"/>
-          <a:chExt cx="0" cy="0"/>
-        </a:xfrm>
-      </p:grpSpPr>
-      <p:sp>
-        <p:nvSpPr>
-          <p:cNvPr id="2" name="标题 1">
-            <a:extLst>
-              <a:ext uri="{FF2B5EF4-FFF2-40B4-BE49-F238E27FC236}">
-                <a16:creationId xmlns:a16="http://schemas.microsoft.com/office/drawing/2014/main" id="{C8103B5C-AB39-92B8-CD4F-B4055BE3B344}"/>
-              </a:ext>
-            </a:extLst>
-          </p:cNvPr>
-          <p:cNvSpPr>
-            <a:spLocks noGrp="1"/>
-          </p:cNvSpPr>
-          <p:nvPr>
-            <p:ph type="title"/>
-          </p:nvPr>
-        </p:nvSpPr>
-        <p:spPr/>
-        <p:txBody>
-          <a:bodyPr/>
-          <a:lstStyle/>
-          <a:p>
-            <a:r>
-              <a:rPr lang="zh-CN" altLang="en-US" dirty="0"/>
-              <a:t>空闲空间管理</a:t>
-            </a:r>
-          </a:p>
-        </p:txBody>
-      </p:sp>
-      <p:sp>
-        <p:nvSpPr>
-          <p:cNvPr id="3" name="内容占位符 2">
-            <a:extLst>
-              <a:ext uri="{FF2B5EF4-FFF2-40B4-BE49-F238E27FC236}">
-                <a16:creationId xmlns:a16="http://schemas.microsoft.com/office/drawing/2014/main" id="{AC21079B-36BE-39C0-D9E8-F34F1C537A72}"/>
-              </a:ext>
-            </a:extLst>
-          </p:cNvPr>
-          <p:cNvSpPr>
-            <a:spLocks noGrp="1"/>
-          </p:cNvSpPr>
-          <p:nvPr>
-            <p:ph idx="1"/>
-          </p:nvPr>
-        </p:nvSpPr>
-        <p:spPr/>
-        <p:txBody>
-          <a:bodyPr/>
-          <a:lstStyle/>
-          <a:p>
-            <a:r>
-              <a:rPr lang="zh-CN" altLang="en-US" dirty="0"/>
-              <a:t>机制</a:t>
-            </a:r>
-            <a:endParaRPr lang="en-US" altLang="zh-CN" dirty="0"/>
-          </a:p>
-          <a:p>
-            <a:pPr lvl="1"/>
-            <a:r>
-              <a:rPr lang="zh-CN" altLang="en-US" dirty="0"/>
-              <a:t>变长内存请求下，如何管理空闲空间</a:t>
-            </a:r>
-            <a:r>
-              <a:rPr lang="en-US" altLang="zh-CN" dirty="0"/>
-              <a:t>?</a:t>
-            </a:r>
-          </a:p>
-          <a:p>
-            <a:r>
-              <a:rPr lang="zh-CN" altLang="en-US" dirty="0"/>
-              <a:t>策略</a:t>
-            </a:r>
-            <a:endParaRPr lang="en-US" altLang="zh-CN" dirty="0"/>
-          </a:p>
-          <a:p>
-            <a:pPr lvl="1"/>
-            <a:r>
-              <a:rPr lang="zh-CN" altLang="en-US" dirty="0"/>
-              <a:t>哪些策略可使碎片化尽量减少</a:t>
-            </a:r>
-            <a:r>
-              <a:rPr lang="en-US" altLang="zh-CN" dirty="0"/>
-              <a:t>?</a:t>
-            </a:r>
-          </a:p>
-        </p:txBody>
-      </p:sp>
-      <p:sp>
-        <p:nvSpPr>
-          <p:cNvPr id="4" name="灯片编号占位符 3">
-            <a:extLst>
-              <a:ext uri="{FF2B5EF4-FFF2-40B4-BE49-F238E27FC236}">
-                <a16:creationId xmlns:a16="http://schemas.microsoft.com/office/drawing/2014/main" id="{8F6FDABC-9016-8874-AEEA-6A1525C8EB27}"/>
-              </a:ext>
-            </a:extLst>
-          </p:cNvPr>
-          <p:cNvSpPr>
-            <a:spLocks noGrp="1"/>
-          </p:cNvSpPr>
-          <p:nvPr>
-            <p:ph type="sldNum" sz="quarter" idx="12"/>
-          </p:nvPr>
-        </p:nvSpPr>
-        <p:spPr/>
-        <p:txBody>
-          <a:bodyPr/>
-          <a:lstStyle/>
-          <a:p>
-            <a:r>
-              <a:rPr lang="zh-CN" altLang="en-US"/>
-              <a:t>计算机操作系统                     </a:t>
-            </a:r>
-            <a:fld id="{2109AC4C-C6B9-4211-8A17-43C623583010}" type="slidenum">
-              <a:rPr lang="zh-CN" altLang="en-US" smtClean="0"/>
-              <a:pPr/>
-              <a:t>43</a:t>
-            </a:fld>
-            <a:endParaRPr lang="zh-CN" altLang="en-US" dirty="0"/>
-          </a:p>
-        </p:txBody>
-      </p:sp>
-    </p:spTree>
-    <p:extLst>
-      <p:ext uri="{BB962C8B-B14F-4D97-AF65-F5344CB8AC3E}">
-        <p14:creationId xmlns:p14="http://schemas.microsoft.com/office/powerpoint/2010/main" val="3607731471"/>
-      </p:ext>
-    </p:extLst>
-  </p:cSld>
-  <p:clrMapOvr>
-    <a:masterClrMapping/>
-  </p:clrMapOvr>
-</p:sld>
-</file>
-
-<file path=ppt/slides/slide44.xml><?xml version="1.0" encoding="utf-8"?>
-<p:sld xmlns:a="http://schemas.openxmlformats.org/drawingml/2006/main" xmlns:r="http://schemas.openxmlformats.org/officeDocument/2006/relationships" xmlns:p="http://schemas.openxmlformats.org/presentationml/2006/main">
-  <p:cSld>
-    <p:spTree>
-      <p:nvGrpSpPr>
-        <p:cNvPr id="1" name=""/>
-        <p:cNvGrpSpPr/>
-        <p:nvPr/>
-      </p:nvGrpSpPr>
-      <p:grpSpPr>
-        <a:xfrm>
-          <a:off x="0" y="0"/>
-          <a:ext cx="0" cy="0"/>
-          <a:chOff x="0" y="0"/>
-          <a:chExt cx="0" cy="0"/>
-        </a:xfrm>
-      </p:grpSpPr>
-      <p:sp>
-        <p:nvSpPr>
-          <p:cNvPr id="2" name="标题 1">
-            <a:extLst>
-              <a:ext uri="{FF2B5EF4-FFF2-40B4-BE49-F238E27FC236}">
-                <a16:creationId xmlns:a16="http://schemas.microsoft.com/office/drawing/2014/main" id="{C5A2A864-99F2-F327-4A25-9DC9FB0722EE}"/>
-              </a:ext>
-            </a:extLst>
-          </p:cNvPr>
-          <p:cNvSpPr>
-            <a:spLocks noGrp="1"/>
-          </p:cNvSpPr>
-          <p:nvPr>
-            <p:ph type="title"/>
-          </p:nvPr>
-        </p:nvSpPr>
-        <p:spPr/>
-        <p:txBody>
-          <a:bodyPr/>
-          <a:lstStyle/>
-          <a:p>
-            <a:r>
-              <a:rPr lang="zh-CN" altLang="en-US" dirty="0"/>
-              <a:t>空闲空间管理</a:t>
-            </a:r>
-            <a:r>
-              <a:rPr lang="en-US" altLang="zh-CN" dirty="0"/>
-              <a:t>-</a:t>
-            </a:r>
-            <a:r>
-              <a:rPr lang="zh-CN" altLang="en-US" dirty="0"/>
-              <a:t>基本假设</a:t>
-            </a:r>
-          </a:p>
-        </p:txBody>
-      </p:sp>
-      <p:sp>
-        <p:nvSpPr>
-          <p:cNvPr id="3" name="内容占位符 2">
-            <a:extLst>
-              <a:ext uri="{FF2B5EF4-FFF2-40B4-BE49-F238E27FC236}">
-                <a16:creationId xmlns:a16="http://schemas.microsoft.com/office/drawing/2014/main" id="{FC976DFD-AE4E-EEAC-6E06-AD486F5DA3F3}"/>
-              </a:ext>
-            </a:extLst>
-          </p:cNvPr>
-          <p:cNvSpPr>
-            <a:spLocks noGrp="1"/>
-          </p:cNvSpPr>
-          <p:nvPr>
-            <p:ph idx="1"/>
-          </p:nvPr>
-        </p:nvSpPr>
-        <p:spPr/>
-        <p:txBody>
-          <a:bodyPr/>
-          <a:lstStyle/>
-          <a:p>
-            <a:r>
-              <a:rPr lang="zh-CN" altLang="en-US" dirty="0"/>
-              <a:t>基本接口</a:t>
-            </a:r>
-            <a:endParaRPr lang="en-US" altLang="zh-CN" dirty="0"/>
-          </a:p>
-          <a:p>
-            <a:pPr lvl="1"/>
-            <a:r>
-              <a:rPr lang="en-US" altLang="zh-CN" dirty="0"/>
-              <a:t>void *malloc(size t size)</a:t>
-            </a:r>
-          </a:p>
-          <a:p>
-            <a:pPr lvl="1"/>
-            <a:r>
-              <a:rPr lang="en-US" altLang="zh-CN" dirty="0"/>
-              <a:t>void free(void *</a:t>
-            </a:r>
-            <a:r>
-              <a:rPr lang="en-US" altLang="zh-CN" dirty="0" err="1"/>
-              <a:t>ptr</a:t>
-            </a:r>
-            <a:r>
-              <a:rPr lang="en-US" altLang="zh-CN" dirty="0"/>
-              <a:t>)</a:t>
-            </a:r>
-          </a:p>
-          <a:p>
-            <a:r>
-              <a:rPr lang="zh-CN" altLang="en-US" dirty="0"/>
-              <a:t>核心问题</a:t>
-            </a:r>
-            <a:endParaRPr lang="en-US" altLang="zh-CN" dirty="0"/>
-          </a:p>
-          <a:p>
-            <a:pPr lvl="1"/>
-            <a:r>
-              <a:rPr lang="zh-CN" altLang="en-US" dirty="0"/>
-              <a:t>如何设计数据结构，跟踪和管理空闲空间</a:t>
-            </a:r>
-            <a:endParaRPr lang="en-US" altLang="zh-CN" dirty="0"/>
-          </a:p>
-          <a:p>
-            <a:r>
-              <a:rPr lang="zh-CN" altLang="en-US" dirty="0"/>
-              <a:t>主要关注外部碎片</a:t>
-            </a:r>
-            <a:endParaRPr lang="en-US" altLang="zh-CN" dirty="0"/>
-          </a:p>
-          <a:p>
-            <a:r>
-              <a:rPr lang="zh-CN" altLang="en-US" dirty="0"/>
-              <a:t>一块内存一旦分配给了进程，无法重定向到其他物理空间</a:t>
-            </a:r>
-            <a:endParaRPr lang="en-US" altLang="zh-CN" dirty="0"/>
-          </a:p>
-          <a:p>
-            <a:r>
-              <a:rPr lang="zh-CN" altLang="en-US" dirty="0"/>
-              <a:t>分配对象是一块固定长度的连续空间</a:t>
-            </a:r>
-          </a:p>
-        </p:txBody>
-      </p:sp>
-      <p:sp>
-        <p:nvSpPr>
-          <p:cNvPr id="4" name="灯片编号占位符 3">
-            <a:extLst>
-              <a:ext uri="{FF2B5EF4-FFF2-40B4-BE49-F238E27FC236}">
-                <a16:creationId xmlns:a16="http://schemas.microsoft.com/office/drawing/2014/main" id="{9A57C1BF-C14A-85CE-48E7-AAD722BC4B01}"/>
-              </a:ext>
-            </a:extLst>
-          </p:cNvPr>
-          <p:cNvSpPr>
-            <a:spLocks noGrp="1"/>
-          </p:cNvSpPr>
-          <p:nvPr>
-            <p:ph type="sldNum" sz="quarter" idx="12"/>
-          </p:nvPr>
-        </p:nvSpPr>
-        <p:spPr/>
-        <p:txBody>
-          <a:bodyPr/>
-          <a:lstStyle/>
-          <a:p>
-            <a:r>
-              <a:rPr lang="zh-CN" altLang="en-US"/>
-              <a:t>计算机操作系统                     </a:t>
-            </a:r>
-            <a:fld id="{2109AC4C-C6B9-4211-8A17-43C623583010}" type="slidenum">
-              <a:rPr lang="zh-CN" altLang="en-US" smtClean="0"/>
-              <a:pPr/>
-              <a:t>44</a:t>
-            </a:fld>
-            <a:endParaRPr lang="zh-CN" altLang="en-US" dirty="0"/>
-          </a:p>
-        </p:txBody>
-      </p:sp>
-    </p:spTree>
-    <p:extLst>
-      <p:ext uri="{BB962C8B-B14F-4D97-AF65-F5344CB8AC3E}">
-        <p14:creationId xmlns:p14="http://schemas.microsoft.com/office/powerpoint/2010/main" val="2835412786"/>
-      </p:ext>
-    </p:extLst>
-  </p:cSld>
-  <p:clrMapOvr>
-    <a:masterClrMapping/>
-  </p:clrMapOvr>
-</p:sld>
-</file>
-
-<file path=ppt/slides/slide45.xml><?xml version="1.0" encoding="utf-8"?>
-<p:sld xmlns:a="http://schemas.openxmlformats.org/drawingml/2006/main" xmlns:r="http://schemas.openxmlformats.org/officeDocument/2006/relationships" xmlns:p="http://schemas.openxmlformats.org/presentationml/2006/main">
-  <p:cSld>
-    <p:spTree>
-      <p:nvGrpSpPr>
-        <p:cNvPr id="1" name=""/>
-        <p:cNvGrpSpPr/>
-        <p:nvPr/>
-      </p:nvGrpSpPr>
-      <p:grpSpPr>
-        <a:xfrm>
-          <a:off x="0" y="0"/>
-          <a:ext cx="0" cy="0"/>
-          <a:chOff x="0" y="0"/>
-          <a:chExt cx="0" cy="0"/>
-        </a:xfrm>
-      </p:grpSpPr>
-      <p:sp>
-        <p:nvSpPr>
-          <p:cNvPr id="2" name="标题 1">
-            <a:extLst>
-              <a:ext uri="{FF2B5EF4-FFF2-40B4-BE49-F238E27FC236}">
-                <a16:creationId xmlns:a16="http://schemas.microsoft.com/office/drawing/2014/main" id="{7C6F2FB8-7CE5-4D7F-303D-D5A9C68DE9FC}"/>
-              </a:ext>
-            </a:extLst>
-          </p:cNvPr>
-          <p:cNvSpPr>
-            <a:spLocks noGrp="1"/>
-          </p:cNvSpPr>
-          <p:nvPr>
-            <p:ph type="title"/>
-          </p:nvPr>
-        </p:nvSpPr>
-        <p:spPr/>
-        <p:txBody>
-          <a:bodyPr/>
-          <a:lstStyle/>
-          <a:p>
-            <a:r>
-              <a:rPr lang="zh-CN" altLang="en-US" dirty="0"/>
-              <a:t>数据结构</a:t>
-            </a:r>
-          </a:p>
-        </p:txBody>
-      </p:sp>
-      <p:sp>
-        <p:nvSpPr>
-          <p:cNvPr id="3" name="内容占位符 2">
-            <a:extLst>
-              <a:ext uri="{FF2B5EF4-FFF2-40B4-BE49-F238E27FC236}">
-                <a16:creationId xmlns:a16="http://schemas.microsoft.com/office/drawing/2014/main" id="{A9EC1B6F-86A7-5801-E09D-9689A62767B8}"/>
-              </a:ext>
-            </a:extLst>
-          </p:cNvPr>
-          <p:cNvSpPr>
-            <a:spLocks noGrp="1"/>
-          </p:cNvSpPr>
-          <p:nvPr>
-            <p:ph idx="1"/>
-          </p:nvPr>
-        </p:nvSpPr>
-        <p:spPr/>
-        <p:txBody>
-          <a:bodyPr/>
-          <a:lstStyle/>
-          <a:p>
-            <a:r>
-              <a:rPr lang="zh-CN" altLang="en-US" dirty="0"/>
-              <a:t>需要一个链表，跟踪内存的分配情况</a:t>
-            </a:r>
-            <a:endParaRPr lang="en-US" altLang="zh-CN" dirty="0"/>
-          </a:p>
-          <a:p>
-            <a:pPr lvl="1"/>
-            <a:r>
-              <a:rPr lang="zh-CN" altLang="en-US" dirty="0"/>
-              <a:t>例如：</a:t>
-            </a:r>
-            <a:r>
-              <a:rPr lang="en-US" altLang="zh-CN" dirty="0"/>
-              <a:t>30byte</a:t>
-            </a:r>
-            <a:r>
-              <a:rPr lang="zh-CN" altLang="en-US" dirty="0"/>
-              <a:t>的堆空间</a:t>
-            </a:r>
-            <a:endParaRPr lang="en-US" altLang="zh-CN" dirty="0"/>
-          </a:p>
-          <a:p>
-            <a:pPr lvl="1"/>
-            <a:endParaRPr lang="en-US" altLang="zh-CN" dirty="0"/>
-          </a:p>
-          <a:p>
-            <a:pPr lvl="1"/>
-            <a:endParaRPr lang="en-US" altLang="zh-CN" dirty="0"/>
-          </a:p>
-          <a:p>
-            <a:pPr lvl="1"/>
-            <a:endParaRPr lang="en-US" altLang="zh-CN" dirty="0"/>
-          </a:p>
-          <a:p>
-            <a:pPr lvl="1"/>
-            <a:r>
-              <a:rPr lang="zh-CN" altLang="en-US" dirty="0"/>
-              <a:t>可以定义一个链表</a:t>
-            </a:r>
-            <a:r>
-              <a:rPr lang="en-US" altLang="zh-CN" dirty="0"/>
-              <a:t>(</a:t>
-            </a:r>
-            <a:r>
-              <a:rPr lang="zh-CN" altLang="en-US" dirty="0"/>
-              <a:t>列表</a:t>
-            </a:r>
-            <a:r>
-              <a:rPr lang="en-US" altLang="zh-CN" dirty="0"/>
-              <a:t>)</a:t>
-            </a:r>
-            <a:r>
-              <a:rPr lang="zh-CN" altLang="en-US" dirty="0"/>
-              <a:t>接口</a:t>
-            </a:r>
-            <a:endParaRPr lang="en-US" altLang="zh-CN" dirty="0"/>
-          </a:p>
-          <a:p>
-            <a:pPr lvl="1"/>
-            <a:endParaRPr lang="en-US" altLang="zh-CN" dirty="0"/>
-          </a:p>
-          <a:p>
-            <a:pPr lvl="1"/>
-            <a:endParaRPr lang="en-US" altLang="zh-CN" dirty="0"/>
-          </a:p>
-          <a:p>
-            <a:pPr lvl="1"/>
-            <a:endParaRPr lang="en-US" altLang="zh-CN" dirty="0"/>
-          </a:p>
-          <a:p>
-            <a:pPr lvl="1"/>
-            <a:r>
-              <a:rPr lang="zh-CN" altLang="en-US" dirty="0"/>
-              <a:t>请求空间</a:t>
-            </a:r>
-            <a:r>
-              <a:rPr lang="en-US" altLang="zh-CN" dirty="0"/>
-              <a:t>&gt;,=,&lt;10byte</a:t>
-            </a:r>
-            <a:r>
-              <a:rPr lang="zh-CN" altLang="en-US" dirty="0"/>
-              <a:t>时分别如何处理</a:t>
-            </a:r>
-            <a:r>
-              <a:rPr lang="en-US" altLang="zh-CN" dirty="0"/>
-              <a:t>?</a:t>
-            </a:r>
-            <a:endParaRPr lang="zh-CN" altLang="en-US" dirty="0"/>
-          </a:p>
-        </p:txBody>
-      </p:sp>
-      <p:sp>
-        <p:nvSpPr>
-          <p:cNvPr id="4" name="灯片编号占位符 3">
-            <a:extLst>
-              <a:ext uri="{FF2B5EF4-FFF2-40B4-BE49-F238E27FC236}">
-                <a16:creationId xmlns:a16="http://schemas.microsoft.com/office/drawing/2014/main" id="{8310BA22-24CD-D4CA-B8B0-C3CF478F2776}"/>
-              </a:ext>
-            </a:extLst>
-          </p:cNvPr>
-          <p:cNvSpPr>
-            <a:spLocks noGrp="1"/>
-          </p:cNvSpPr>
-          <p:nvPr>
-            <p:ph type="sldNum" sz="quarter" idx="12"/>
-          </p:nvPr>
-        </p:nvSpPr>
-        <p:spPr/>
-        <p:txBody>
-          <a:bodyPr/>
-          <a:lstStyle/>
-          <a:p>
-            <a:r>
-              <a:rPr lang="zh-CN" altLang="en-US"/>
-              <a:t>计算机操作系统                     </a:t>
-            </a:r>
-            <a:fld id="{2109AC4C-C6B9-4211-8A17-43C623583010}" type="slidenum">
-              <a:rPr lang="zh-CN" altLang="en-US" smtClean="0"/>
-              <a:pPr/>
-              <a:t>45</a:t>
-            </a:fld>
-            <a:endParaRPr lang="zh-CN" altLang="en-US" dirty="0"/>
-          </a:p>
-        </p:txBody>
-      </p:sp>
-      <p:pic>
-        <p:nvPicPr>
-          <p:cNvPr id="6" name="图片 5">
-            <a:extLst>
-              <a:ext uri="{FF2B5EF4-FFF2-40B4-BE49-F238E27FC236}">
-                <a16:creationId xmlns:a16="http://schemas.microsoft.com/office/drawing/2014/main" id="{3D9366F0-D715-18A5-64BD-F6CE9A5FB946}"/>
-              </a:ext>
-            </a:extLst>
-          </p:cNvPr>
-          <p:cNvPicPr>
-            <a:picLocks noChangeAspect="1"/>
-          </p:cNvPicPr>
-          <p:nvPr/>
-        </p:nvPicPr>
-        <p:blipFill>
-          <a:blip r:embed="rId2"/>
-          <a:stretch>
-            <a:fillRect/>
-          </a:stretch>
-        </p:blipFill>
-        <p:spPr>
-          <a:xfrm>
-            <a:off x="680530" y="2209074"/>
-            <a:ext cx="4972306" cy="869995"/>
-          </a:xfrm>
-          <a:prstGeom prst="rect">
-            <a:avLst/>
-          </a:prstGeom>
-        </p:spPr>
-      </p:pic>
-      <p:pic>
-        <p:nvPicPr>
-          <p:cNvPr id="8" name="图片 7">
-            <a:extLst>
-              <a:ext uri="{FF2B5EF4-FFF2-40B4-BE49-F238E27FC236}">
-                <a16:creationId xmlns:a16="http://schemas.microsoft.com/office/drawing/2014/main" id="{8C9A38FD-8265-E677-8E8F-D13E2E64B72F}"/>
-              </a:ext>
-            </a:extLst>
-          </p:cNvPr>
-          <p:cNvPicPr>
-            <a:picLocks noChangeAspect="1"/>
-          </p:cNvPicPr>
-          <p:nvPr/>
-        </p:nvPicPr>
-        <p:blipFill>
-          <a:blip r:embed="rId3"/>
-          <a:stretch>
-            <a:fillRect/>
-          </a:stretch>
-        </p:blipFill>
-        <p:spPr>
-          <a:xfrm>
-            <a:off x="737174" y="3899594"/>
-            <a:ext cx="4978656" cy="1219263"/>
-          </a:xfrm>
-          <a:prstGeom prst="rect">
-            <a:avLst/>
-          </a:prstGeom>
-        </p:spPr>
-      </p:pic>
-    </p:spTree>
-    <p:extLst>
-      <p:ext uri="{BB962C8B-B14F-4D97-AF65-F5344CB8AC3E}">
-        <p14:creationId xmlns:p14="http://schemas.microsoft.com/office/powerpoint/2010/main" val="2516563892"/>
-      </p:ext>
-    </p:extLst>
-  </p:cSld>
-  <p:clrMapOvr>
-    <a:masterClrMapping/>
-  </p:clrMapOvr>
-</p:sld>
-</file>
-
-<file path=ppt/slides/slide46.xml><?xml version="1.0" encoding="utf-8"?>
-<p:sld xmlns:a="http://schemas.openxmlformats.org/drawingml/2006/main" xmlns:r="http://schemas.openxmlformats.org/officeDocument/2006/relationships" xmlns:p="http://schemas.openxmlformats.org/presentationml/2006/main">
-  <p:cSld>
-    <p:spTree>
-      <p:nvGrpSpPr>
-        <p:cNvPr id="1" name=""/>
-        <p:cNvGrpSpPr/>
-        <p:nvPr/>
-      </p:nvGrpSpPr>
-      <p:grpSpPr>
-        <a:xfrm>
-          <a:off x="0" y="0"/>
-          <a:ext cx="0" cy="0"/>
-          <a:chOff x="0" y="0"/>
-          <a:chExt cx="0" cy="0"/>
-        </a:xfrm>
-      </p:grpSpPr>
-      <p:sp>
-        <p:nvSpPr>
-          <p:cNvPr id="2" name="标题 1">
-            <a:extLst>
-              <a:ext uri="{FF2B5EF4-FFF2-40B4-BE49-F238E27FC236}">
-                <a16:creationId xmlns:a16="http://schemas.microsoft.com/office/drawing/2014/main" id="{DD505FED-9826-5DDD-3219-9EC6D08862AB}"/>
-              </a:ext>
-            </a:extLst>
-          </p:cNvPr>
-          <p:cNvSpPr>
-            <a:spLocks noGrp="1"/>
-          </p:cNvSpPr>
-          <p:nvPr>
-            <p:ph type="title"/>
-          </p:nvPr>
-        </p:nvSpPr>
-        <p:spPr/>
-        <p:txBody>
-          <a:bodyPr/>
-          <a:lstStyle/>
-          <a:p>
-            <a:r>
-              <a:rPr lang="zh-CN" altLang="en-US" dirty="0"/>
-              <a:t>分割</a:t>
-            </a:r>
-          </a:p>
-        </p:txBody>
-      </p:sp>
-      <p:sp>
-        <p:nvSpPr>
-          <p:cNvPr id="3" name="内容占位符 2">
-            <a:extLst>
-              <a:ext uri="{FF2B5EF4-FFF2-40B4-BE49-F238E27FC236}">
-                <a16:creationId xmlns:a16="http://schemas.microsoft.com/office/drawing/2014/main" id="{51B3316D-D0BC-996D-A76A-994DA81AC2E9}"/>
-              </a:ext>
-            </a:extLst>
-          </p:cNvPr>
-          <p:cNvSpPr>
-            <a:spLocks noGrp="1"/>
-          </p:cNvSpPr>
-          <p:nvPr>
-            <p:ph idx="1"/>
-          </p:nvPr>
-        </p:nvSpPr>
-        <p:spPr/>
-        <p:txBody>
-          <a:bodyPr/>
-          <a:lstStyle/>
-          <a:p>
-            <a:r>
-              <a:rPr lang="zh-CN" altLang="en-US" dirty="0"/>
-              <a:t>分割：当请求的空间小于某一空闲节点的剩余空间时需要分割</a:t>
-            </a:r>
-            <a:endParaRPr lang="en-US" altLang="zh-CN" dirty="0"/>
-          </a:p>
-          <a:p>
-            <a:pPr lvl="1"/>
-            <a:r>
-              <a:rPr lang="zh-CN" altLang="en-US" dirty="0"/>
-              <a:t>例如：请求</a:t>
-            </a:r>
-            <a:r>
-              <a:rPr lang="en-US" altLang="zh-CN" dirty="0"/>
-              <a:t>1 byte</a:t>
-            </a:r>
-            <a:r>
-              <a:rPr lang="zh-CN" altLang="en-US" dirty="0"/>
-              <a:t>空间，假设分配器基于某种策略，选择了第二个空闲节点</a:t>
-            </a:r>
-          </a:p>
-        </p:txBody>
-      </p:sp>
-      <p:sp>
-        <p:nvSpPr>
-          <p:cNvPr id="4" name="灯片编号占位符 3">
-            <a:extLst>
-              <a:ext uri="{FF2B5EF4-FFF2-40B4-BE49-F238E27FC236}">
-                <a16:creationId xmlns:a16="http://schemas.microsoft.com/office/drawing/2014/main" id="{03539016-C79D-8587-159D-89AB93DCA07B}"/>
-              </a:ext>
-            </a:extLst>
-          </p:cNvPr>
-          <p:cNvSpPr>
-            <a:spLocks noGrp="1"/>
-          </p:cNvSpPr>
-          <p:nvPr>
-            <p:ph type="sldNum" sz="quarter" idx="12"/>
-          </p:nvPr>
-        </p:nvSpPr>
-        <p:spPr/>
-        <p:txBody>
-          <a:bodyPr/>
-          <a:lstStyle/>
-          <a:p>
-            <a:r>
-              <a:rPr lang="zh-CN" altLang="en-US"/>
-              <a:t>计算机操作系统                     </a:t>
-            </a:r>
-            <a:fld id="{2109AC4C-C6B9-4211-8A17-43C623583010}" type="slidenum">
-              <a:rPr lang="zh-CN" altLang="en-US" smtClean="0"/>
-              <a:pPr/>
-              <a:t>46</a:t>
-            </a:fld>
-            <a:endParaRPr lang="zh-CN" altLang="en-US" dirty="0"/>
-          </a:p>
-        </p:txBody>
-      </p:sp>
-      <p:pic>
-        <p:nvPicPr>
-          <p:cNvPr id="5" name="图片 4">
-            <a:extLst>
-              <a:ext uri="{FF2B5EF4-FFF2-40B4-BE49-F238E27FC236}">
-                <a16:creationId xmlns:a16="http://schemas.microsoft.com/office/drawing/2014/main" id="{6FDD6EE9-A886-702D-9091-E87781F84501}"/>
-              </a:ext>
-            </a:extLst>
-          </p:cNvPr>
-          <p:cNvPicPr>
-            <a:picLocks noChangeAspect="1"/>
-          </p:cNvPicPr>
-          <p:nvPr/>
-        </p:nvPicPr>
-        <p:blipFill>
-          <a:blip r:embed="rId2"/>
-          <a:stretch>
-            <a:fillRect/>
-          </a:stretch>
-        </p:blipFill>
-        <p:spPr>
-          <a:xfrm>
-            <a:off x="842370" y="1965598"/>
-            <a:ext cx="4978656" cy="1219263"/>
-          </a:xfrm>
-          <a:prstGeom prst="rect">
-            <a:avLst/>
-          </a:prstGeom>
-        </p:spPr>
-      </p:pic>
-      <p:pic>
-        <p:nvPicPr>
-          <p:cNvPr id="7" name="图片 6">
-            <a:extLst>
-              <a:ext uri="{FF2B5EF4-FFF2-40B4-BE49-F238E27FC236}">
-                <a16:creationId xmlns:a16="http://schemas.microsoft.com/office/drawing/2014/main" id="{69F7833E-3C94-CB85-C7B4-C8DC87C1360F}"/>
-              </a:ext>
-            </a:extLst>
-          </p:cNvPr>
-          <p:cNvPicPr>
-            <a:picLocks noChangeAspect="1"/>
-          </p:cNvPicPr>
-          <p:nvPr/>
-        </p:nvPicPr>
-        <p:blipFill>
-          <a:blip r:embed="rId3"/>
-          <a:stretch>
-            <a:fillRect/>
-          </a:stretch>
-        </p:blipFill>
-        <p:spPr>
-          <a:xfrm>
-            <a:off x="953501" y="3459345"/>
-            <a:ext cx="4756394" cy="1104957"/>
-          </a:xfrm>
-          <a:prstGeom prst="rect">
-            <a:avLst/>
-          </a:prstGeom>
-        </p:spPr>
-      </p:pic>
-      <p:pic>
-        <p:nvPicPr>
-          <p:cNvPr id="8" name="图片 7">
-            <a:extLst>
-              <a:ext uri="{FF2B5EF4-FFF2-40B4-BE49-F238E27FC236}">
-                <a16:creationId xmlns:a16="http://schemas.microsoft.com/office/drawing/2014/main" id="{F0ADAE7A-D9CA-FB5D-832C-C6C95488A527}"/>
-              </a:ext>
-            </a:extLst>
-          </p:cNvPr>
-          <p:cNvPicPr>
-            <a:picLocks noChangeAspect="1"/>
-          </p:cNvPicPr>
-          <p:nvPr/>
-        </p:nvPicPr>
-        <p:blipFill>
-          <a:blip r:embed="rId4"/>
-          <a:stretch>
-            <a:fillRect/>
-          </a:stretch>
-        </p:blipFill>
-        <p:spPr>
-          <a:xfrm>
-            <a:off x="6037457" y="2206016"/>
-            <a:ext cx="4972306" cy="869995"/>
-          </a:xfrm>
-          <a:prstGeom prst="rect">
-            <a:avLst/>
-          </a:prstGeom>
-        </p:spPr>
-      </p:pic>
-    </p:spTree>
-    <p:extLst>
-      <p:ext uri="{BB962C8B-B14F-4D97-AF65-F5344CB8AC3E}">
-        <p14:creationId xmlns:p14="http://schemas.microsoft.com/office/powerpoint/2010/main" val="2937530824"/>
-      </p:ext>
-    </p:extLst>
-  </p:cSld>
-  <p:clrMapOvr>
-    <a:masterClrMapping/>
-  </p:clrMapOvr>
-</p:sld>
-</file>
-
 <file path=ppt/slides/slide47.xml><?xml version="1.0" encoding="utf-8"?>
 <p:sld xmlns:a="http://schemas.openxmlformats.org/drawingml/2006/main" xmlns:r="http://schemas.openxmlformats.org/officeDocument/2006/relationships" xmlns:p="http://schemas.openxmlformats.org/presentationml/2006/main">
   <p:cSld>
@@ -13493,7 +13357,7 @@
           <p:cNvPr id="2" name="标题 1">
             <a:extLst>
               <a:ext uri="{FF2B5EF4-FFF2-40B4-BE49-F238E27FC236}">
-                <a16:creationId xmlns:a16="http://schemas.microsoft.com/office/drawing/2014/main" id="{0E37F652-C602-91E2-E9DC-C2DF900B7547}"/>
+                <a16:creationId xmlns:a16="http://schemas.microsoft.com/office/drawing/2014/main" id="{C8103B5C-AB39-92B8-CD4F-B4055BE3B344}"/>
               </a:ext>
             </a:extLst>
           </p:cNvPr>
@@ -13511,7 +13375,7 @@
           <a:p>
             <a:r>
               <a:rPr lang="zh-CN" altLang="en-US" dirty="0"/>
-              <a:t>合并</a:t>
+              <a:t>空闲空间管理</a:t>
             </a:r>
           </a:p>
         </p:txBody>
@@ -13521,7 +13385,7 @@
           <p:cNvPr id="3" name="内容占位符 2">
             <a:extLst>
               <a:ext uri="{FF2B5EF4-FFF2-40B4-BE49-F238E27FC236}">
-                <a16:creationId xmlns:a16="http://schemas.microsoft.com/office/drawing/2014/main" id="{9C7B92A6-8A73-659B-0695-6DB98F135D83}"/>
+                <a16:creationId xmlns:a16="http://schemas.microsoft.com/office/drawing/2014/main" id="{AC21079B-36BE-39C0-D9E8-F34F1C537A72}"/>
               </a:ext>
             </a:extLst>
           </p:cNvPr>
@@ -13539,15 +13403,7 @@
           <a:p>
             <a:r>
               <a:rPr lang="zh-CN" altLang="en-US" dirty="0"/>
-              <a:t>当进程调用</a:t>
-            </a:r>
-            <a:r>
-              <a:rPr lang="en-US" altLang="zh-CN" dirty="0"/>
-              <a:t>free</a:t>
-            </a:r>
-            <a:r>
-              <a:rPr lang="zh-CN" altLang="en-US" dirty="0"/>
-              <a:t>时，把相邻的连续地址空间合并为更大的块</a:t>
+              <a:t>机制</a:t>
             </a:r>
             <a:endParaRPr lang="en-US" altLang="zh-CN" dirty="0"/>
           </a:p>
@@ -13555,56 +13411,30 @@
             <a:pPr lvl="1"/>
             <a:r>
               <a:rPr lang="zh-CN" altLang="en-US" dirty="0"/>
-              <a:t>实例：</a:t>
-            </a:r>
-            <a:r>
-              <a:rPr lang="en-US" altLang="zh-CN" dirty="0"/>
-              <a:t>30byte</a:t>
-            </a:r>
-            <a:r>
-              <a:rPr lang="zh-CN" altLang="en-US" dirty="0"/>
-              <a:t>的堆空间</a:t>
+              <a:t>变长内存请求下，如何管理空闲空间</a:t>
+            </a:r>
+            <a:r>
+              <a:rPr lang="en-US" altLang="zh-CN" dirty="0"/>
+              <a:t>?</a:t>
+            </a:r>
+          </a:p>
+          <a:p>
+            <a:r>
+              <a:rPr lang="zh-CN" altLang="en-US" dirty="0"/>
+              <a:t>策略</a:t>
             </a:r>
             <a:endParaRPr lang="en-US" altLang="zh-CN" dirty="0"/>
           </a:p>
           <a:p>
             <a:pPr lvl="1"/>
-            <a:endParaRPr lang="en-US" altLang="zh-CN" dirty="0"/>
-          </a:p>
-          <a:p>
-            <a:pPr lvl="1"/>
-            <a:endParaRPr lang="en-US" altLang="zh-CN" dirty="0"/>
-          </a:p>
-          <a:p>
-            <a:pPr lvl="1"/>
-            <a:r>
-              <a:rPr lang="zh-CN" altLang="en-US" dirty="0"/>
-              <a:t>进程调用</a:t>
-            </a:r>
-            <a:r>
-              <a:rPr lang="en-US" altLang="zh-CN" dirty="0"/>
-              <a:t>free(10)</a:t>
-            </a:r>
-          </a:p>
-          <a:p>
-            <a:pPr lvl="1"/>
-            <a:endParaRPr lang="en-US" altLang="zh-CN" dirty="0"/>
-          </a:p>
-          <a:p>
-            <a:pPr lvl="1"/>
-            <a:endParaRPr lang="en-US" altLang="zh-CN" dirty="0"/>
-          </a:p>
-          <a:p>
-            <a:pPr lvl="1"/>
-            <a:r>
-              <a:rPr lang="zh-CN" altLang="en-US" dirty="0"/>
-              <a:t>此时可以把相邻的两个连续的空闲块合并为一块</a:t>
-            </a:r>
-            <a:endParaRPr lang="en-US" altLang="zh-CN" dirty="0"/>
-          </a:p>
-          <a:p>
-            <a:pPr lvl="1"/>
-            <a:endParaRPr lang="zh-CN" altLang="en-US" dirty="0"/>
+            <a:r>
+              <a:rPr lang="zh-CN" altLang="en-US" dirty="0"/>
+              <a:t>哪些策略可使碎片化尽量减少</a:t>
+            </a:r>
+            <a:r>
+              <a:rPr lang="en-US" altLang="zh-CN" dirty="0"/>
+              <a:t>?</a:t>
+            </a:r>
           </a:p>
         </p:txBody>
       </p:sp>
@@ -13613,7 +13443,7 @@
           <p:cNvPr id="4" name="灯片编号占位符 3">
             <a:extLst>
               <a:ext uri="{FF2B5EF4-FFF2-40B4-BE49-F238E27FC236}">
-                <a16:creationId xmlns:a16="http://schemas.microsoft.com/office/drawing/2014/main" id="{D04675D7-C9D0-70E1-847E-48502D5CD21A}"/>
+                <a16:creationId xmlns:a16="http://schemas.microsoft.com/office/drawing/2014/main" id="{8F6FDABC-9016-8874-AEEA-6A1525C8EB27}"/>
               </a:ext>
             </a:extLst>
           </p:cNvPr>
@@ -13642,130 +13472,10 @@
           </a:p>
         </p:txBody>
       </p:sp>
-      <p:pic>
-        <p:nvPicPr>
-          <p:cNvPr id="5" name="图片 4">
-            <a:extLst>
-              <a:ext uri="{FF2B5EF4-FFF2-40B4-BE49-F238E27FC236}">
-                <a16:creationId xmlns:a16="http://schemas.microsoft.com/office/drawing/2014/main" id="{8AAAB13E-560C-A54D-CDE3-DE27B44764D3}"/>
-              </a:ext>
-            </a:extLst>
-          </p:cNvPr>
-          <p:cNvPicPr>
-            <a:picLocks noChangeAspect="1"/>
-          </p:cNvPicPr>
-          <p:nvPr/>
-        </p:nvPicPr>
-        <p:blipFill>
-          <a:blip r:embed="rId2"/>
-          <a:stretch>
-            <a:fillRect/>
-          </a:stretch>
-        </p:blipFill>
-        <p:spPr>
-          <a:xfrm>
-            <a:off x="680530" y="1924574"/>
-            <a:ext cx="4972306" cy="869995"/>
-          </a:xfrm>
-          <a:prstGeom prst="rect">
-            <a:avLst/>
-          </a:prstGeom>
-        </p:spPr>
-      </p:pic>
-      <p:pic>
-        <p:nvPicPr>
-          <p:cNvPr id="6" name="图片 5">
-            <a:extLst>
-              <a:ext uri="{FF2B5EF4-FFF2-40B4-BE49-F238E27FC236}">
-                <a16:creationId xmlns:a16="http://schemas.microsoft.com/office/drawing/2014/main" id="{BE0BCBF1-75F6-1726-E8EC-CFF06C035015}"/>
-              </a:ext>
-            </a:extLst>
-          </p:cNvPr>
-          <p:cNvPicPr>
-            <a:picLocks noChangeAspect="1"/>
-          </p:cNvPicPr>
-          <p:nvPr/>
-        </p:nvPicPr>
-        <p:blipFill>
-          <a:blip r:embed="rId3"/>
-          <a:stretch>
-            <a:fillRect/>
-          </a:stretch>
-        </p:blipFill>
-        <p:spPr>
-          <a:xfrm>
-            <a:off x="5818972" y="1687123"/>
-            <a:ext cx="4978656" cy="1219263"/>
-          </a:xfrm>
-          <a:prstGeom prst="rect">
-            <a:avLst/>
-          </a:prstGeom>
-        </p:spPr>
-      </p:pic>
-      <p:pic>
-        <p:nvPicPr>
-          <p:cNvPr id="8" name="图片 7">
-            <a:extLst>
-              <a:ext uri="{FF2B5EF4-FFF2-40B4-BE49-F238E27FC236}">
-                <a16:creationId xmlns:a16="http://schemas.microsoft.com/office/drawing/2014/main" id="{7E701DD8-5FB0-F718-F6CA-B191515B3739}"/>
-              </a:ext>
-            </a:extLst>
-          </p:cNvPr>
-          <p:cNvPicPr>
-            <a:picLocks noChangeAspect="1"/>
-          </p:cNvPicPr>
-          <p:nvPr/>
-        </p:nvPicPr>
-        <p:blipFill>
-          <a:blip r:embed="rId4"/>
-          <a:stretch>
-            <a:fillRect/>
-          </a:stretch>
-        </p:blipFill>
-        <p:spPr>
-          <a:xfrm>
-            <a:off x="792614" y="3332221"/>
-            <a:ext cx="5848651" cy="1124008"/>
-          </a:xfrm>
-          <a:prstGeom prst="rect">
-            <a:avLst/>
-          </a:prstGeom>
-        </p:spPr>
-      </p:pic>
-      <p:pic>
-        <p:nvPicPr>
-          <p:cNvPr id="10" name="图片 9">
-            <a:extLst>
-              <a:ext uri="{FF2B5EF4-FFF2-40B4-BE49-F238E27FC236}">
-                <a16:creationId xmlns:a16="http://schemas.microsoft.com/office/drawing/2014/main" id="{25CA65BC-6EAA-2DAE-96A3-D901497639F5}"/>
-              </a:ext>
-            </a:extLst>
-          </p:cNvPr>
-          <p:cNvPicPr>
-            <a:picLocks noChangeAspect="1"/>
-          </p:cNvPicPr>
-          <p:nvPr/>
-        </p:nvPicPr>
-        <p:blipFill>
-          <a:blip r:embed="rId5"/>
-          <a:stretch>
-            <a:fillRect/>
-          </a:stretch>
-        </p:blipFill>
-        <p:spPr>
-          <a:xfrm>
-            <a:off x="680530" y="5055710"/>
-            <a:ext cx="3435527" cy="1066855"/>
-          </a:xfrm>
-          <a:prstGeom prst="rect">
-            <a:avLst/>
-          </a:prstGeom>
-        </p:spPr>
-      </p:pic>
     </p:spTree>
     <p:extLst>
       <p:ext uri="{BB962C8B-B14F-4D97-AF65-F5344CB8AC3E}">
-        <p14:creationId xmlns:p14="http://schemas.microsoft.com/office/powerpoint/2010/main" val="675371951"/>
+        <p14:creationId xmlns:p14="http://schemas.microsoft.com/office/powerpoint/2010/main" val="3607731471"/>
       </p:ext>
     </p:extLst>
   </p:cSld>
@@ -13797,7 +13507,7 @@
           <p:cNvPr id="2" name="标题 1">
             <a:extLst>
               <a:ext uri="{FF2B5EF4-FFF2-40B4-BE49-F238E27FC236}">
-                <a16:creationId xmlns:a16="http://schemas.microsoft.com/office/drawing/2014/main" id="{13A9E96E-275D-046C-BE52-FE0CB1A25761}"/>
+                <a16:creationId xmlns:a16="http://schemas.microsoft.com/office/drawing/2014/main" id="{C5A2A864-99F2-F327-4A25-9DC9FB0722EE}"/>
               </a:ext>
             </a:extLst>
           </p:cNvPr>
@@ -13815,7 +13525,15 @@
           <a:p>
             <a:r>
               <a:rPr lang="zh-CN" altLang="en-US" dirty="0"/>
-              <a:t>链表数据结构</a:t>
+              <a:t>空闲空间管理</a:t>
+            </a:r>
+            <a:r>
+              <a:rPr lang="en-US" altLang="zh-CN" dirty="0"/>
+              <a:t>-</a:t>
+            </a:r>
+            <a:r>
+              <a:rPr lang="zh-CN" altLang="en-US" dirty="0"/>
+              <a:t>基本假设</a:t>
             </a:r>
           </a:p>
         </p:txBody>
@@ -13825,7 +13543,7 @@
           <p:cNvPr id="3" name="内容占位符 2">
             <a:extLst>
               <a:ext uri="{FF2B5EF4-FFF2-40B4-BE49-F238E27FC236}">
-                <a16:creationId xmlns:a16="http://schemas.microsoft.com/office/drawing/2014/main" id="{8B56B60D-D968-44C2-810F-1C1044EFBFAF}"/>
+                <a16:creationId xmlns:a16="http://schemas.microsoft.com/office/drawing/2014/main" id="{FC976DFD-AE4E-EEAC-6E06-AD486F5DA3F3}"/>
               </a:ext>
             </a:extLst>
           </p:cNvPr>
@@ -13843,11 +13561,22 @@
           <a:p>
             <a:r>
               <a:rPr lang="zh-CN" altLang="en-US" dirty="0"/>
-              <a:t>当用户程序调用</a:t>
-            </a:r>
-            <a:r>
-              <a:rPr lang="en-US" altLang="zh-CN" dirty="0"/>
-              <a:t>free(void *</a:t>
+              <a:t>基本接口</a:t>
+            </a:r>
+            <a:endParaRPr lang="en-US" altLang="zh-CN" dirty="0"/>
+          </a:p>
+          <a:p>
+            <a:pPr lvl="1"/>
+            <a:r>
+              <a:rPr lang="en-US" altLang="zh-CN" dirty="0"/>
+              <a:t>void *malloc(size t size)</a:t>
+            </a:r>
+          </a:p>
+          <a:p>
+            <a:pPr lvl="1"/>
+            <a:r>
+              <a:rPr lang="en-US" altLang="zh-CN" dirty="0"/>
+              <a:t>void free(void *</a:t>
             </a:r>
             <a:r>
               <a:rPr lang="en-US" altLang="zh-CN" dirty="0" err="1"/>
@@ -13857,48 +13586,40 @@
               <a:rPr lang="en-US" altLang="zh-CN" dirty="0"/>
               <a:t>)</a:t>
             </a:r>
-            <a:r>
-              <a:rPr lang="zh-CN" altLang="en-US" dirty="0"/>
-              <a:t>，</a:t>
-            </a:r>
-            <a:r>
-              <a:rPr lang="en-US" altLang="zh-CN" dirty="0"/>
-              <a:t>OS</a:t>
-            </a:r>
-            <a:r>
-              <a:rPr lang="zh-CN" altLang="en-US" dirty="0"/>
-              <a:t>如何知道释放多大的空间</a:t>
-            </a:r>
-            <a:r>
-              <a:rPr lang="en-US" altLang="zh-CN" dirty="0"/>
-              <a:t>?</a:t>
-            </a:r>
+          </a:p>
+          <a:p>
+            <a:r>
+              <a:rPr lang="zh-CN" altLang="en-US" dirty="0"/>
+              <a:t>核心问题</a:t>
+            </a:r>
+            <a:endParaRPr lang="en-US" altLang="zh-CN" dirty="0"/>
           </a:p>
           <a:p>
             <a:pPr lvl="1"/>
             <a:r>
-              <a:rPr lang="en-US" altLang="zh-CN" dirty="0"/>
-              <a:t>OS</a:t>
-            </a:r>
-            <a:r>
-              <a:rPr lang="zh-CN" altLang="en-US" dirty="0"/>
-              <a:t>需要为每块分配的内存维护一小块内存区域，用于存放该块的大小</a:t>
+              <a:rPr lang="zh-CN" altLang="en-US" dirty="0"/>
+              <a:t>如何设计数据结构，跟踪和管理空闲空间</a:t>
             </a:r>
             <a:endParaRPr lang="en-US" altLang="zh-CN" dirty="0"/>
           </a:p>
           <a:p>
-            <a:pPr lvl="1"/>
-            <a:r>
-              <a:rPr lang="zh-CN" altLang="en-US" dirty="0"/>
-              <a:t>该块通常被称为</a:t>
-            </a:r>
-            <a:r>
-              <a:rPr lang="en-US" altLang="zh-CN" dirty="0"/>
-              <a:t>header,</a:t>
-            </a:r>
-            <a:r>
-              <a:rPr lang="zh-CN" altLang="en-US" dirty="0"/>
-              <a:t>放在用户申请的内存空间的上方</a:t>
+            <a:r>
+              <a:rPr lang="zh-CN" altLang="en-US" dirty="0"/>
+              <a:t>主要关注外部碎片</a:t>
+            </a:r>
+            <a:endParaRPr lang="en-US" altLang="zh-CN" dirty="0"/>
+          </a:p>
+          <a:p>
+            <a:r>
+              <a:rPr lang="zh-CN" altLang="en-US" dirty="0"/>
+              <a:t>一块内存一旦分配给了进程，无法重定向到其他物理空间</a:t>
+            </a:r>
+            <a:endParaRPr lang="en-US" altLang="zh-CN" dirty="0"/>
+          </a:p>
+          <a:p>
+            <a:r>
+              <a:rPr lang="zh-CN" altLang="en-US" dirty="0"/>
+              <a:t>分配对象是一块固定长度的连续空间</a:t>
             </a:r>
           </a:p>
         </p:txBody>
@@ -13908,7 +13629,7 @@
           <p:cNvPr id="4" name="灯片编号占位符 3">
             <a:extLst>
               <a:ext uri="{FF2B5EF4-FFF2-40B4-BE49-F238E27FC236}">
-                <a16:creationId xmlns:a16="http://schemas.microsoft.com/office/drawing/2014/main" id="{5D84D23C-526A-44ED-37D9-E1A189EDF26F}"/>
+                <a16:creationId xmlns:a16="http://schemas.microsoft.com/office/drawing/2014/main" id="{9A57C1BF-C14A-85CE-48E7-AAD722BC4B01}"/>
               </a:ext>
             </a:extLst>
           </p:cNvPr>
@@ -13937,100 +13658,10 @@
           </a:p>
         </p:txBody>
       </p:sp>
-      <p:pic>
-        <p:nvPicPr>
-          <p:cNvPr id="6" name="图片 5">
-            <a:extLst>
-              <a:ext uri="{FF2B5EF4-FFF2-40B4-BE49-F238E27FC236}">
-                <a16:creationId xmlns:a16="http://schemas.microsoft.com/office/drawing/2014/main" id="{A38FB936-B0EC-74AC-18EA-86086367FFCC}"/>
-              </a:ext>
-            </a:extLst>
-          </p:cNvPr>
-          <p:cNvPicPr>
-            <a:picLocks noChangeAspect="1"/>
-          </p:cNvPicPr>
-          <p:nvPr/>
-        </p:nvPicPr>
-        <p:blipFill>
-          <a:blip r:embed="rId2"/>
-          <a:stretch>
-            <a:fillRect/>
-          </a:stretch>
-        </p:blipFill>
-        <p:spPr>
-          <a:xfrm>
-            <a:off x="255098" y="2621189"/>
-            <a:ext cx="5097584" cy="1962937"/>
-          </a:xfrm>
-          <a:prstGeom prst="rect">
-            <a:avLst/>
-          </a:prstGeom>
-        </p:spPr>
-      </p:pic>
-      <p:pic>
-        <p:nvPicPr>
-          <p:cNvPr id="8" name="图片 7">
-            <a:extLst>
-              <a:ext uri="{FF2B5EF4-FFF2-40B4-BE49-F238E27FC236}">
-                <a16:creationId xmlns:a16="http://schemas.microsoft.com/office/drawing/2014/main" id="{7E273A76-86FD-B64A-37C5-151334879F98}"/>
-              </a:ext>
-            </a:extLst>
-          </p:cNvPr>
-          <p:cNvPicPr>
-            <a:picLocks noChangeAspect="1"/>
-          </p:cNvPicPr>
-          <p:nvPr/>
-        </p:nvPicPr>
-        <p:blipFill>
-          <a:blip r:embed="rId3"/>
-          <a:stretch>
-            <a:fillRect/>
-          </a:stretch>
-        </p:blipFill>
-        <p:spPr>
-          <a:xfrm>
-            <a:off x="5607780" y="2686902"/>
-            <a:ext cx="4799628" cy="1897224"/>
-          </a:xfrm>
-          <a:prstGeom prst="rect">
-            <a:avLst/>
-          </a:prstGeom>
-        </p:spPr>
-      </p:pic>
-      <p:pic>
-        <p:nvPicPr>
-          <p:cNvPr id="10" name="图片 9">
-            <a:extLst>
-              <a:ext uri="{FF2B5EF4-FFF2-40B4-BE49-F238E27FC236}">
-                <a16:creationId xmlns:a16="http://schemas.microsoft.com/office/drawing/2014/main" id="{74AA3807-BCE8-E7E2-EBF6-6D827F381C5B}"/>
-              </a:ext>
-            </a:extLst>
-          </p:cNvPr>
-          <p:cNvPicPr>
-            <a:picLocks noChangeAspect="1"/>
-          </p:cNvPicPr>
-          <p:nvPr/>
-        </p:nvPicPr>
-        <p:blipFill>
-          <a:blip r:embed="rId4"/>
-          <a:stretch>
-            <a:fillRect/>
-          </a:stretch>
-        </p:blipFill>
-        <p:spPr>
-          <a:xfrm>
-            <a:off x="976297" y="4689323"/>
-            <a:ext cx="2927500" cy="1466925"/>
-          </a:xfrm>
-          <a:prstGeom prst="rect">
-            <a:avLst/>
-          </a:prstGeom>
-        </p:spPr>
-      </p:pic>
     </p:spTree>
     <p:extLst>
       <p:ext uri="{BB962C8B-B14F-4D97-AF65-F5344CB8AC3E}">
-        <p14:creationId xmlns:p14="http://schemas.microsoft.com/office/powerpoint/2010/main" val="3357692284"/>
+        <p14:creationId xmlns:p14="http://schemas.microsoft.com/office/powerpoint/2010/main" val="2835412786"/>
       </p:ext>
     </p:extLst>
   </p:cSld>
@@ -14062,7 +13693,7 @@
           <p:cNvPr id="2" name="标题 1">
             <a:extLst>
               <a:ext uri="{FF2B5EF4-FFF2-40B4-BE49-F238E27FC236}">
-                <a16:creationId xmlns:a16="http://schemas.microsoft.com/office/drawing/2014/main" id="{485C943C-AD8B-6B72-2397-023052403B05}"/>
+                <a16:creationId xmlns:a16="http://schemas.microsoft.com/office/drawing/2014/main" id="{7C6F2FB8-7CE5-4D7F-303D-D5A9C68DE9FC}"/>
               </a:ext>
             </a:extLst>
           </p:cNvPr>
@@ -14080,7 +13711,7 @@
           <a:p>
             <a:r>
               <a:rPr lang="zh-CN" altLang="en-US" dirty="0"/>
-              <a:t>链表数据结构</a:t>
+              <a:t>数据结构</a:t>
             </a:r>
           </a:p>
         </p:txBody>
@@ -14090,7 +13721,7 @@
           <p:cNvPr id="3" name="内容占位符 2">
             <a:extLst>
               <a:ext uri="{FF2B5EF4-FFF2-40B4-BE49-F238E27FC236}">
-                <a16:creationId xmlns:a16="http://schemas.microsoft.com/office/drawing/2014/main" id="{825F9544-5A08-4C37-622F-A8FBBF7EC6B4}"/>
+                <a16:creationId xmlns:a16="http://schemas.microsoft.com/office/drawing/2014/main" id="{A9EC1B6F-86A7-5801-E09D-9689A62767B8}"/>
               </a:ext>
             </a:extLst>
           </p:cNvPr>
@@ -14108,15 +13739,51 @@
           <a:p>
             <a:r>
               <a:rPr lang="zh-CN" altLang="en-US" dirty="0"/>
-              <a:t>当用户进程调用了</a:t>
-            </a:r>
-            <a:r>
-              <a:rPr lang="en-US" altLang="zh-CN" dirty="0"/>
-              <a:t>free(</a:t>
-            </a:r>
-            <a:r>
-              <a:rPr lang="en-US" altLang="zh-CN" dirty="0" err="1"/>
-              <a:t>ptr</a:t>
+              <a:t>需要一个链表，跟踪内存的分配情况</a:t>
+            </a:r>
+            <a:endParaRPr lang="en-US" altLang="zh-CN" dirty="0"/>
+          </a:p>
+          <a:p>
+            <a:pPr lvl="1"/>
+            <a:r>
+              <a:rPr lang="zh-CN" altLang="en-US" dirty="0"/>
+              <a:t>例如：</a:t>
+            </a:r>
+            <a:r>
+              <a:rPr lang="en-US" altLang="zh-CN" dirty="0"/>
+              <a:t>30byte</a:t>
+            </a:r>
+            <a:r>
+              <a:rPr lang="zh-CN" altLang="en-US" dirty="0"/>
+              <a:t>的堆空间</a:t>
+            </a:r>
+            <a:endParaRPr lang="en-US" altLang="zh-CN" dirty="0"/>
+          </a:p>
+          <a:p>
+            <a:pPr lvl="1"/>
+            <a:endParaRPr lang="en-US" altLang="zh-CN" dirty="0"/>
+          </a:p>
+          <a:p>
+            <a:pPr lvl="1"/>
+            <a:endParaRPr lang="en-US" altLang="zh-CN" dirty="0"/>
+          </a:p>
+          <a:p>
+            <a:pPr lvl="1"/>
+            <a:endParaRPr lang="en-US" altLang="zh-CN" dirty="0"/>
+          </a:p>
+          <a:p>
+            <a:pPr lvl="1"/>
+            <a:r>
+              <a:rPr lang="zh-CN" altLang="en-US" dirty="0"/>
+              <a:t>可以定义一个链表</a:t>
+            </a:r>
+            <a:r>
+              <a:rPr lang="en-US" altLang="zh-CN" dirty="0"/>
+              <a:t>(</a:t>
+            </a:r>
+            <a:r>
+              <a:rPr lang="zh-CN" altLang="en-US" dirty="0"/>
+              <a:t>列表</a:t>
             </a:r>
             <a:r>
               <a:rPr lang="en-US" altLang="zh-CN" dirty="0"/>
@@ -14124,107 +13791,40 @@
             </a:r>
             <a:r>
               <a:rPr lang="zh-CN" altLang="en-US" dirty="0"/>
-              <a:t>时发生了什么</a:t>
+              <a:t>接口</a:t>
+            </a:r>
+            <a:endParaRPr lang="en-US" altLang="zh-CN" dirty="0"/>
+          </a:p>
+          <a:p>
+            <a:pPr lvl="1"/>
+            <a:endParaRPr lang="en-US" altLang="zh-CN" dirty="0"/>
+          </a:p>
+          <a:p>
+            <a:pPr lvl="1"/>
+            <a:endParaRPr lang="en-US" altLang="zh-CN" dirty="0"/>
+          </a:p>
+          <a:p>
+            <a:pPr lvl="1"/>
+            <a:endParaRPr lang="en-US" altLang="zh-CN" dirty="0"/>
+          </a:p>
+          <a:p>
+            <a:pPr lvl="1"/>
+            <a:r>
+              <a:rPr lang="zh-CN" altLang="en-US" dirty="0"/>
+              <a:t>请求空间</a:t>
+            </a:r>
+            <a:r>
+              <a:rPr lang="en-US" altLang="zh-CN" dirty="0"/>
+              <a:t>&gt;,=,&lt;10byte</a:t>
+            </a:r>
+            <a:r>
+              <a:rPr lang="zh-CN" altLang="en-US" dirty="0"/>
+              <a:t>时分别如何处理</a:t>
             </a:r>
             <a:r>
               <a:rPr lang="en-US" altLang="zh-CN" dirty="0"/>
               <a:t>?</a:t>
             </a:r>
-          </a:p>
-          <a:p>
-            <a:endParaRPr lang="en-US" altLang="zh-CN" dirty="0"/>
-          </a:p>
-          <a:p>
-            <a:endParaRPr lang="en-US" altLang="zh-CN" dirty="0"/>
-          </a:p>
-          <a:p>
-            <a:endParaRPr lang="en-US" altLang="zh-CN" dirty="0"/>
-          </a:p>
-          <a:p>
-            <a:endParaRPr lang="en-US" altLang="zh-CN" dirty="0"/>
-          </a:p>
-          <a:p>
-            <a:endParaRPr lang="en-US" altLang="zh-CN" dirty="0"/>
-          </a:p>
-          <a:p>
-            <a:pPr lvl="1"/>
-            <a:r>
-              <a:rPr lang="en-US" altLang="zh-CN" dirty="0"/>
-              <a:t>OS</a:t>
-            </a:r>
-            <a:r>
-              <a:rPr lang="zh-CN" altLang="en-US" dirty="0"/>
-              <a:t>可以检查</a:t>
-            </a:r>
-            <a:r>
-              <a:rPr lang="en-US" altLang="zh-CN" dirty="0"/>
-              <a:t>(assert(</a:t>
-            </a:r>
-            <a:r>
-              <a:rPr lang="en-US" altLang="zh-CN" dirty="0" err="1"/>
-              <a:t>hptr</a:t>
-            </a:r>
-            <a:r>
-              <a:rPr lang="en-US" altLang="zh-CN" dirty="0"/>
-              <a:t>-&gt;magic == 1234567))</a:t>
-            </a:r>
-            <a:r>
-              <a:rPr lang="zh-CN" altLang="en-US" dirty="0"/>
-              <a:t>，以保证</a:t>
-            </a:r>
-            <a:r>
-              <a:rPr lang="en-US" altLang="zh-CN" dirty="0"/>
-              <a:t>header</a:t>
-            </a:r>
-            <a:r>
-              <a:rPr lang="zh-CN" altLang="en-US" dirty="0"/>
-              <a:t>部分的内存没有被用户进程修改过，也就是</a:t>
-            </a:r>
-            <a:r>
-              <a:rPr lang="en-US" altLang="zh-CN" dirty="0"/>
-              <a:t>size</a:t>
-            </a:r>
-            <a:r>
-              <a:rPr lang="zh-CN" altLang="en-US" dirty="0"/>
-              <a:t>字段是有效的</a:t>
-            </a:r>
-            <a:endParaRPr lang="en-US" altLang="zh-CN" dirty="0"/>
-          </a:p>
-          <a:p>
-            <a:pPr lvl="1"/>
-            <a:r>
-              <a:rPr lang="en-US" altLang="zh-CN" dirty="0"/>
-              <a:t>OS</a:t>
-            </a:r>
-            <a:r>
-              <a:rPr lang="zh-CN" altLang="en-US" dirty="0"/>
-              <a:t>负责将</a:t>
-            </a:r>
-            <a:r>
-              <a:rPr lang="en-US" altLang="zh-CN" dirty="0" err="1"/>
-              <a:t>hptr</a:t>
-            </a:r>
-            <a:r>
-              <a:rPr lang="zh-CN" altLang="en-US" dirty="0"/>
-              <a:t>开始的</a:t>
-            </a:r>
-            <a:r>
-              <a:rPr lang="en-US" altLang="zh-CN" dirty="0"/>
-              <a:t>20+8</a:t>
-            </a:r>
-            <a:r>
-              <a:rPr lang="zh-CN" altLang="en-US" dirty="0"/>
-              <a:t>个字节空间添加到</a:t>
-            </a:r>
-            <a:r>
-              <a:rPr lang="en-US" altLang="zh-CN" dirty="0"/>
-              <a:t>free list</a:t>
-            </a:r>
-          </a:p>
-          <a:p>
-            <a:endParaRPr lang="en-US" altLang="zh-CN" dirty="0"/>
-          </a:p>
-          <a:p>
             <a:endParaRPr lang="zh-CN" altLang="en-US" dirty="0"/>
           </a:p>
         </p:txBody>
@@ -14234,7 +13834,7 @@
           <p:cNvPr id="4" name="灯片编号占位符 3">
             <a:extLst>
               <a:ext uri="{FF2B5EF4-FFF2-40B4-BE49-F238E27FC236}">
-                <a16:creationId xmlns:a16="http://schemas.microsoft.com/office/drawing/2014/main" id="{270997BE-8E2B-660E-C0F7-469878A8A437}"/>
+                <a16:creationId xmlns:a16="http://schemas.microsoft.com/office/drawing/2014/main" id="{8310BA22-24CD-D4CA-B8B0-C3CF478F2776}"/>
               </a:ext>
             </a:extLst>
           </p:cNvPr>
@@ -14268,7 +13868,7 @@
           <p:cNvPr id="6" name="图片 5">
             <a:extLst>
               <a:ext uri="{FF2B5EF4-FFF2-40B4-BE49-F238E27FC236}">
-                <a16:creationId xmlns:a16="http://schemas.microsoft.com/office/drawing/2014/main" id="{4960F04B-16C1-2A89-BCC5-47E3BBFC79F9}"/>
+                <a16:creationId xmlns:a16="http://schemas.microsoft.com/office/drawing/2014/main" id="{3D9366F0-D715-18A5-64BD-F6CE9A5FB946}"/>
               </a:ext>
             </a:extLst>
           </p:cNvPr>
@@ -14285,8 +13885,8 @@
         </p:blipFill>
         <p:spPr>
           <a:xfrm>
-            <a:off x="730869" y="1639565"/>
-            <a:ext cx="6490034" cy="1054154"/>
+            <a:off x="680530" y="2209074"/>
+            <a:ext cx="4972306" cy="869995"/>
           </a:xfrm>
           <a:prstGeom prst="rect">
             <a:avLst/>
@@ -14295,10 +13895,10 @@
       </p:pic>
       <p:pic>
         <p:nvPicPr>
-          <p:cNvPr id="7" name="图片 6">
-            <a:extLst>
-              <a:ext uri="{FF2B5EF4-FFF2-40B4-BE49-F238E27FC236}">
-                <a16:creationId xmlns:a16="http://schemas.microsoft.com/office/drawing/2014/main" id="{E56DB320-2E47-CD2E-143C-FB6186F01201}"/>
+          <p:cNvPr id="8" name="图片 7">
+            <a:extLst>
+              <a:ext uri="{FF2B5EF4-FFF2-40B4-BE49-F238E27FC236}">
+                <a16:creationId xmlns:a16="http://schemas.microsoft.com/office/drawing/2014/main" id="{8C9A38FD-8265-E677-8E8F-D13E2E64B72F}"/>
               </a:ext>
             </a:extLst>
           </p:cNvPr>
@@ -14315,8 +13915,8 @@
         </p:blipFill>
         <p:spPr>
           <a:xfrm>
-            <a:off x="730869" y="2783467"/>
-            <a:ext cx="4799628" cy="1897224"/>
+            <a:off x="737174" y="3899594"/>
+            <a:ext cx="4978656" cy="1219263"/>
           </a:xfrm>
           <a:prstGeom prst="rect">
             <a:avLst/>
@@ -14326,7 +13926,7 @@
     </p:spTree>
     <p:extLst>
       <p:ext uri="{BB962C8B-B14F-4D97-AF65-F5344CB8AC3E}">
-        <p14:creationId xmlns:p14="http://schemas.microsoft.com/office/powerpoint/2010/main" val="3445992103"/>
+        <p14:creationId xmlns:p14="http://schemas.microsoft.com/office/powerpoint/2010/main" val="2516563892"/>
       </p:ext>
     </p:extLst>
   </p:cSld>
@@ -14532,7 +14132,7 @@
           <p:cNvPr id="2" name="标题 1">
             <a:extLst>
               <a:ext uri="{FF2B5EF4-FFF2-40B4-BE49-F238E27FC236}">
-                <a16:creationId xmlns:a16="http://schemas.microsoft.com/office/drawing/2014/main" id="{3B4CF9F8-BEE4-EE12-D79B-31A0A4B9A196}"/>
+                <a16:creationId xmlns:a16="http://schemas.microsoft.com/office/drawing/2014/main" id="{DD505FED-9826-5DDD-3219-9EC6D08862AB}"/>
               </a:ext>
             </a:extLst>
           </p:cNvPr>
@@ -14550,13 +14150,8 @@
           <a:p>
             <a:r>
               <a:rPr lang="zh-CN" altLang="en-US" dirty="0"/>
-              <a:t>堆空间中嵌入空闲列表</a:t>
-            </a:r>
-            <a:r>
-              <a:rPr lang="en-US" altLang="zh-CN" dirty="0"/>
-              <a:t>(free list)</a:t>
-            </a:r>
-            <a:endParaRPr lang="zh-CN" altLang="en-US" dirty="0"/>
+              <a:t>分割</a:t>
+            </a:r>
           </a:p>
         </p:txBody>
       </p:sp>
@@ -14565,7 +14160,7 @@
           <p:cNvPr id="3" name="内容占位符 2">
             <a:extLst>
               <a:ext uri="{FF2B5EF4-FFF2-40B4-BE49-F238E27FC236}">
-                <a16:creationId xmlns:a16="http://schemas.microsoft.com/office/drawing/2014/main" id="{E36518BE-2F2E-2593-9A27-DBD96A3CCBDC}"/>
+                <a16:creationId xmlns:a16="http://schemas.microsoft.com/office/drawing/2014/main" id="{51B3316D-D0BC-996D-A76A-994DA81AC2E9}"/>
               </a:ext>
             </a:extLst>
           </p:cNvPr>
@@ -14578,118 +14173,29 @@
         </p:nvSpPr>
         <p:spPr/>
         <p:txBody>
-          <a:bodyPr>
-            <a:normAutofit fontScale="92500" lnSpcReduction="10000"/>
-          </a:bodyPr>
-          <a:lstStyle/>
-          <a:p>
-            <a:r>
-              <a:rPr lang="zh-CN" altLang="en-US" dirty="0"/>
-              <a:t>为了管理空闲空间，我们需要一个空闲列表</a:t>
+          <a:bodyPr/>
+          <a:lstStyle/>
+          <a:p>
+            <a:r>
+              <a:rPr lang="zh-CN" altLang="en-US" dirty="0"/>
+              <a:t>分割：当请求的空间小于某一空闲节点的剩余空间时需要分割</a:t>
             </a:r>
             <a:endParaRPr lang="en-US" altLang="zh-CN" dirty="0"/>
           </a:p>
           <a:p>
-            <a:endParaRPr lang="en-US" altLang="zh-CN" dirty="0"/>
-          </a:p>
-          <a:p>
-            <a:endParaRPr lang="en-US" altLang="zh-CN" dirty="0"/>
-          </a:p>
-          <a:p>
-            <a:r>
-              <a:rPr lang="zh-CN" altLang="en-US" dirty="0"/>
-              <a:t>需要如下的结构体</a:t>
-            </a:r>
-            <a:endParaRPr lang="en-US" altLang="zh-CN" dirty="0"/>
-          </a:p>
-          <a:p>
-            <a:endParaRPr lang="en-US" altLang="zh-CN" dirty="0"/>
-          </a:p>
-          <a:p>
-            <a:endParaRPr lang="en-US" altLang="zh-CN" dirty="0"/>
-          </a:p>
-          <a:p>
-            <a:r>
-              <a:rPr lang="zh-CN" altLang="en-US" dirty="0"/>
-              <a:t>如何创建该结构体</a:t>
-            </a:r>
-            <a:r>
-              <a:rPr lang="en-US" altLang="zh-CN" dirty="0"/>
-              <a:t>?</a:t>
-            </a:r>
-          </a:p>
-          <a:p>
             <a:pPr lvl="1"/>
             <a:r>
               <a:rPr lang="zh-CN" altLang="en-US" dirty="0"/>
-              <a:t>用户程序中的典型做法</a:t>
-            </a:r>
-            <a:r>
-              <a:rPr lang="en-US" altLang="zh-CN" dirty="0"/>
-              <a:t>: malloc(</a:t>
-            </a:r>
-            <a:r>
-              <a:rPr lang="en-US" altLang="zh-CN" dirty="0" err="1"/>
-              <a:t>sizeof</a:t>
-            </a:r>
-            <a:r>
-              <a:rPr lang="en-US" altLang="zh-CN" dirty="0"/>
-              <a:t>(</a:t>
-            </a:r>
-            <a:r>
-              <a:rPr lang="en-US" altLang="zh-CN" dirty="0" err="1"/>
-              <a:t>node_t</a:t>
-            </a:r>
-            <a:r>
-              <a:rPr lang="en-US" altLang="zh-CN" dirty="0"/>
-              <a:t>));</a:t>
-            </a:r>
-          </a:p>
-          <a:p>
-            <a:pPr lvl="1"/>
-            <a:r>
-              <a:rPr lang="zh-CN" altLang="en-US" dirty="0"/>
-              <a:t>但是这里无法使用</a:t>
-            </a:r>
-            <a:r>
-              <a:rPr lang="en-US" altLang="zh-CN" dirty="0"/>
-              <a:t>malloc</a:t>
-            </a:r>
-            <a:r>
-              <a:rPr lang="zh-CN" altLang="en-US" dirty="0"/>
-              <a:t>（注意：我们的正在实现</a:t>
-            </a:r>
-            <a:r>
-              <a:rPr lang="en-US" altLang="zh-CN" dirty="0"/>
-              <a:t>malloc</a:t>
-            </a:r>
-            <a:r>
-              <a:rPr lang="zh-CN" altLang="en-US" dirty="0"/>
-              <a:t>函数</a:t>
-            </a:r>
-            <a:r>
-              <a:rPr lang="en-US" altLang="zh-CN" dirty="0"/>
-              <a:t>)</a:t>
-            </a:r>
-          </a:p>
-          <a:p>
-            <a:pPr lvl="1"/>
-            <a:r>
-              <a:rPr lang="en-US" altLang="zh-CN" dirty="0" err="1"/>
-              <a:t>mmap</a:t>
-            </a:r>
-            <a:r>
-              <a:rPr lang="en-US" altLang="zh-CN" dirty="0"/>
-              <a:t>()</a:t>
-            </a:r>
-            <a:r>
-              <a:rPr lang="zh-CN" altLang="en-US" dirty="0"/>
-              <a:t>内存映射系统调用：返回指向空闲块的指针</a:t>
-            </a:r>
-            <a:endParaRPr lang="en-US" altLang="zh-CN" dirty="0"/>
-          </a:p>
-          <a:p>
-            <a:endParaRPr lang="zh-CN" altLang="en-US" dirty="0"/>
+              <a:t>例如：请求</a:t>
+            </a:r>
+            <a:r>
+              <a:rPr lang="en-US" altLang="zh-CN" dirty="0"/>
+              <a:t>1 byte</a:t>
+            </a:r>
+            <a:r>
+              <a:rPr lang="zh-CN" altLang="en-US" dirty="0"/>
+              <a:t>空间，假设分配器基于某种策略，选择了第二个空闲节点</a:t>
+            </a:r>
           </a:p>
         </p:txBody>
       </p:sp>
@@ -14698,7 +14204,7 @@
           <p:cNvPr id="4" name="灯片编号占位符 3">
             <a:extLst>
               <a:ext uri="{FF2B5EF4-FFF2-40B4-BE49-F238E27FC236}">
-                <a16:creationId xmlns:a16="http://schemas.microsoft.com/office/drawing/2014/main" id="{F8D6C519-81C0-08A2-D574-F141199DB982}"/>
+                <a16:creationId xmlns:a16="http://schemas.microsoft.com/office/drawing/2014/main" id="{03539016-C79D-8587-159D-89AB93DCA07B}"/>
               </a:ext>
             </a:extLst>
           </p:cNvPr>
@@ -14722,6 +14228,1191 @@
               <a:rPr lang="zh-CN" altLang="en-US" smtClean="0"/>
               <a:pPr/>
               <a:t>50</a:t>
+            </a:fld>
+            <a:endParaRPr lang="zh-CN" altLang="en-US" dirty="0"/>
+          </a:p>
+        </p:txBody>
+      </p:sp>
+      <p:pic>
+        <p:nvPicPr>
+          <p:cNvPr id="5" name="图片 4">
+            <a:extLst>
+              <a:ext uri="{FF2B5EF4-FFF2-40B4-BE49-F238E27FC236}">
+                <a16:creationId xmlns:a16="http://schemas.microsoft.com/office/drawing/2014/main" id="{6FDD6EE9-A886-702D-9091-E87781F84501}"/>
+              </a:ext>
+            </a:extLst>
+          </p:cNvPr>
+          <p:cNvPicPr>
+            <a:picLocks noChangeAspect="1"/>
+          </p:cNvPicPr>
+          <p:nvPr/>
+        </p:nvPicPr>
+        <p:blipFill>
+          <a:blip r:embed="rId2"/>
+          <a:stretch>
+            <a:fillRect/>
+          </a:stretch>
+        </p:blipFill>
+        <p:spPr>
+          <a:xfrm>
+            <a:off x="842370" y="1965598"/>
+            <a:ext cx="4978656" cy="1219263"/>
+          </a:xfrm>
+          <a:prstGeom prst="rect">
+            <a:avLst/>
+          </a:prstGeom>
+        </p:spPr>
+      </p:pic>
+      <p:pic>
+        <p:nvPicPr>
+          <p:cNvPr id="7" name="图片 6">
+            <a:extLst>
+              <a:ext uri="{FF2B5EF4-FFF2-40B4-BE49-F238E27FC236}">
+                <a16:creationId xmlns:a16="http://schemas.microsoft.com/office/drawing/2014/main" id="{69F7833E-3C94-CB85-C7B4-C8DC87C1360F}"/>
+              </a:ext>
+            </a:extLst>
+          </p:cNvPr>
+          <p:cNvPicPr>
+            <a:picLocks noChangeAspect="1"/>
+          </p:cNvPicPr>
+          <p:nvPr/>
+        </p:nvPicPr>
+        <p:blipFill>
+          <a:blip r:embed="rId3"/>
+          <a:stretch>
+            <a:fillRect/>
+          </a:stretch>
+        </p:blipFill>
+        <p:spPr>
+          <a:xfrm>
+            <a:off x="953501" y="3459345"/>
+            <a:ext cx="4756394" cy="1104957"/>
+          </a:xfrm>
+          <a:prstGeom prst="rect">
+            <a:avLst/>
+          </a:prstGeom>
+        </p:spPr>
+      </p:pic>
+      <p:pic>
+        <p:nvPicPr>
+          <p:cNvPr id="8" name="图片 7">
+            <a:extLst>
+              <a:ext uri="{FF2B5EF4-FFF2-40B4-BE49-F238E27FC236}">
+                <a16:creationId xmlns:a16="http://schemas.microsoft.com/office/drawing/2014/main" id="{F0ADAE7A-D9CA-FB5D-832C-C6C95488A527}"/>
+              </a:ext>
+            </a:extLst>
+          </p:cNvPr>
+          <p:cNvPicPr>
+            <a:picLocks noChangeAspect="1"/>
+          </p:cNvPicPr>
+          <p:nvPr/>
+        </p:nvPicPr>
+        <p:blipFill>
+          <a:blip r:embed="rId4"/>
+          <a:stretch>
+            <a:fillRect/>
+          </a:stretch>
+        </p:blipFill>
+        <p:spPr>
+          <a:xfrm>
+            <a:off x="6037457" y="2206016"/>
+            <a:ext cx="4972306" cy="869995"/>
+          </a:xfrm>
+          <a:prstGeom prst="rect">
+            <a:avLst/>
+          </a:prstGeom>
+        </p:spPr>
+      </p:pic>
+    </p:spTree>
+    <p:extLst>
+      <p:ext uri="{BB962C8B-B14F-4D97-AF65-F5344CB8AC3E}">
+        <p14:creationId xmlns:p14="http://schemas.microsoft.com/office/powerpoint/2010/main" val="2937530824"/>
+      </p:ext>
+    </p:extLst>
+  </p:cSld>
+  <p:clrMapOvr>
+    <a:masterClrMapping/>
+  </p:clrMapOvr>
+</p:sld>
+</file>
+
+<file path=ppt/slides/slide51.xml><?xml version="1.0" encoding="utf-8"?>
+<p:sld xmlns:a="http://schemas.openxmlformats.org/drawingml/2006/main" xmlns:r="http://schemas.openxmlformats.org/officeDocument/2006/relationships" xmlns:p="http://schemas.openxmlformats.org/presentationml/2006/main">
+  <p:cSld>
+    <p:spTree>
+      <p:nvGrpSpPr>
+        <p:cNvPr id="1" name=""/>
+        <p:cNvGrpSpPr/>
+        <p:nvPr/>
+      </p:nvGrpSpPr>
+      <p:grpSpPr>
+        <a:xfrm>
+          <a:off x="0" y="0"/>
+          <a:ext cx="0" cy="0"/>
+          <a:chOff x="0" y="0"/>
+          <a:chExt cx="0" cy="0"/>
+        </a:xfrm>
+      </p:grpSpPr>
+      <p:sp>
+        <p:nvSpPr>
+          <p:cNvPr id="2" name="标题 1">
+            <a:extLst>
+              <a:ext uri="{FF2B5EF4-FFF2-40B4-BE49-F238E27FC236}">
+                <a16:creationId xmlns:a16="http://schemas.microsoft.com/office/drawing/2014/main" id="{0E37F652-C602-91E2-E9DC-C2DF900B7547}"/>
+              </a:ext>
+            </a:extLst>
+          </p:cNvPr>
+          <p:cNvSpPr>
+            <a:spLocks noGrp="1"/>
+          </p:cNvSpPr>
+          <p:nvPr>
+            <p:ph type="title"/>
+          </p:nvPr>
+        </p:nvSpPr>
+        <p:spPr/>
+        <p:txBody>
+          <a:bodyPr/>
+          <a:lstStyle/>
+          <a:p>
+            <a:r>
+              <a:rPr lang="zh-CN" altLang="en-US" dirty="0"/>
+              <a:t>合并</a:t>
+            </a:r>
+          </a:p>
+        </p:txBody>
+      </p:sp>
+      <p:sp>
+        <p:nvSpPr>
+          <p:cNvPr id="3" name="内容占位符 2">
+            <a:extLst>
+              <a:ext uri="{FF2B5EF4-FFF2-40B4-BE49-F238E27FC236}">
+                <a16:creationId xmlns:a16="http://schemas.microsoft.com/office/drawing/2014/main" id="{9C7B92A6-8A73-659B-0695-6DB98F135D83}"/>
+              </a:ext>
+            </a:extLst>
+          </p:cNvPr>
+          <p:cNvSpPr>
+            <a:spLocks noGrp="1"/>
+          </p:cNvSpPr>
+          <p:nvPr>
+            <p:ph idx="1"/>
+          </p:nvPr>
+        </p:nvSpPr>
+        <p:spPr/>
+        <p:txBody>
+          <a:bodyPr/>
+          <a:lstStyle/>
+          <a:p>
+            <a:r>
+              <a:rPr lang="zh-CN" altLang="en-US" dirty="0"/>
+              <a:t>当进程调用</a:t>
+            </a:r>
+            <a:r>
+              <a:rPr lang="en-US" altLang="zh-CN" dirty="0"/>
+              <a:t>free</a:t>
+            </a:r>
+            <a:r>
+              <a:rPr lang="zh-CN" altLang="en-US" dirty="0"/>
+              <a:t>时，把相邻的连续地址空间合并为更大的块</a:t>
+            </a:r>
+            <a:endParaRPr lang="en-US" altLang="zh-CN" dirty="0"/>
+          </a:p>
+          <a:p>
+            <a:pPr lvl="1"/>
+            <a:r>
+              <a:rPr lang="zh-CN" altLang="en-US" dirty="0"/>
+              <a:t>实例：</a:t>
+            </a:r>
+            <a:r>
+              <a:rPr lang="en-US" altLang="zh-CN" dirty="0"/>
+              <a:t>30byte</a:t>
+            </a:r>
+            <a:r>
+              <a:rPr lang="zh-CN" altLang="en-US" dirty="0"/>
+              <a:t>的堆空间</a:t>
+            </a:r>
+            <a:endParaRPr lang="en-US" altLang="zh-CN" dirty="0"/>
+          </a:p>
+          <a:p>
+            <a:pPr lvl="1"/>
+            <a:endParaRPr lang="en-US" altLang="zh-CN" dirty="0"/>
+          </a:p>
+          <a:p>
+            <a:pPr lvl="1"/>
+            <a:endParaRPr lang="en-US" altLang="zh-CN" dirty="0"/>
+          </a:p>
+          <a:p>
+            <a:pPr lvl="1"/>
+            <a:r>
+              <a:rPr lang="zh-CN" altLang="en-US" dirty="0"/>
+              <a:t>进程调用</a:t>
+            </a:r>
+            <a:r>
+              <a:rPr lang="en-US" altLang="zh-CN" dirty="0"/>
+              <a:t>free(10)</a:t>
+            </a:r>
+          </a:p>
+          <a:p>
+            <a:pPr lvl="1"/>
+            <a:endParaRPr lang="en-US" altLang="zh-CN" dirty="0"/>
+          </a:p>
+          <a:p>
+            <a:pPr lvl="1"/>
+            <a:endParaRPr lang="en-US" altLang="zh-CN" dirty="0"/>
+          </a:p>
+          <a:p>
+            <a:pPr lvl="1"/>
+            <a:r>
+              <a:rPr lang="zh-CN" altLang="en-US" dirty="0"/>
+              <a:t>此时可以把相邻的两个连续的空闲块合并为一块</a:t>
+            </a:r>
+            <a:endParaRPr lang="en-US" altLang="zh-CN" dirty="0"/>
+          </a:p>
+          <a:p>
+            <a:pPr lvl="1"/>
+            <a:endParaRPr lang="zh-CN" altLang="en-US" dirty="0"/>
+          </a:p>
+        </p:txBody>
+      </p:sp>
+      <p:sp>
+        <p:nvSpPr>
+          <p:cNvPr id="4" name="灯片编号占位符 3">
+            <a:extLst>
+              <a:ext uri="{FF2B5EF4-FFF2-40B4-BE49-F238E27FC236}">
+                <a16:creationId xmlns:a16="http://schemas.microsoft.com/office/drawing/2014/main" id="{D04675D7-C9D0-70E1-847E-48502D5CD21A}"/>
+              </a:ext>
+            </a:extLst>
+          </p:cNvPr>
+          <p:cNvSpPr>
+            <a:spLocks noGrp="1"/>
+          </p:cNvSpPr>
+          <p:nvPr>
+            <p:ph type="sldNum" sz="quarter" idx="12"/>
+          </p:nvPr>
+        </p:nvSpPr>
+        <p:spPr/>
+        <p:txBody>
+          <a:bodyPr/>
+          <a:lstStyle/>
+          <a:p>
+            <a:r>
+              <a:rPr lang="zh-CN" altLang="en-US"/>
+              <a:t>计算机操作系统                     </a:t>
+            </a:r>
+            <a:fld id="{2109AC4C-C6B9-4211-8A17-43C623583010}" type="slidenum">
+              <a:rPr lang="zh-CN" altLang="en-US" smtClean="0"/>
+              <a:pPr/>
+              <a:t>51</a:t>
+            </a:fld>
+            <a:endParaRPr lang="zh-CN" altLang="en-US" dirty="0"/>
+          </a:p>
+        </p:txBody>
+      </p:sp>
+      <p:pic>
+        <p:nvPicPr>
+          <p:cNvPr id="5" name="图片 4">
+            <a:extLst>
+              <a:ext uri="{FF2B5EF4-FFF2-40B4-BE49-F238E27FC236}">
+                <a16:creationId xmlns:a16="http://schemas.microsoft.com/office/drawing/2014/main" id="{8AAAB13E-560C-A54D-CDE3-DE27B44764D3}"/>
+              </a:ext>
+            </a:extLst>
+          </p:cNvPr>
+          <p:cNvPicPr>
+            <a:picLocks noChangeAspect="1"/>
+          </p:cNvPicPr>
+          <p:nvPr/>
+        </p:nvPicPr>
+        <p:blipFill>
+          <a:blip r:embed="rId2"/>
+          <a:stretch>
+            <a:fillRect/>
+          </a:stretch>
+        </p:blipFill>
+        <p:spPr>
+          <a:xfrm>
+            <a:off x="680530" y="1924574"/>
+            <a:ext cx="4972306" cy="869995"/>
+          </a:xfrm>
+          <a:prstGeom prst="rect">
+            <a:avLst/>
+          </a:prstGeom>
+        </p:spPr>
+      </p:pic>
+      <p:pic>
+        <p:nvPicPr>
+          <p:cNvPr id="6" name="图片 5">
+            <a:extLst>
+              <a:ext uri="{FF2B5EF4-FFF2-40B4-BE49-F238E27FC236}">
+                <a16:creationId xmlns:a16="http://schemas.microsoft.com/office/drawing/2014/main" id="{BE0BCBF1-75F6-1726-E8EC-CFF06C035015}"/>
+              </a:ext>
+            </a:extLst>
+          </p:cNvPr>
+          <p:cNvPicPr>
+            <a:picLocks noChangeAspect="1"/>
+          </p:cNvPicPr>
+          <p:nvPr/>
+        </p:nvPicPr>
+        <p:blipFill>
+          <a:blip r:embed="rId3"/>
+          <a:stretch>
+            <a:fillRect/>
+          </a:stretch>
+        </p:blipFill>
+        <p:spPr>
+          <a:xfrm>
+            <a:off x="5818972" y="1687123"/>
+            <a:ext cx="4978656" cy="1219263"/>
+          </a:xfrm>
+          <a:prstGeom prst="rect">
+            <a:avLst/>
+          </a:prstGeom>
+        </p:spPr>
+      </p:pic>
+      <p:pic>
+        <p:nvPicPr>
+          <p:cNvPr id="8" name="图片 7">
+            <a:extLst>
+              <a:ext uri="{FF2B5EF4-FFF2-40B4-BE49-F238E27FC236}">
+                <a16:creationId xmlns:a16="http://schemas.microsoft.com/office/drawing/2014/main" id="{7E701DD8-5FB0-F718-F6CA-B191515B3739}"/>
+              </a:ext>
+            </a:extLst>
+          </p:cNvPr>
+          <p:cNvPicPr>
+            <a:picLocks noChangeAspect="1"/>
+          </p:cNvPicPr>
+          <p:nvPr/>
+        </p:nvPicPr>
+        <p:blipFill>
+          <a:blip r:embed="rId4"/>
+          <a:stretch>
+            <a:fillRect/>
+          </a:stretch>
+        </p:blipFill>
+        <p:spPr>
+          <a:xfrm>
+            <a:off x="792614" y="3332221"/>
+            <a:ext cx="5848651" cy="1124008"/>
+          </a:xfrm>
+          <a:prstGeom prst="rect">
+            <a:avLst/>
+          </a:prstGeom>
+        </p:spPr>
+      </p:pic>
+      <p:pic>
+        <p:nvPicPr>
+          <p:cNvPr id="10" name="图片 9">
+            <a:extLst>
+              <a:ext uri="{FF2B5EF4-FFF2-40B4-BE49-F238E27FC236}">
+                <a16:creationId xmlns:a16="http://schemas.microsoft.com/office/drawing/2014/main" id="{25CA65BC-6EAA-2DAE-96A3-D901497639F5}"/>
+              </a:ext>
+            </a:extLst>
+          </p:cNvPr>
+          <p:cNvPicPr>
+            <a:picLocks noChangeAspect="1"/>
+          </p:cNvPicPr>
+          <p:nvPr/>
+        </p:nvPicPr>
+        <p:blipFill>
+          <a:blip r:embed="rId5"/>
+          <a:stretch>
+            <a:fillRect/>
+          </a:stretch>
+        </p:blipFill>
+        <p:spPr>
+          <a:xfrm>
+            <a:off x="680530" y="5055710"/>
+            <a:ext cx="3435527" cy="1066855"/>
+          </a:xfrm>
+          <a:prstGeom prst="rect">
+            <a:avLst/>
+          </a:prstGeom>
+        </p:spPr>
+      </p:pic>
+    </p:spTree>
+    <p:extLst>
+      <p:ext uri="{BB962C8B-B14F-4D97-AF65-F5344CB8AC3E}">
+        <p14:creationId xmlns:p14="http://schemas.microsoft.com/office/powerpoint/2010/main" val="675371951"/>
+      </p:ext>
+    </p:extLst>
+  </p:cSld>
+  <p:clrMapOvr>
+    <a:masterClrMapping/>
+  </p:clrMapOvr>
+</p:sld>
+</file>
+
+<file path=ppt/slides/slide52.xml><?xml version="1.0" encoding="utf-8"?>
+<p:sld xmlns:a="http://schemas.openxmlformats.org/drawingml/2006/main" xmlns:r="http://schemas.openxmlformats.org/officeDocument/2006/relationships" xmlns:p="http://schemas.openxmlformats.org/presentationml/2006/main">
+  <p:cSld>
+    <p:spTree>
+      <p:nvGrpSpPr>
+        <p:cNvPr id="1" name=""/>
+        <p:cNvGrpSpPr/>
+        <p:nvPr/>
+      </p:nvGrpSpPr>
+      <p:grpSpPr>
+        <a:xfrm>
+          <a:off x="0" y="0"/>
+          <a:ext cx="0" cy="0"/>
+          <a:chOff x="0" y="0"/>
+          <a:chExt cx="0" cy="0"/>
+        </a:xfrm>
+      </p:grpSpPr>
+      <p:sp>
+        <p:nvSpPr>
+          <p:cNvPr id="2" name="标题 1">
+            <a:extLst>
+              <a:ext uri="{FF2B5EF4-FFF2-40B4-BE49-F238E27FC236}">
+                <a16:creationId xmlns:a16="http://schemas.microsoft.com/office/drawing/2014/main" id="{13A9E96E-275D-046C-BE52-FE0CB1A25761}"/>
+              </a:ext>
+            </a:extLst>
+          </p:cNvPr>
+          <p:cNvSpPr>
+            <a:spLocks noGrp="1"/>
+          </p:cNvSpPr>
+          <p:nvPr>
+            <p:ph type="title"/>
+          </p:nvPr>
+        </p:nvSpPr>
+        <p:spPr/>
+        <p:txBody>
+          <a:bodyPr/>
+          <a:lstStyle/>
+          <a:p>
+            <a:r>
+              <a:rPr lang="zh-CN" altLang="en-US" dirty="0"/>
+              <a:t>链表数据结构</a:t>
+            </a:r>
+          </a:p>
+        </p:txBody>
+      </p:sp>
+      <p:sp>
+        <p:nvSpPr>
+          <p:cNvPr id="3" name="内容占位符 2">
+            <a:extLst>
+              <a:ext uri="{FF2B5EF4-FFF2-40B4-BE49-F238E27FC236}">
+                <a16:creationId xmlns:a16="http://schemas.microsoft.com/office/drawing/2014/main" id="{8B56B60D-D968-44C2-810F-1C1044EFBFAF}"/>
+              </a:ext>
+            </a:extLst>
+          </p:cNvPr>
+          <p:cNvSpPr>
+            <a:spLocks noGrp="1"/>
+          </p:cNvSpPr>
+          <p:nvPr>
+            <p:ph idx="1"/>
+          </p:nvPr>
+        </p:nvSpPr>
+        <p:spPr/>
+        <p:txBody>
+          <a:bodyPr/>
+          <a:lstStyle/>
+          <a:p>
+            <a:r>
+              <a:rPr lang="zh-CN" altLang="en-US" dirty="0"/>
+              <a:t>当用户程序调用</a:t>
+            </a:r>
+            <a:r>
+              <a:rPr lang="en-US" altLang="zh-CN" dirty="0"/>
+              <a:t>free(void *</a:t>
+            </a:r>
+            <a:r>
+              <a:rPr lang="en-US" altLang="zh-CN" dirty="0" err="1"/>
+              <a:t>ptr</a:t>
+            </a:r>
+            <a:r>
+              <a:rPr lang="en-US" altLang="zh-CN" dirty="0"/>
+              <a:t>)</a:t>
+            </a:r>
+            <a:r>
+              <a:rPr lang="zh-CN" altLang="en-US" dirty="0"/>
+              <a:t>，</a:t>
+            </a:r>
+            <a:r>
+              <a:rPr lang="en-US" altLang="zh-CN" dirty="0"/>
+              <a:t>OS</a:t>
+            </a:r>
+            <a:r>
+              <a:rPr lang="zh-CN" altLang="en-US" dirty="0"/>
+              <a:t>如何知道释放多大的空间</a:t>
+            </a:r>
+            <a:r>
+              <a:rPr lang="en-US" altLang="zh-CN" dirty="0"/>
+              <a:t>?</a:t>
+            </a:r>
+          </a:p>
+          <a:p>
+            <a:pPr lvl="1"/>
+            <a:r>
+              <a:rPr lang="en-US" altLang="zh-CN" dirty="0"/>
+              <a:t>OS</a:t>
+            </a:r>
+            <a:r>
+              <a:rPr lang="zh-CN" altLang="en-US" dirty="0"/>
+              <a:t>需要为每块分配的内存维护一小块内存区域，用于存放该块的大小</a:t>
+            </a:r>
+            <a:endParaRPr lang="en-US" altLang="zh-CN" dirty="0"/>
+          </a:p>
+          <a:p>
+            <a:pPr lvl="1"/>
+            <a:r>
+              <a:rPr lang="zh-CN" altLang="en-US" dirty="0"/>
+              <a:t>该块通常被称为</a:t>
+            </a:r>
+            <a:r>
+              <a:rPr lang="en-US" altLang="zh-CN" dirty="0"/>
+              <a:t>header,</a:t>
+            </a:r>
+            <a:r>
+              <a:rPr lang="zh-CN" altLang="en-US" dirty="0"/>
+              <a:t>放在用户申请的内存空间的上方</a:t>
+            </a:r>
+          </a:p>
+        </p:txBody>
+      </p:sp>
+      <p:sp>
+        <p:nvSpPr>
+          <p:cNvPr id="4" name="灯片编号占位符 3">
+            <a:extLst>
+              <a:ext uri="{FF2B5EF4-FFF2-40B4-BE49-F238E27FC236}">
+                <a16:creationId xmlns:a16="http://schemas.microsoft.com/office/drawing/2014/main" id="{5D84D23C-526A-44ED-37D9-E1A189EDF26F}"/>
+              </a:ext>
+            </a:extLst>
+          </p:cNvPr>
+          <p:cNvSpPr>
+            <a:spLocks noGrp="1"/>
+          </p:cNvSpPr>
+          <p:nvPr>
+            <p:ph type="sldNum" sz="quarter" idx="12"/>
+          </p:nvPr>
+        </p:nvSpPr>
+        <p:spPr/>
+        <p:txBody>
+          <a:bodyPr/>
+          <a:lstStyle/>
+          <a:p>
+            <a:r>
+              <a:rPr lang="zh-CN" altLang="en-US"/>
+              <a:t>计算机操作系统                     </a:t>
+            </a:r>
+            <a:fld id="{2109AC4C-C6B9-4211-8A17-43C623583010}" type="slidenum">
+              <a:rPr lang="zh-CN" altLang="en-US" smtClean="0"/>
+              <a:pPr/>
+              <a:t>52</a:t>
+            </a:fld>
+            <a:endParaRPr lang="zh-CN" altLang="en-US" dirty="0"/>
+          </a:p>
+        </p:txBody>
+      </p:sp>
+      <p:pic>
+        <p:nvPicPr>
+          <p:cNvPr id="6" name="图片 5">
+            <a:extLst>
+              <a:ext uri="{FF2B5EF4-FFF2-40B4-BE49-F238E27FC236}">
+                <a16:creationId xmlns:a16="http://schemas.microsoft.com/office/drawing/2014/main" id="{A38FB936-B0EC-74AC-18EA-86086367FFCC}"/>
+              </a:ext>
+            </a:extLst>
+          </p:cNvPr>
+          <p:cNvPicPr>
+            <a:picLocks noChangeAspect="1"/>
+          </p:cNvPicPr>
+          <p:nvPr/>
+        </p:nvPicPr>
+        <p:blipFill>
+          <a:blip r:embed="rId2"/>
+          <a:stretch>
+            <a:fillRect/>
+          </a:stretch>
+        </p:blipFill>
+        <p:spPr>
+          <a:xfrm>
+            <a:off x="255098" y="2621189"/>
+            <a:ext cx="5097584" cy="1962937"/>
+          </a:xfrm>
+          <a:prstGeom prst="rect">
+            <a:avLst/>
+          </a:prstGeom>
+        </p:spPr>
+      </p:pic>
+      <p:pic>
+        <p:nvPicPr>
+          <p:cNvPr id="8" name="图片 7">
+            <a:extLst>
+              <a:ext uri="{FF2B5EF4-FFF2-40B4-BE49-F238E27FC236}">
+                <a16:creationId xmlns:a16="http://schemas.microsoft.com/office/drawing/2014/main" id="{7E273A76-86FD-B64A-37C5-151334879F98}"/>
+              </a:ext>
+            </a:extLst>
+          </p:cNvPr>
+          <p:cNvPicPr>
+            <a:picLocks noChangeAspect="1"/>
+          </p:cNvPicPr>
+          <p:nvPr/>
+        </p:nvPicPr>
+        <p:blipFill>
+          <a:blip r:embed="rId3"/>
+          <a:stretch>
+            <a:fillRect/>
+          </a:stretch>
+        </p:blipFill>
+        <p:spPr>
+          <a:xfrm>
+            <a:off x="5607780" y="2686902"/>
+            <a:ext cx="4799628" cy="1897224"/>
+          </a:xfrm>
+          <a:prstGeom prst="rect">
+            <a:avLst/>
+          </a:prstGeom>
+        </p:spPr>
+      </p:pic>
+      <p:pic>
+        <p:nvPicPr>
+          <p:cNvPr id="10" name="图片 9">
+            <a:extLst>
+              <a:ext uri="{FF2B5EF4-FFF2-40B4-BE49-F238E27FC236}">
+                <a16:creationId xmlns:a16="http://schemas.microsoft.com/office/drawing/2014/main" id="{74AA3807-BCE8-E7E2-EBF6-6D827F381C5B}"/>
+              </a:ext>
+            </a:extLst>
+          </p:cNvPr>
+          <p:cNvPicPr>
+            <a:picLocks noChangeAspect="1"/>
+          </p:cNvPicPr>
+          <p:nvPr/>
+        </p:nvPicPr>
+        <p:blipFill>
+          <a:blip r:embed="rId4"/>
+          <a:stretch>
+            <a:fillRect/>
+          </a:stretch>
+        </p:blipFill>
+        <p:spPr>
+          <a:xfrm>
+            <a:off x="976297" y="4689323"/>
+            <a:ext cx="2927500" cy="1466925"/>
+          </a:xfrm>
+          <a:prstGeom prst="rect">
+            <a:avLst/>
+          </a:prstGeom>
+        </p:spPr>
+      </p:pic>
+    </p:spTree>
+    <p:extLst>
+      <p:ext uri="{BB962C8B-B14F-4D97-AF65-F5344CB8AC3E}">
+        <p14:creationId xmlns:p14="http://schemas.microsoft.com/office/powerpoint/2010/main" val="3357692284"/>
+      </p:ext>
+    </p:extLst>
+  </p:cSld>
+  <p:clrMapOvr>
+    <a:masterClrMapping/>
+  </p:clrMapOvr>
+</p:sld>
+</file>
+
+<file path=ppt/slides/slide53.xml><?xml version="1.0" encoding="utf-8"?>
+<p:sld xmlns:a="http://schemas.openxmlformats.org/drawingml/2006/main" xmlns:r="http://schemas.openxmlformats.org/officeDocument/2006/relationships" xmlns:p="http://schemas.openxmlformats.org/presentationml/2006/main">
+  <p:cSld>
+    <p:spTree>
+      <p:nvGrpSpPr>
+        <p:cNvPr id="1" name=""/>
+        <p:cNvGrpSpPr/>
+        <p:nvPr/>
+      </p:nvGrpSpPr>
+      <p:grpSpPr>
+        <a:xfrm>
+          <a:off x="0" y="0"/>
+          <a:ext cx="0" cy="0"/>
+          <a:chOff x="0" y="0"/>
+          <a:chExt cx="0" cy="0"/>
+        </a:xfrm>
+      </p:grpSpPr>
+      <p:sp>
+        <p:nvSpPr>
+          <p:cNvPr id="2" name="标题 1">
+            <a:extLst>
+              <a:ext uri="{FF2B5EF4-FFF2-40B4-BE49-F238E27FC236}">
+                <a16:creationId xmlns:a16="http://schemas.microsoft.com/office/drawing/2014/main" id="{485C943C-AD8B-6B72-2397-023052403B05}"/>
+              </a:ext>
+            </a:extLst>
+          </p:cNvPr>
+          <p:cNvSpPr>
+            <a:spLocks noGrp="1"/>
+          </p:cNvSpPr>
+          <p:nvPr>
+            <p:ph type="title"/>
+          </p:nvPr>
+        </p:nvSpPr>
+        <p:spPr/>
+        <p:txBody>
+          <a:bodyPr/>
+          <a:lstStyle/>
+          <a:p>
+            <a:r>
+              <a:rPr lang="zh-CN" altLang="en-US" dirty="0"/>
+              <a:t>链表数据结构</a:t>
+            </a:r>
+          </a:p>
+        </p:txBody>
+      </p:sp>
+      <p:sp>
+        <p:nvSpPr>
+          <p:cNvPr id="3" name="内容占位符 2">
+            <a:extLst>
+              <a:ext uri="{FF2B5EF4-FFF2-40B4-BE49-F238E27FC236}">
+                <a16:creationId xmlns:a16="http://schemas.microsoft.com/office/drawing/2014/main" id="{825F9544-5A08-4C37-622F-A8FBBF7EC6B4}"/>
+              </a:ext>
+            </a:extLst>
+          </p:cNvPr>
+          <p:cNvSpPr>
+            <a:spLocks noGrp="1"/>
+          </p:cNvSpPr>
+          <p:nvPr>
+            <p:ph idx="1"/>
+          </p:nvPr>
+        </p:nvSpPr>
+        <p:spPr/>
+        <p:txBody>
+          <a:bodyPr/>
+          <a:lstStyle/>
+          <a:p>
+            <a:r>
+              <a:rPr lang="zh-CN" altLang="en-US" dirty="0"/>
+              <a:t>当用户进程调用了</a:t>
+            </a:r>
+            <a:r>
+              <a:rPr lang="en-US" altLang="zh-CN" dirty="0"/>
+              <a:t>free(</a:t>
+            </a:r>
+            <a:r>
+              <a:rPr lang="en-US" altLang="zh-CN" dirty="0" err="1"/>
+              <a:t>ptr</a:t>
+            </a:r>
+            <a:r>
+              <a:rPr lang="en-US" altLang="zh-CN" dirty="0"/>
+              <a:t>)</a:t>
+            </a:r>
+            <a:r>
+              <a:rPr lang="zh-CN" altLang="en-US" dirty="0"/>
+              <a:t>时发生了什么</a:t>
+            </a:r>
+            <a:r>
+              <a:rPr lang="en-US" altLang="zh-CN" dirty="0"/>
+              <a:t>?</a:t>
+            </a:r>
+          </a:p>
+          <a:p>
+            <a:endParaRPr lang="en-US" altLang="zh-CN" dirty="0"/>
+          </a:p>
+          <a:p>
+            <a:endParaRPr lang="en-US" altLang="zh-CN" dirty="0"/>
+          </a:p>
+          <a:p>
+            <a:endParaRPr lang="en-US" altLang="zh-CN" dirty="0"/>
+          </a:p>
+          <a:p>
+            <a:endParaRPr lang="en-US" altLang="zh-CN" dirty="0"/>
+          </a:p>
+          <a:p>
+            <a:endParaRPr lang="en-US" altLang="zh-CN" dirty="0"/>
+          </a:p>
+          <a:p>
+            <a:pPr lvl="1"/>
+            <a:r>
+              <a:rPr lang="en-US" altLang="zh-CN" dirty="0"/>
+              <a:t>OS</a:t>
+            </a:r>
+            <a:r>
+              <a:rPr lang="zh-CN" altLang="en-US" dirty="0"/>
+              <a:t>可以检查</a:t>
+            </a:r>
+            <a:r>
+              <a:rPr lang="en-US" altLang="zh-CN" dirty="0"/>
+              <a:t>(assert(</a:t>
+            </a:r>
+            <a:r>
+              <a:rPr lang="en-US" altLang="zh-CN" dirty="0" err="1"/>
+              <a:t>hptr</a:t>
+            </a:r>
+            <a:r>
+              <a:rPr lang="en-US" altLang="zh-CN" dirty="0"/>
+              <a:t>-&gt;magic == 1234567))</a:t>
+            </a:r>
+            <a:r>
+              <a:rPr lang="zh-CN" altLang="en-US" dirty="0"/>
+              <a:t>，以保证</a:t>
+            </a:r>
+            <a:r>
+              <a:rPr lang="en-US" altLang="zh-CN" dirty="0"/>
+              <a:t>header</a:t>
+            </a:r>
+            <a:r>
+              <a:rPr lang="zh-CN" altLang="en-US" dirty="0"/>
+              <a:t>部分的内存没有被用户进程修改过，也就是</a:t>
+            </a:r>
+            <a:r>
+              <a:rPr lang="en-US" altLang="zh-CN" dirty="0"/>
+              <a:t>size</a:t>
+            </a:r>
+            <a:r>
+              <a:rPr lang="zh-CN" altLang="en-US" dirty="0"/>
+              <a:t>字段是有效的</a:t>
+            </a:r>
+            <a:endParaRPr lang="en-US" altLang="zh-CN" dirty="0"/>
+          </a:p>
+          <a:p>
+            <a:pPr lvl="1"/>
+            <a:r>
+              <a:rPr lang="en-US" altLang="zh-CN" dirty="0"/>
+              <a:t>OS</a:t>
+            </a:r>
+            <a:r>
+              <a:rPr lang="zh-CN" altLang="en-US" dirty="0"/>
+              <a:t>负责将</a:t>
+            </a:r>
+            <a:r>
+              <a:rPr lang="en-US" altLang="zh-CN" dirty="0" err="1"/>
+              <a:t>hptr</a:t>
+            </a:r>
+            <a:r>
+              <a:rPr lang="zh-CN" altLang="en-US" dirty="0"/>
+              <a:t>开始的</a:t>
+            </a:r>
+            <a:r>
+              <a:rPr lang="en-US" altLang="zh-CN" dirty="0"/>
+              <a:t>20+8</a:t>
+            </a:r>
+            <a:r>
+              <a:rPr lang="zh-CN" altLang="en-US" dirty="0"/>
+              <a:t>个字节空间添加到</a:t>
+            </a:r>
+            <a:r>
+              <a:rPr lang="en-US" altLang="zh-CN" dirty="0"/>
+              <a:t>free list</a:t>
+            </a:r>
+          </a:p>
+          <a:p>
+            <a:endParaRPr lang="en-US" altLang="zh-CN" dirty="0"/>
+          </a:p>
+          <a:p>
+            <a:endParaRPr lang="zh-CN" altLang="en-US" dirty="0"/>
+          </a:p>
+        </p:txBody>
+      </p:sp>
+      <p:sp>
+        <p:nvSpPr>
+          <p:cNvPr id="4" name="灯片编号占位符 3">
+            <a:extLst>
+              <a:ext uri="{FF2B5EF4-FFF2-40B4-BE49-F238E27FC236}">
+                <a16:creationId xmlns:a16="http://schemas.microsoft.com/office/drawing/2014/main" id="{270997BE-8E2B-660E-C0F7-469878A8A437}"/>
+              </a:ext>
+            </a:extLst>
+          </p:cNvPr>
+          <p:cNvSpPr>
+            <a:spLocks noGrp="1"/>
+          </p:cNvSpPr>
+          <p:nvPr>
+            <p:ph type="sldNum" sz="quarter" idx="12"/>
+          </p:nvPr>
+        </p:nvSpPr>
+        <p:spPr/>
+        <p:txBody>
+          <a:bodyPr/>
+          <a:lstStyle/>
+          <a:p>
+            <a:r>
+              <a:rPr lang="zh-CN" altLang="en-US"/>
+              <a:t>计算机操作系统                     </a:t>
+            </a:r>
+            <a:fld id="{2109AC4C-C6B9-4211-8A17-43C623583010}" type="slidenum">
+              <a:rPr lang="zh-CN" altLang="en-US" smtClean="0"/>
+              <a:pPr/>
+              <a:t>53</a:t>
+            </a:fld>
+            <a:endParaRPr lang="zh-CN" altLang="en-US" dirty="0"/>
+          </a:p>
+        </p:txBody>
+      </p:sp>
+      <p:pic>
+        <p:nvPicPr>
+          <p:cNvPr id="6" name="图片 5">
+            <a:extLst>
+              <a:ext uri="{FF2B5EF4-FFF2-40B4-BE49-F238E27FC236}">
+                <a16:creationId xmlns:a16="http://schemas.microsoft.com/office/drawing/2014/main" id="{4960F04B-16C1-2A89-BCC5-47E3BBFC79F9}"/>
+              </a:ext>
+            </a:extLst>
+          </p:cNvPr>
+          <p:cNvPicPr>
+            <a:picLocks noChangeAspect="1"/>
+          </p:cNvPicPr>
+          <p:nvPr/>
+        </p:nvPicPr>
+        <p:blipFill>
+          <a:blip r:embed="rId2"/>
+          <a:stretch>
+            <a:fillRect/>
+          </a:stretch>
+        </p:blipFill>
+        <p:spPr>
+          <a:xfrm>
+            <a:off x="730869" y="1639565"/>
+            <a:ext cx="6490034" cy="1054154"/>
+          </a:xfrm>
+          <a:prstGeom prst="rect">
+            <a:avLst/>
+          </a:prstGeom>
+        </p:spPr>
+      </p:pic>
+      <p:pic>
+        <p:nvPicPr>
+          <p:cNvPr id="7" name="图片 6">
+            <a:extLst>
+              <a:ext uri="{FF2B5EF4-FFF2-40B4-BE49-F238E27FC236}">
+                <a16:creationId xmlns:a16="http://schemas.microsoft.com/office/drawing/2014/main" id="{E56DB320-2E47-CD2E-143C-FB6186F01201}"/>
+              </a:ext>
+            </a:extLst>
+          </p:cNvPr>
+          <p:cNvPicPr>
+            <a:picLocks noChangeAspect="1"/>
+          </p:cNvPicPr>
+          <p:nvPr/>
+        </p:nvPicPr>
+        <p:blipFill>
+          <a:blip r:embed="rId3"/>
+          <a:stretch>
+            <a:fillRect/>
+          </a:stretch>
+        </p:blipFill>
+        <p:spPr>
+          <a:xfrm>
+            <a:off x="730869" y="2783467"/>
+            <a:ext cx="4799628" cy="1897224"/>
+          </a:xfrm>
+          <a:prstGeom prst="rect">
+            <a:avLst/>
+          </a:prstGeom>
+        </p:spPr>
+      </p:pic>
+    </p:spTree>
+    <p:extLst>
+      <p:ext uri="{BB962C8B-B14F-4D97-AF65-F5344CB8AC3E}">
+        <p14:creationId xmlns:p14="http://schemas.microsoft.com/office/powerpoint/2010/main" val="3445992103"/>
+      </p:ext>
+    </p:extLst>
+  </p:cSld>
+  <p:clrMapOvr>
+    <a:masterClrMapping/>
+  </p:clrMapOvr>
+</p:sld>
+</file>
+
+<file path=ppt/slides/slide54.xml><?xml version="1.0" encoding="utf-8"?>
+<p:sld xmlns:a="http://schemas.openxmlformats.org/drawingml/2006/main" xmlns:r="http://schemas.openxmlformats.org/officeDocument/2006/relationships" xmlns:p="http://schemas.openxmlformats.org/presentationml/2006/main">
+  <p:cSld>
+    <p:spTree>
+      <p:nvGrpSpPr>
+        <p:cNvPr id="1" name=""/>
+        <p:cNvGrpSpPr/>
+        <p:nvPr/>
+      </p:nvGrpSpPr>
+      <p:grpSpPr>
+        <a:xfrm>
+          <a:off x="0" y="0"/>
+          <a:ext cx="0" cy="0"/>
+          <a:chOff x="0" y="0"/>
+          <a:chExt cx="0" cy="0"/>
+        </a:xfrm>
+      </p:grpSpPr>
+      <p:sp>
+        <p:nvSpPr>
+          <p:cNvPr id="2" name="标题 1">
+            <a:extLst>
+              <a:ext uri="{FF2B5EF4-FFF2-40B4-BE49-F238E27FC236}">
+                <a16:creationId xmlns:a16="http://schemas.microsoft.com/office/drawing/2014/main" id="{3B4CF9F8-BEE4-EE12-D79B-31A0A4B9A196}"/>
+              </a:ext>
+            </a:extLst>
+          </p:cNvPr>
+          <p:cNvSpPr>
+            <a:spLocks noGrp="1"/>
+          </p:cNvSpPr>
+          <p:nvPr>
+            <p:ph type="title"/>
+          </p:nvPr>
+        </p:nvSpPr>
+        <p:spPr/>
+        <p:txBody>
+          <a:bodyPr/>
+          <a:lstStyle/>
+          <a:p>
+            <a:r>
+              <a:rPr lang="zh-CN" altLang="en-US" dirty="0"/>
+              <a:t>堆空间中嵌入空闲列表</a:t>
+            </a:r>
+            <a:r>
+              <a:rPr lang="en-US" altLang="zh-CN" dirty="0"/>
+              <a:t>(free list)</a:t>
+            </a:r>
+            <a:endParaRPr lang="zh-CN" altLang="en-US" dirty="0"/>
+          </a:p>
+        </p:txBody>
+      </p:sp>
+      <p:sp>
+        <p:nvSpPr>
+          <p:cNvPr id="3" name="内容占位符 2">
+            <a:extLst>
+              <a:ext uri="{FF2B5EF4-FFF2-40B4-BE49-F238E27FC236}">
+                <a16:creationId xmlns:a16="http://schemas.microsoft.com/office/drawing/2014/main" id="{E36518BE-2F2E-2593-9A27-DBD96A3CCBDC}"/>
+              </a:ext>
+            </a:extLst>
+          </p:cNvPr>
+          <p:cNvSpPr>
+            <a:spLocks noGrp="1"/>
+          </p:cNvSpPr>
+          <p:nvPr>
+            <p:ph idx="1"/>
+          </p:nvPr>
+        </p:nvSpPr>
+        <p:spPr/>
+        <p:txBody>
+          <a:bodyPr>
+            <a:normAutofit fontScale="92500" lnSpcReduction="10000"/>
+          </a:bodyPr>
+          <a:lstStyle/>
+          <a:p>
+            <a:r>
+              <a:rPr lang="zh-CN" altLang="en-US" dirty="0"/>
+              <a:t>为了管理空闲空间，我们需要一个空闲列表</a:t>
+            </a:r>
+            <a:endParaRPr lang="en-US" altLang="zh-CN" dirty="0"/>
+          </a:p>
+          <a:p>
+            <a:endParaRPr lang="en-US" altLang="zh-CN" dirty="0"/>
+          </a:p>
+          <a:p>
+            <a:endParaRPr lang="en-US" altLang="zh-CN" dirty="0"/>
+          </a:p>
+          <a:p>
+            <a:r>
+              <a:rPr lang="zh-CN" altLang="en-US" dirty="0"/>
+              <a:t>需要如下的结构体</a:t>
+            </a:r>
+            <a:endParaRPr lang="en-US" altLang="zh-CN" dirty="0"/>
+          </a:p>
+          <a:p>
+            <a:endParaRPr lang="en-US" altLang="zh-CN" dirty="0"/>
+          </a:p>
+          <a:p>
+            <a:endParaRPr lang="en-US" altLang="zh-CN" dirty="0"/>
+          </a:p>
+          <a:p>
+            <a:r>
+              <a:rPr lang="zh-CN" altLang="en-US" dirty="0"/>
+              <a:t>如何创建该结构体</a:t>
+            </a:r>
+            <a:r>
+              <a:rPr lang="en-US" altLang="zh-CN" dirty="0"/>
+              <a:t>?</a:t>
+            </a:r>
+          </a:p>
+          <a:p>
+            <a:pPr lvl="1"/>
+            <a:r>
+              <a:rPr lang="zh-CN" altLang="en-US" dirty="0"/>
+              <a:t>用户程序中的典型做法</a:t>
+            </a:r>
+            <a:r>
+              <a:rPr lang="en-US" altLang="zh-CN" dirty="0"/>
+              <a:t>: malloc(</a:t>
+            </a:r>
+            <a:r>
+              <a:rPr lang="en-US" altLang="zh-CN" dirty="0" err="1"/>
+              <a:t>sizeof</a:t>
+            </a:r>
+            <a:r>
+              <a:rPr lang="en-US" altLang="zh-CN" dirty="0"/>
+              <a:t>(</a:t>
+            </a:r>
+            <a:r>
+              <a:rPr lang="en-US" altLang="zh-CN" dirty="0" err="1"/>
+              <a:t>node_t</a:t>
+            </a:r>
+            <a:r>
+              <a:rPr lang="en-US" altLang="zh-CN" dirty="0"/>
+              <a:t>));</a:t>
+            </a:r>
+          </a:p>
+          <a:p>
+            <a:pPr lvl="1"/>
+            <a:r>
+              <a:rPr lang="zh-CN" altLang="en-US" dirty="0"/>
+              <a:t>但是这里无法使用</a:t>
+            </a:r>
+            <a:r>
+              <a:rPr lang="en-US" altLang="zh-CN" dirty="0"/>
+              <a:t>malloc</a:t>
+            </a:r>
+            <a:r>
+              <a:rPr lang="zh-CN" altLang="en-US" dirty="0"/>
+              <a:t>（注意：我们的正在实现</a:t>
+            </a:r>
+            <a:r>
+              <a:rPr lang="en-US" altLang="zh-CN" dirty="0"/>
+              <a:t>malloc</a:t>
+            </a:r>
+            <a:r>
+              <a:rPr lang="zh-CN" altLang="en-US" dirty="0"/>
+              <a:t>函数</a:t>
+            </a:r>
+            <a:r>
+              <a:rPr lang="en-US" altLang="zh-CN" dirty="0"/>
+              <a:t>)</a:t>
+            </a:r>
+          </a:p>
+          <a:p>
+            <a:pPr lvl="1"/>
+            <a:r>
+              <a:rPr lang="en-US" altLang="zh-CN" dirty="0" err="1"/>
+              <a:t>mmap</a:t>
+            </a:r>
+            <a:r>
+              <a:rPr lang="en-US" altLang="zh-CN" dirty="0"/>
+              <a:t>()</a:t>
+            </a:r>
+            <a:r>
+              <a:rPr lang="zh-CN" altLang="en-US" dirty="0"/>
+              <a:t>内存映射系统调用：返回指向空闲块的指针</a:t>
+            </a:r>
+            <a:endParaRPr lang="en-US" altLang="zh-CN" dirty="0"/>
+          </a:p>
+          <a:p>
+            <a:endParaRPr lang="zh-CN" altLang="en-US" dirty="0"/>
+          </a:p>
+        </p:txBody>
+      </p:sp>
+      <p:sp>
+        <p:nvSpPr>
+          <p:cNvPr id="4" name="灯片编号占位符 3">
+            <a:extLst>
+              <a:ext uri="{FF2B5EF4-FFF2-40B4-BE49-F238E27FC236}">
+                <a16:creationId xmlns:a16="http://schemas.microsoft.com/office/drawing/2014/main" id="{F8D6C519-81C0-08A2-D574-F141199DB982}"/>
+              </a:ext>
+            </a:extLst>
+          </p:cNvPr>
+          <p:cNvSpPr>
+            <a:spLocks noGrp="1"/>
+          </p:cNvSpPr>
+          <p:nvPr>
+            <p:ph type="sldNum" sz="quarter" idx="12"/>
+          </p:nvPr>
+        </p:nvSpPr>
+        <p:spPr/>
+        <p:txBody>
+          <a:bodyPr/>
+          <a:lstStyle/>
+          <a:p>
+            <a:r>
+              <a:rPr lang="zh-CN" altLang="en-US"/>
+              <a:t>计算机操作系统                     </a:t>
+            </a:r>
+            <a:fld id="{2109AC4C-C6B9-4211-8A17-43C623583010}" type="slidenum">
+              <a:rPr lang="zh-CN" altLang="en-US" smtClean="0"/>
+              <a:pPr/>
+              <a:t>54</a:t>
             </a:fld>
             <a:endParaRPr lang="zh-CN" altLang="en-US" dirty="0"/>
           </a:p>
@@ -14800,7 +15491,7 @@
 </p:sld>
 </file>
 
-<file path=ppt/slides/slide51.xml><?xml version="1.0" encoding="utf-8"?>
+<file path=ppt/slides/slide55.xml><?xml version="1.0" encoding="utf-8"?>
 <p:sld xmlns:a="http://schemas.openxmlformats.org/drawingml/2006/main" xmlns:r="http://schemas.openxmlformats.org/officeDocument/2006/relationships" xmlns:p="http://schemas.openxmlformats.org/presentationml/2006/main">
   <p:cSld>
     <p:spTree>
@@ -14916,7 +15607,7 @@
             <a:fld id="{2109AC4C-C6B9-4211-8A17-43C623583010}" type="slidenum">
               <a:rPr lang="zh-CN" altLang="en-US" smtClean="0"/>
               <a:pPr/>
-              <a:t>51</a:t>
+              <a:t>55</a:t>
             </a:fld>
             <a:endParaRPr lang="zh-CN" altLang="en-US" dirty="0"/>
           </a:p>
@@ -14995,7 +15686,7 @@
 </p:sld>
 </file>
 
-<file path=ppt/slides/slide52.xml><?xml version="1.0" encoding="utf-8"?>
+<file path=ppt/slides/slide56.xml><?xml version="1.0" encoding="utf-8"?>
 <p:sld xmlns:a="http://schemas.openxmlformats.org/drawingml/2006/main" xmlns:r="http://schemas.openxmlformats.org/officeDocument/2006/relationships" xmlns:p="http://schemas.openxmlformats.org/presentationml/2006/main">
   <p:cSld>
     <p:spTree>
@@ -15114,7 +15805,7 @@
             <a:fld id="{2109AC4C-C6B9-4211-8A17-43C623583010}" type="slidenum">
               <a:rPr lang="zh-CN" altLang="en-US" smtClean="0"/>
               <a:pPr/>
-              <a:t>52</a:t>
+              <a:t>56</a:t>
             </a:fld>
             <a:endParaRPr lang="zh-CN" altLang="en-US" dirty="0"/>
           </a:p>
@@ -15163,7 +15854,7 @@
 </p:sld>
 </file>
 
-<file path=ppt/slides/slide53.xml><?xml version="1.0" encoding="utf-8"?>
+<file path=ppt/slides/slide57.xml><?xml version="1.0" encoding="utf-8"?>
 <p:sld xmlns:a="http://schemas.openxmlformats.org/drawingml/2006/main" xmlns:r="http://schemas.openxmlformats.org/officeDocument/2006/relationships" xmlns:p="http://schemas.openxmlformats.org/presentationml/2006/main">
   <p:cSld>
     <p:spTree>
@@ -15280,7 +15971,7 @@
             <a:fld id="{2109AC4C-C6B9-4211-8A17-43C623583010}" type="slidenum">
               <a:rPr lang="zh-CN" altLang="en-US" smtClean="0"/>
               <a:pPr/>
-              <a:t>53</a:t>
+              <a:t>57</a:t>
             </a:fld>
             <a:endParaRPr lang="zh-CN" altLang="en-US" dirty="0"/>
           </a:p>
@@ -15329,7 +16020,7 @@
 </p:sld>
 </file>
 
-<file path=ppt/slides/slide54.xml><?xml version="1.0" encoding="utf-8"?>
+<file path=ppt/slides/slide58.xml><?xml version="1.0" encoding="utf-8"?>
 <p:sld xmlns:a="http://schemas.openxmlformats.org/drawingml/2006/main" xmlns:r="http://schemas.openxmlformats.org/officeDocument/2006/relationships" xmlns:p="http://schemas.openxmlformats.org/presentationml/2006/main">
   <p:cSld>
     <p:spTree>
@@ -15451,7 +16142,7 @@
             <a:fld id="{2109AC4C-C6B9-4211-8A17-43C623583010}" type="slidenum">
               <a:rPr lang="zh-CN" altLang="en-US" smtClean="0"/>
               <a:pPr/>
-              <a:t>54</a:t>
+              <a:t>58</a:t>
             </a:fld>
             <a:endParaRPr lang="zh-CN" altLang="en-US" dirty="0"/>
           </a:p>
@@ -15530,7 +16221,7 @@
 </p:sld>
 </file>
 
-<file path=ppt/slides/slide55.xml><?xml version="1.0" encoding="utf-8"?>
+<file path=ppt/slides/slide59.xml><?xml version="1.0" encoding="utf-8"?>
 <p:sld xmlns:a="http://schemas.openxmlformats.org/drawingml/2006/main" xmlns:r="http://schemas.openxmlformats.org/officeDocument/2006/relationships" xmlns:p="http://schemas.openxmlformats.org/presentationml/2006/main">
   <p:cSld>
     <p:spTree>
@@ -15647,7 +16338,7 @@
             <a:fld id="{2109AC4C-C6B9-4211-8A17-43C623583010}" type="slidenum">
               <a:rPr lang="zh-CN" altLang="en-US" smtClean="0"/>
               <a:pPr/>
-              <a:t>55</a:t>
+              <a:t>59</a:t>
             </a:fld>
             <a:endParaRPr lang="zh-CN" altLang="en-US" dirty="0"/>
           </a:p>
@@ -15696,7 +16387,7 @@
 </p:sld>
 </file>
 
-<file path=ppt/slides/slide56.xml><?xml version="1.0" encoding="utf-8"?>
+<file path=ppt/slides/slide6.xml><?xml version="1.0" encoding="utf-8"?>
 <p:sld xmlns:a="http://schemas.openxmlformats.org/drawingml/2006/main" xmlns:r="http://schemas.openxmlformats.org/officeDocument/2006/relationships" xmlns:p="http://schemas.openxmlformats.org/presentationml/2006/main">
   <p:cSld>
     <p:spTree>
@@ -15718,7 +16409,7 @@
           <p:cNvPr id="2" name="标题 1">
             <a:extLst>
               <a:ext uri="{FF2B5EF4-FFF2-40B4-BE49-F238E27FC236}">
-                <a16:creationId xmlns:a16="http://schemas.microsoft.com/office/drawing/2014/main" id="{4907ED66-67E7-F163-E68B-1E935BE5B513}"/>
+                <a16:creationId xmlns:a16="http://schemas.microsoft.com/office/drawing/2014/main" id="{61E1567D-FAF4-2056-B062-F4D555FC0DA3}"/>
               </a:ext>
             </a:extLst>
           </p:cNvPr>
@@ -15736,7 +16427,7 @@
           <a:p>
             <a:r>
               <a:rPr lang="zh-CN" altLang="en-US" dirty="0"/>
-              <a:t>策略</a:t>
+              <a:t>虚拟化内存的目标</a:t>
             </a:r>
           </a:p>
         </p:txBody>
@@ -15746,7 +16437,7 @@
           <p:cNvPr id="3" name="内容占位符 2">
             <a:extLst>
               <a:ext uri="{FF2B5EF4-FFF2-40B4-BE49-F238E27FC236}">
-                <a16:creationId xmlns:a16="http://schemas.microsoft.com/office/drawing/2014/main" id="{F5A08CD0-E4D8-AD52-1F66-0152DB4008FC}"/>
+                <a16:creationId xmlns:a16="http://schemas.microsoft.com/office/drawing/2014/main" id="{28038E6B-DB82-2928-1BBA-97266BD25789}"/>
               </a:ext>
             </a:extLst>
           </p:cNvPr>
@@ -15764,27 +16455,146 @@
           <a:p>
             <a:r>
               <a:rPr lang="zh-CN" altLang="en-US" dirty="0"/>
-              <a:t>在多个候选的空闲块中选择哪个</a:t>
-            </a:r>
-            <a:r>
-              <a:rPr lang="en-US" altLang="zh-CN" dirty="0"/>
-              <a:t>?</a:t>
+              <a:t>透明</a:t>
+            </a:r>
+            <a:r>
+              <a:rPr lang="en-US" altLang="zh-CN" dirty="0"/>
+              <a:t>(transparency)</a:t>
             </a:r>
           </a:p>
           <a:p>
             <a:pPr lvl="1"/>
             <a:r>
-              <a:rPr lang="zh-CN" altLang="en-US" dirty="0"/>
-              <a:t>没有最优的策略</a:t>
+              <a:rPr lang="en-US" altLang="zh-CN" dirty="0"/>
+              <a:t>OS</a:t>
+            </a:r>
+            <a:r>
+              <a:rPr lang="zh-CN" altLang="en-US" dirty="0"/>
+              <a:t>实现的内存虚拟化的方式，应该让进程看不到</a:t>
             </a:r>
             <a:endParaRPr lang="en-US" altLang="zh-CN" dirty="0"/>
           </a:p>
           <a:p>
             <a:pPr lvl="1"/>
             <a:r>
-              <a:rPr lang="zh-CN" altLang="en-US" dirty="0"/>
-              <a:t>每种策略各有利弊</a:t>
-            </a:r>
+              <a:rPr lang="en-US" altLang="zh-CN" dirty="0"/>
+              <a:t>OS</a:t>
+            </a:r>
+            <a:r>
+              <a:rPr lang="zh-CN" altLang="en-US" dirty="0"/>
+              <a:t>和硬件完成了虚拟化工作，给进程独享内存的假象</a:t>
+            </a:r>
+            <a:r>
+              <a:rPr lang="en-US" altLang="zh-CN" dirty="0"/>
+              <a:t>(illusion)</a:t>
+            </a:r>
+          </a:p>
+          <a:p>
+            <a:r>
+              <a:rPr lang="zh-CN" altLang="en-US" dirty="0"/>
+              <a:t>效率</a:t>
+            </a:r>
+            <a:r>
+              <a:rPr lang="en-US" altLang="zh-CN" dirty="0"/>
+              <a:t>(efficiency)</a:t>
+            </a:r>
+          </a:p>
+          <a:p>
+            <a:pPr lvl="1"/>
+            <a:r>
+              <a:rPr lang="en-US" altLang="zh-CN" dirty="0"/>
+              <a:t>OS</a:t>
+            </a:r>
+            <a:r>
+              <a:rPr lang="zh-CN" altLang="en-US" dirty="0"/>
+              <a:t>实现虚拟化内存的方式要尽可能高效</a:t>
+            </a:r>
+            <a:r>
+              <a:rPr lang="en-US" altLang="zh-CN" dirty="0"/>
+              <a:t>(TLB)</a:t>
+            </a:r>
+          </a:p>
+          <a:p>
+            <a:pPr lvl="1"/>
+            <a:r>
+              <a:rPr lang="zh-CN" altLang="en-US" dirty="0"/>
+              <a:t>时间上：不会使程序运行得更慢</a:t>
+            </a:r>
+            <a:endParaRPr lang="en-US" altLang="zh-CN" dirty="0"/>
+          </a:p>
+          <a:p>
+            <a:pPr lvl="1"/>
+            <a:r>
+              <a:rPr lang="zh-CN" altLang="en-US" dirty="0"/>
+              <a:t>空间上：不要占用太多额外的内存空间</a:t>
+            </a:r>
+            <a:endParaRPr lang="en-US" altLang="zh-CN" dirty="0"/>
+          </a:p>
+          <a:p>
+            <a:r>
+              <a:rPr lang="zh-CN" altLang="en-US" dirty="0"/>
+              <a:t>保护</a:t>
+            </a:r>
+            <a:endParaRPr lang="en-US" altLang="zh-CN" dirty="0"/>
+          </a:p>
+          <a:p>
+            <a:pPr lvl="1"/>
+            <a:r>
+              <a:rPr lang="en-US" altLang="zh-CN" dirty="0"/>
+              <a:t>OS</a:t>
+            </a:r>
+            <a:r>
+              <a:rPr lang="zh-CN" altLang="en-US" dirty="0"/>
+              <a:t>要确保进程</a:t>
+            </a:r>
+            <a:r>
+              <a:rPr lang="en-US" altLang="zh-CN" dirty="0"/>
+              <a:t>(</a:t>
+            </a:r>
+            <a:r>
+              <a:rPr lang="zh-CN" altLang="en-US" dirty="0"/>
+              <a:t>包括内核</a:t>
+            </a:r>
+            <a:r>
+              <a:rPr lang="en-US" altLang="zh-CN" dirty="0"/>
+              <a:t>)</a:t>
+            </a:r>
+            <a:r>
+              <a:rPr lang="zh-CN" altLang="en-US" dirty="0"/>
+              <a:t>不会受到其他进程的影响</a:t>
+            </a:r>
+            <a:endParaRPr lang="en-US" altLang="zh-CN" dirty="0"/>
+          </a:p>
+          <a:p>
+            <a:pPr lvl="1"/>
+            <a:r>
+              <a:rPr lang="zh-CN" altLang="en-US" dirty="0"/>
+              <a:t>用户进程之间、用户进程和</a:t>
+            </a:r>
+            <a:r>
+              <a:rPr lang="en-US" altLang="zh-CN" dirty="0"/>
+              <a:t>OS</a:t>
+            </a:r>
+            <a:r>
+              <a:rPr lang="zh-CN" altLang="en-US" dirty="0"/>
+              <a:t>内核之间提供保护</a:t>
+            </a:r>
+            <a:r>
+              <a:rPr lang="en-US" altLang="zh-CN" dirty="0"/>
+              <a:t>(</a:t>
+            </a:r>
+            <a:r>
+              <a:rPr lang="zh-CN" altLang="en-US" dirty="0"/>
+              <a:t>通过隔离</a:t>
+            </a:r>
+            <a:r>
+              <a:rPr lang="en-US" altLang="zh-CN" dirty="0"/>
+              <a:t>isolation)</a:t>
+            </a:r>
+          </a:p>
+          <a:p>
+            <a:pPr lvl="1"/>
+            <a:endParaRPr lang="zh-CN" altLang="en-US" dirty="0"/>
           </a:p>
         </p:txBody>
       </p:sp>
@@ -15793,7 +16603,7 @@
           <p:cNvPr id="4" name="灯片编号占位符 3">
             <a:extLst>
               <a:ext uri="{FF2B5EF4-FFF2-40B4-BE49-F238E27FC236}">
-                <a16:creationId xmlns:a16="http://schemas.microsoft.com/office/drawing/2014/main" id="{BEC4C444-F21A-729E-24ED-CFDCF9AB34E1}"/>
+                <a16:creationId xmlns:a16="http://schemas.microsoft.com/office/drawing/2014/main" id="{B62C44E6-4BF0-EBDE-F6C9-20072D37A19C}"/>
               </a:ext>
             </a:extLst>
           </p:cNvPr>
@@ -15816,7 +16626,7 @@
             <a:fld id="{2109AC4C-C6B9-4211-8A17-43C623583010}" type="slidenum">
               <a:rPr lang="zh-CN" altLang="en-US" smtClean="0"/>
               <a:pPr/>
-              <a:t>56</a:t>
+              <a:t>6</a:t>
             </a:fld>
             <a:endParaRPr lang="zh-CN" altLang="en-US" dirty="0"/>
           </a:p>
@@ -15825,7 +16635,7 @@
     </p:spTree>
     <p:extLst>
       <p:ext uri="{BB962C8B-B14F-4D97-AF65-F5344CB8AC3E}">
-        <p14:creationId xmlns:p14="http://schemas.microsoft.com/office/powerpoint/2010/main" val="105094806"/>
+        <p14:creationId xmlns:p14="http://schemas.microsoft.com/office/powerpoint/2010/main" val="2601170561"/>
       </p:ext>
     </p:extLst>
   </p:cSld>
@@ -15835,7 +16645,7 @@
 </p:sld>
 </file>
 
-<file path=ppt/slides/slide57.xml><?xml version="1.0" encoding="utf-8"?>
+<file path=ppt/slides/slide60.xml><?xml version="1.0" encoding="utf-8"?>
 <p:sld xmlns:a="http://schemas.openxmlformats.org/drawingml/2006/main" xmlns:r="http://schemas.openxmlformats.org/officeDocument/2006/relationships" xmlns:p="http://schemas.openxmlformats.org/presentationml/2006/main">
   <p:cSld>
     <p:spTree>
@@ -15857,7 +16667,7 @@
           <p:cNvPr id="2" name="标题 1">
             <a:extLst>
               <a:ext uri="{FF2B5EF4-FFF2-40B4-BE49-F238E27FC236}">
-                <a16:creationId xmlns:a16="http://schemas.microsoft.com/office/drawing/2014/main" id="{8879691C-331A-C92B-06CE-DEA23A464FD5}"/>
+                <a16:creationId xmlns:a16="http://schemas.microsoft.com/office/drawing/2014/main" id="{4907ED66-67E7-F163-E68B-1E935BE5B513}"/>
               </a:ext>
             </a:extLst>
           </p:cNvPr>
@@ -15885,7 +16695,7 @@
           <p:cNvPr id="3" name="内容占位符 2">
             <a:extLst>
               <a:ext uri="{FF2B5EF4-FFF2-40B4-BE49-F238E27FC236}">
-                <a16:creationId xmlns:a16="http://schemas.microsoft.com/office/drawing/2014/main" id="{82E5861E-DA5F-02C4-1504-FD16352948E2}"/>
+                <a16:creationId xmlns:a16="http://schemas.microsoft.com/office/drawing/2014/main" id="{F5A08CD0-E4D8-AD52-1F66-0152DB4008FC}"/>
               </a:ext>
             </a:extLst>
           </p:cNvPr>
@@ -15903,107 +16713,27 @@
           <a:p>
             <a:r>
               <a:rPr lang="zh-CN" altLang="en-US" dirty="0"/>
-              <a:t>最佳匹配</a:t>
-            </a:r>
-            <a:r>
-              <a:rPr lang="en-US" altLang="zh-CN" dirty="0"/>
-              <a:t>(Best Fit)</a:t>
+              <a:t>在多个候选的空闲块中选择哪个</a:t>
+            </a:r>
+            <a:r>
+              <a:rPr lang="en-US" altLang="zh-CN" dirty="0"/>
+              <a:t>?</a:t>
             </a:r>
           </a:p>
           <a:p>
             <a:pPr lvl="1"/>
             <a:r>
               <a:rPr lang="zh-CN" altLang="en-US" dirty="0"/>
-              <a:t>遍历</a:t>
-            </a:r>
-            <a:r>
-              <a:rPr lang="zh-CN" altLang="en-US" dirty="0">
-                <a:solidFill>
-                  <a:srgbClr val="FF0000"/>
-                </a:solidFill>
-              </a:rPr>
-              <a:t>整个</a:t>
-            </a:r>
-            <a:r>
-              <a:rPr lang="zh-CN" altLang="en-US" dirty="0"/>
-              <a:t>空闲列表，在所有满足条件的节点中选择</a:t>
-            </a:r>
-            <a:r>
-              <a:rPr lang="zh-CN" altLang="en-US" dirty="0">
-                <a:solidFill>
-                  <a:srgbClr val="FF0000"/>
-                </a:solidFill>
-              </a:rPr>
-              <a:t>最小</a:t>
-            </a:r>
-            <a:r>
-              <a:rPr lang="zh-CN" altLang="en-US" dirty="0"/>
-              <a:t>的节点分配给用户</a:t>
+              <a:t>没有最优的策略</a:t>
             </a:r>
             <a:endParaRPr lang="en-US" altLang="zh-CN" dirty="0"/>
           </a:p>
           <a:p>
-            <a:r>
-              <a:rPr lang="zh-CN" altLang="en-US" dirty="0"/>
-              <a:t>最坏匹配</a:t>
-            </a:r>
-            <a:r>
-              <a:rPr lang="en-US" altLang="zh-CN" dirty="0"/>
-              <a:t>(Worst Fit)</a:t>
-            </a:r>
-          </a:p>
-          <a:p>
             <a:pPr lvl="1"/>
             <a:r>
               <a:rPr lang="zh-CN" altLang="en-US" dirty="0"/>
-              <a:t>遍历</a:t>
-            </a:r>
-            <a:r>
-              <a:rPr lang="zh-CN" altLang="en-US" dirty="0">
-                <a:solidFill>
-                  <a:srgbClr val="FF0000"/>
-                </a:solidFill>
-              </a:rPr>
-              <a:t>整个</a:t>
-            </a:r>
-            <a:r>
-              <a:rPr lang="zh-CN" altLang="en-US" dirty="0"/>
-              <a:t>空闲列表，在所有满足条件的节点中选择</a:t>
-            </a:r>
-            <a:r>
-              <a:rPr lang="zh-CN" altLang="en-US" dirty="0">
-                <a:solidFill>
-                  <a:srgbClr val="FF0000"/>
-                </a:solidFill>
-              </a:rPr>
-              <a:t>最大</a:t>
-            </a:r>
-            <a:r>
-              <a:rPr lang="zh-CN" altLang="en-US" dirty="0"/>
-              <a:t>的节点分配给用户</a:t>
-            </a:r>
-            <a:endParaRPr lang="en-US" altLang="zh-CN" dirty="0"/>
-          </a:p>
-          <a:p>
-            <a:r>
-              <a:rPr lang="zh-CN" altLang="en-US" dirty="0"/>
-              <a:t>首次匹配</a:t>
-            </a:r>
-            <a:r>
-              <a:rPr lang="en-US" altLang="zh-CN" dirty="0"/>
-              <a:t>(First Fit)</a:t>
-            </a:r>
-          </a:p>
-          <a:p>
-            <a:pPr lvl="1"/>
-            <a:r>
-              <a:rPr lang="zh-CN" altLang="en-US" dirty="0"/>
-              <a:t>遍历空闲列表，找到第一个满足条件的节点，分配给用户</a:t>
-            </a:r>
-            <a:endParaRPr lang="en-US" altLang="zh-CN" dirty="0"/>
-          </a:p>
-          <a:p>
-            <a:endParaRPr lang="zh-CN" altLang="en-US" dirty="0"/>
+              <a:t>每种策略各有利弊</a:t>
+            </a:r>
           </a:p>
         </p:txBody>
       </p:sp>
@@ -16012,7 +16742,7 @@
           <p:cNvPr id="4" name="灯片编号占位符 3">
             <a:extLst>
               <a:ext uri="{FF2B5EF4-FFF2-40B4-BE49-F238E27FC236}">
-                <a16:creationId xmlns:a16="http://schemas.microsoft.com/office/drawing/2014/main" id="{9908C0A3-6A5A-3C8A-FCBA-93BF66ABA9B2}"/>
+                <a16:creationId xmlns:a16="http://schemas.microsoft.com/office/drawing/2014/main" id="{BEC4C444-F21A-729E-24ED-CFDCF9AB34E1}"/>
               </a:ext>
             </a:extLst>
           </p:cNvPr>
@@ -16035,7 +16765,7 @@
             <a:fld id="{2109AC4C-C6B9-4211-8A17-43C623583010}" type="slidenum">
               <a:rPr lang="zh-CN" altLang="en-US" smtClean="0"/>
               <a:pPr/>
-              <a:t>57</a:t>
+              <a:t>60</a:t>
             </a:fld>
             <a:endParaRPr lang="zh-CN" altLang="en-US" dirty="0"/>
           </a:p>
@@ -16044,7 +16774,7 @@
     </p:spTree>
     <p:extLst>
       <p:ext uri="{BB962C8B-B14F-4D97-AF65-F5344CB8AC3E}">
-        <p14:creationId xmlns:p14="http://schemas.microsoft.com/office/powerpoint/2010/main" val="1629953211"/>
+        <p14:creationId xmlns:p14="http://schemas.microsoft.com/office/powerpoint/2010/main" val="105094806"/>
       </p:ext>
     </p:extLst>
   </p:cSld>
@@ -16054,7 +16784,7 @@
 </p:sld>
 </file>
 
-<file path=ppt/slides/slide58.xml><?xml version="1.0" encoding="utf-8"?>
+<file path=ppt/slides/slide61.xml><?xml version="1.0" encoding="utf-8"?>
 <p:sld xmlns:a="http://schemas.openxmlformats.org/drawingml/2006/main" xmlns:r="http://schemas.openxmlformats.org/officeDocument/2006/relationships" xmlns:p="http://schemas.openxmlformats.org/presentationml/2006/main">
   <p:cSld>
     <p:spTree>
@@ -16076,6 +16806,225 @@
           <p:cNvPr id="2" name="标题 1">
             <a:extLst>
               <a:ext uri="{FF2B5EF4-FFF2-40B4-BE49-F238E27FC236}">
+                <a16:creationId xmlns:a16="http://schemas.microsoft.com/office/drawing/2014/main" id="{8879691C-331A-C92B-06CE-DEA23A464FD5}"/>
+              </a:ext>
+            </a:extLst>
+          </p:cNvPr>
+          <p:cNvSpPr>
+            <a:spLocks noGrp="1"/>
+          </p:cNvSpPr>
+          <p:nvPr>
+            <p:ph type="title"/>
+          </p:nvPr>
+        </p:nvSpPr>
+        <p:spPr/>
+        <p:txBody>
+          <a:bodyPr/>
+          <a:lstStyle/>
+          <a:p>
+            <a:r>
+              <a:rPr lang="zh-CN" altLang="en-US" dirty="0"/>
+              <a:t>策略</a:t>
+            </a:r>
+          </a:p>
+        </p:txBody>
+      </p:sp>
+      <p:sp>
+        <p:nvSpPr>
+          <p:cNvPr id="3" name="内容占位符 2">
+            <a:extLst>
+              <a:ext uri="{FF2B5EF4-FFF2-40B4-BE49-F238E27FC236}">
+                <a16:creationId xmlns:a16="http://schemas.microsoft.com/office/drawing/2014/main" id="{82E5861E-DA5F-02C4-1504-FD16352948E2}"/>
+              </a:ext>
+            </a:extLst>
+          </p:cNvPr>
+          <p:cNvSpPr>
+            <a:spLocks noGrp="1"/>
+          </p:cNvSpPr>
+          <p:nvPr>
+            <p:ph idx="1"/>
+          </p:nvPr>
+        </p:nvSpPr>
+        <p:spPr/>
+        <p:txBody>
+          <a:bodyPr/>
+          <a:lstStyle/>
+          <a:p>
+            <a:r>
+              <a:rPr lang="zh-CN" altLang="en-US" dirty="0"/>
+              <a:t>最佳匹配</a:t>
+            </a:r>
+            <a:r>
+              <a:rPr lang="en-US" altLang="zh-CN" dirty="0"/>
+              <a:t>(Best Fit)</a:t>
+            </a:r>
+          </a:p>
+          <a:p>
+            <a:pPr lvl="1"/>
+            <a:r>
+              <a:rPr lang="zh-CN" altLang="en-US" dirty="0"/>
+              <a:t>遍历</a:t>
+            </a:r>
+            <a:r>
+              <a:rPr lang="zh-CN" altLang="en-US" dirty="0">
+                <a:solidFill>
+                  <a:srgbClr val="FF0000"/>
+                </a:solidFill>
+              </a:rPr>
+              <a:t>整个</a:t>
+            </a:r>
+            <a:r>
+              <a:rPr lang="zh-CN" altLang="en-US" dirty="0"/>
+              <a:t>空闲列表，在所有满足条件的节点中选择</a:t>
+            </a:r>
+            <a:r>
+              <a:rPr lang="zh-CN" altLang="en-US" dirty="0">
+                <a:solidFill>
+                  <a:srgbClr val="FF0000"/>
+                </a:solidFill>
+              </a:rPr>
+              <a:t>最小</a:t>
+            </a:r>
+            <a:r>
+              <a:rPr lang="zh-CN" altLang="en-US" dirty="0"/>
+              <a:t>的节点分配给用户</a:t>
+            </a:r>
+            <a:endParaRPr lang="en-US" altLang="zh-CN" dirty="0"/>
+          </a:p>
+          <a:p>
+            <a:r>
+              <a:rPr lang="zh-CN" altLang="en-US" dirty="0"/>
+              <a:t>最坏匹配</a:t>
+            </a:r>
+            <a:r>
+              <a:rPr lang="en-US" altLang="zh-CN" dirty="0"/>
+              <a:t>(Worst Fit)</a:t>
+            </a:r>
+          </a:p>
+          <a:p>
+            <a:pPr lvl="1"/>
+            <a:r>
+              <a:rPr lang="zh-CN" altLang="en-US" dirty="0"/>
+              <a:t>遍历</a:t>
+            </a:r>
+            <a:r>
+              <a:rPr lang="zh-CN" altLang="en-US" dirty="0">
+                <a:solidFill>
+                  <a:srgbClr val="FF0000"/>
+                </a:solidFill>
+              </a:rPr>
+              <a:t>整个</a:t>
+            </a:r>
+            <a:r>
+              <a:rPr lang="zh-CN" altLang="en-US" dirty="0"/>
+              <a:t>空闲列表，在所有满足条件的节点中选择</a:t>
+            </a:r>
+            <a:r>
+              <a:rPr lang="zh-CN" altLang="en-US" dirty="0">
+                <a:solidFill>
+                  <a:srgbClr val="FF0000"/>
+                </a:solidFill>
+              </a:rPr>
+              <a:t>最大</a:t>
+            </a:r>
+            <a:r>
+              <a:rPr lang="zh-CN" altLang="en-US" dirty="0"/>
+              <a:t>的节点分配给用户</a:t>
+            </a:r>
+            <a:endParaRPr lang="en-US" altLang="zh-CN" dirty="0"/>
+          </a:p>
+          <a:p>
+            <a:r>
+              <a:rPr lang="zh-CN" altLang="en-US" dirty="0"/>
+              <a:t>首次匹配</a:t>
+            </a:r>
+            <a:r>
+              <a:rPr lang="en-US" altLang="zh-CN" dirty="0"/>
+              <a:t>(First Fit)</a:t>
+            </a:r>
+          </a:p>
+          <a:p>
+            <a:pPr lvl="1"/>
+            <a:r>
+              <a:rPr lang="zh-CN" altLang="en-US" dirty="0"/>
+              <a:t>遍历空闲列表，找到第一个满足条件的节点，分配给用户</a:t>
+            </a:r>
+            <a:endParaRPr lang="en-US" altLang="zh-CN" dirty="0"/>
+          </a:p>
+          <a:p>
+            <a:endParaRPr lang="zh-CN" altLang="en-US" dirty="0"/>
+          </a:p>
+        </p:txBody>
+      </p:sp>
+      <p:sp>
+        <p:nvSpPr>
+          <p:cNvPr id="4" name="灯片编号占位符 3">
+            <a:extLst>
+              <a:ext uri="{FF2B5EF4-FFF2-40B4-BE49-F238E27FC236}">
+                <a16:creationId xmlns:a16="http://schemas.microsoft.com/office/drawing/2014/main" id="{9908C0A3-6A5A-3C8A-FCBA-93BF66ABA9B2}"/>
+              </a:ext>
+            </a:extLst>
+          </p:cNvPr>
+          <p:cNvSpPr>
+            <a:spLocks noGrp="1"/>
+          </p:cNvSpPr>
+          <p:nvPr>
+            <p:ph type="sldNum" sz="quarter" idx="12"/>
+          </p:nvPr>
+        </p:nvSpPr>
+        <p:spPr/>
+        <p:txBody>
+          <a:bodyPr/>
+          <a:lstStyle/>
+          <a:p>
+            <a:r>
+              <a:rPr lang="zh-CN" altLang="en-US"/>
+              <a:t>计算机操作系统                     </a:t>
+            </a:r>
+            <a:fld id="{2109AC4C-C6B9-4211-8A17-43C623583010}" type="slidenum">
+              <a:rPr lang="zh-CN" altLang="en-US" smtClean="0"/>
+              <a:pPr/>
+              <a:t>61</a:t>
+            </a:fld>
+            <a:endParaRPr lang="zh-CN" altLang="en-US" dirty="0"/>
+          </a:p>
+        </p:txBody>
+      </p:sp>
+    </p:spTree>
+    <p:extLst>
+      <p:ext uri="{BB962C8B-B14F-4D97-AF65-F5344CB8AC3E}">
+        <p14:creationId xmlns:p14="http://schemas.microsoft.com/office/powerpoint/2010/main" val="1629953211"/>
+      </p:ext>
+    </p:extLst>
+  </p:cSld>
+  <p:clrMapOvr>
+    <a:masterClrMapping/>
+  </p:clrMapOvr>
+</p:sld>
+</file>
+
+<file path=ppt/slides/slide62.xml><?xml version="1.0" encoding="utf-8"?>
+<p:sld xmlns:a="http://schemas.openxmlformats.org/drawingml/2006/main" xmlns:r="http://schemas.openxmlformats.org/officeDocument/2006/relationships" xmlns:p="http://schemas.openxmlformats.org/presentationml/2006/main">
+  <p:cSld>
+    <p:spTree>
+      <p:nvGrpSpPr>
+        <p:cNvPr id="1" name=""/>
+        <p:cNvGrpSpPr/>
+        <p:nvPr/>
+      </p:nvGrpSpPr>
+      <p:grpSpPr>
+        <a:xfrm>
+          <a:off x="0" y="0"/>
+          <a:ext cx="0" cy="0"/>
+          <a:chOff x="0" y="0"/>
+          <a:chExt cx="0" cy="0"/>
+        </a:xfrm>
+      </p:grpSpPr>
+      <p:sp>
+        <p:nvSpPr>
+          <p:cNvPr id="2" name="标题 1">
+            <a:extLst>
+              <a:ext uri="{FF2B5EF4-FFF2-40B4-BE49-F238E27FC236}">
                 <a16:creationId xmlns:a16="http://schemas.microsoft.com/office/drawing/2014/main" id="{1F073DAF-24FC-2ACE-13B1-B24BF25CAF1A}"/>
               </a:ext>
             </a:extLst>
@@ -16237,7 +17186,7 @@
             <a:fld id="{2109AC4C-C6B9-4211-8A17-43C623583010}" type="slidenum">
               <a:rPr lang="zh-CN" altLang="en-US" smtClean="0"/>
               <a:pPr/>
-              <a:t>58</a:t>
+              <a:t>62</a:t>
             </a:fld>
             <a:endParaRPr lang="zh-CN" altLang="en-US" dirty="0"/>
           </a:p>
@@ -16346,7 +17295,7 @@
 </p:sld>
 </file>
 
-<file path=ppt/slides/slide59.xml><?xml version="1.0" encoding="utf-8"?>
+<file path=ppt/slides/slide63.xml><?xml version="1.0" encoding="utf-8"?>
 <p:sld xmlns:a="http://schemas.openxmlformats.org/drawingml/2006/main" xmlns:r="http://schemas.openxmlformats.org/officeDocument/2006/relationships" xmlns:p="http://schemas.openxmlformats.org/presentationml/2006/main">
   <p:cSld>
     <p:spTree>
@@ -16466,7 +17415,7 @@
             <a:fld id="{2109AC4C-C6B9-4211-8A17-43C623583010}" type="slidenum">
               <a:rPr lang="zh-CN" altLang="en-US" smtClean="0"/>
               <a:pPr/>
-              <a:t>59</a:t>
+              <a:t>63</a:t>
             </a:fld>
             <a:endParaRPr lang="zh-CN" altLang="en-US" dirty="0"/>
           </a:p>
@@ -16506,264 +17455,6 @@
     <p:extLst>
       <p:ext uri="{BB962C8B-B14F-4D97-AF65-F5344CB8AC3E}">
         <p14:creationId xmlns:p14="http://schemas.microsoft.com/office/powerpoint/2010/main" val="31249730"/>
-      </p:ext>
-    </p:extLst>
-  </p:cSld>
-  <p:clrMapOvr>
-    <a:masterClrMapping/>
-  </p:clrMapOvr>
-</p:sld>
-</file>
-
-<file path=ppt/slides/slide6.xml><?xml version="1.0" encoding="utf-8"?>
-<p:sld xmlns:a="http://schemas.openxmlformats.org/drawingml/2006/main" xmlns:r="http://schemas.openxmlformats.org/officeDocument/2006/relationships" xmlns:p="http://schemas.openxmlformats.org/presentationml/2006/main">
-  <p:cSld>
-    <p:spTree>
-      <p:nvGrpSpPr>
-        <p:cNvPr id="1" name=""/>
-        <p:cNvGrpSpPr/>
-        <p:nvPr/>
-      </p:nvGrpSpPr>
-      <p:grpSpPr>
-        <a:xfrm>
-          <a:off x="0" y="0"/>
-          <a:ext cx="0" cy="0"/>
-          <a:chOff x="0" y="0"/>
-          <a:chExt cx="0" cy="0"/>
-        </a:xfrm>
-      </p:grpSpPr>
-      <p:sp>
-        <p:nvSpPr>
-          <p:cNvPr id="2" name="标题 1">
-            <a:extLst>
-              <a:ext uri="{FF2B5EF4-FFF2-40B4-BE49-F238E27FC236}">
-                <a16:creationId xmlns:a16="http://schemas.microsoft.com/office/drawing/2014/main" id="{61E1567D-FAF4-2056-B062-F4D555FC0DA3}"/>
-              </a:ext>
-            </a:extLst>
-          </p:cNvPr>
-          <p:cNvSpPr>
-            <a:spLocks noGrp="1"/>
-          </p:cNvSpPr>
-          <p:nvPr>
-            <p:ph type="title"/>
-          </p:nvPr>
-        </p:nvSpPr>
-        <p:spPr/>
-        <p:txBody>
-          <a:bodyPr/>
-          <a:lstStyle/>
-          <a:p>
-            <a:r>
-              <a:rPr lang="zh-CN" altLang="en-US" dirty="0"/>
-              <a:t>虚拟化内存的目标</a:t>
-            </a:r>
-          </a:p>
-        </p:txBody>
-      </p:sp>
-      <p:sp>
-        <p:nvSpPr>
-          <p:cNvPr id="3" name="内容占位符 2">
-            <a:extLst>
-              <a:ext uri="{FF2B5EF4-FFF2-40B4-BE49-F238E27FC236}">
-                <a16:creationId xmlns:a16="http://schemas.microsoft.com/office/drawing/2014/main" id="{28038E6B-DB82-2928-1BBA-97266BD25789}"/>
-              </a:ext>
-            </a:extLst>
-          </p:cNvPr>
-          <p:cNvSpPr>
-            <a:spLocks noGrp="1"/>
-          </p:cNvSpPr>
-          <p:nvPr>
-            <p:ph idx="1"/>
-          </p:nvPr>
-        </p:nvSpPr>
-        <p:spPr/>
-        <p:txBody>
-          <a:bodyPr/>
-          <a:lstStyle/>
-          <a:p>
-            <a:r>
-              <a:rPr lang="zh-CN" altLang="en-US" dirty="0"/>
-              <a:t>透明</a:t>
-            </a:r>
-            <a:r>
-              <a:rPr lang="en-US" altLang="zh-CN" dirty="0"/>
-              <a:t>(transparency)</a:t>
-            </a:r>
-          </a:p>
-          <a:p>
-            <a:pPr lvl="1"/>
-            <a:r>
-              <a:rPr lang="en-US" altLang="zh-CN" dirty="0"/>
-              <a:t>OS</a:t>
-            </a:r>
-            <a:r>
-              <a:rPr lang="zh-CN" altLang="en-US" dirty="0"/>
-              <a:t>实现的内存虚拟化的方式，应该让进程看不到</a:t>
-            </a:r>
-            <a:endParaRPr lang="en-US" altLang="zh-CN" dirty="0"/>
-          </a:p>
-          <a:p>
-            <a:pPr lvl="1"/>
-            <a:r>
-              <a:rPr lang="en-US" altLang="zh-CN" dirty="0"/>
-              <a:t>OS</a:t>
-            </a:r>
-            <a:r>
-              <a:rPr lang="zh-CN" altLang="en-US" dirty="0"/>
-              <a:t>和硬件完成了虚拟化工作，给进程独享内存的假象</a:t>
-            </a:r>
-            <a:r>
-              <a:rPr lang="en-US" altLang="zh-CN" dirty="0"/>
-              <a:t>(illusion)</a:t>
-            </a:r>
-          </a:p>
-          <a:p>
-            <a:r>
-              <a:rPr lang="zh-CN" altLang="en-US" dirty="0"/>
-              <a:t>效率</a:t>
-            </a:r>
-            <a:r>
-              <a:rPr lang="en-US" altLang="zh-CN" dirty="0"/>
-              <a:t>(efficiency)</a:t>
-            </a:r>
-          </a:p>
-          <a:p>
-            <a:pPr lvl="1"/>
-            <a:r>
-              <a:rPr lang="en-US" altLang="zh-CN" dirty="0"/>
-              <a:t>OS</a:t>
-            </a:r>
-            <a:r>
-              <a:rPr lang="zh-CN" altLang="en-US" dirty="0"/>
-              <a:t>实现虚拟化内存的方式要尽可能高效</a:t>
-            </a:r>
-            <a:r>
-              <a:rPr lang="en-US" altLang="zh-CN" dirty="0"/>
-              <a:t>(TLB)</a:t>
-            </a:r>
-          </a:p>
-          <a:p>
-            <a:pPr lvl="1"/>
-            <a:r>
-              <a:rPr lang="zh-CN" altLang="en-US" dirty="0"/>
-              <a:t>时间上：不会使程序运行得更慢</a:t>
-            </a:r>
-            <a:endParaRPr lang="en-US" altLang="zh-CN" dirty="0"/>
-          </a:p>
-          <a:p>
-            <a:pPr lvl="1"/>
-            <a:r>
-              <a:rPr lang="zh-CN" altLang="en-US" dirty="0"/>
-              <a:t>空间上：不要占用太多额外的内存空间</a:t>
-            </a:r>
-            <a:endParaRPr lang="en-US" altLang="zh-CN" dirty="0"/>
-          </a:p>
-          <a:p>
-            <a:r>
-              <a:rPr lang="zh-CN" altLang="en-US" dirty="0"/>
-              <a:t>保护</a:t>
-            </a:r>
-            <a:endParaRPr lang="en-US" altLang="zh-CN" dirty="0"/>
-          </a:p>
-          <a:p>
-            <a:pPr lvl="1"/>
-            <a:r>
-              <a:rPr lang="en-US" altLang="zh-CN" dirty="0"/>
-              <a:t>OS</a:t>
-            </a:r>
-            <a:r>
-              <a:rPr lang="zh-CN" altLang="en-US" dirty="0"/>
-              <a:t>要确保进程</a:t>
-            </a:r>
-            <a:r>
-              <a:rPr lang="en-US" altLang="zh-CN" dirty="0"/>
-              <a:t>(</a:t>
-            </a:r>
-            <a:r>
-              <a:rPr lang="zh-CN" altLang="en-US" dirty="0"/>
-              <a:t>包括内核</a:t>
-            </a:r>
-            <a:r>
-              <a:rPr lang="en-US" altLang="zh-CN" dirty="0"/>
-              <a:t>)</a:t>
-            </a:r>
-            <a:r>
-              <a:rPr lang="zh-CN" altLang="en-US" dirty="0"/>
-              <a:t>不会受到其他进程的影响</a:t>
-            </a:r>
-            <a:endParaRPr lang="en-US" altLang="zh-CN" dirty="0"/>
-          </a:p>
-          <a:p>
-            <a:pPr lvl="1"/>
-            <a:r>
-              <a:rPr lang="zh-CN" altLang="en-US" dirty="0"/>
-              <a:t>用户进程之间、用户进程和</a:t>
-            </a:r>
-            <a:r>
-              <a:rPr lang="en-US" altLang="zh-CN" dirty="0"/>
-              <a:t>OS</a:t>
-            </a:r>
-            <a:r>
-              <a:rPr lang="zh-CN" altLang="en-US" dirty="0"/>
-              <a:t>内核之间提供保护</a:t>
-            </a:r>
-            <a:r>
-              <a:rPr lang="en-US" altLang="zh-CN" dirty="0"/>
-              <a:t>(</a:t>
-            </a:r>
-            <a:r>
-              <a:rPr lang="zh-CN" altLang="en-US" dirty="0"/>
-              <a:t>通过隔离</a:t>
-            </a:r>
-            <a:r>
-              <a:rPr lang="en-US" altLang="zh-CN" dirty="0"/>
-              <a:t>isolation)</a:t>
-            </a:r>
-          </a:p>
-          <a:p>
-            <a:pPr lvl="1"/>
-            <a:endParaRPr lang="zh-CN" altLang="en-US" dirty="0"/>
-          </a:p>
-        </p:txBody>
-      </p:sp>
-      <p:sp>
-        <p:nvSpPr>
-          <p:cNvPr id="4" name="灯片编号占位符 3">
-            <a:extLst>
-              <a:ext uri="{FF2B5EF4-FFF2-40B4-BE49-F238E27FC236}">
-                <a16:creationId xmlns:a16="http://schemas.microsoft.com/office/drawing/2014/main" id="{B62C44E6-4BF0-EBDE-F6C9-20072D37A19C}"/>
-              </a:ext>
-            </a:extLst>
-          </p:cNvPr>
-          <p:cNvSpPr>
-            <a:spLocks noGrp="1"/>
-          </p:cNvSpPr>
-          <p:nvPr>
-            <p:ph type="sldNum" sz="quarter" idx="12"/>
-          </p:nvPr>
-        </p:nvSpPr>
-        <p:spPr/>
-        <p:txBody>
-          <a:bodyPr/>
-          <a:lstStyle/>
-          <a:p>
-            <a:r>
-              <a:rPr lang="zh-CN" altLang="en-US"/>
-              <a:t>计算机操作系统                     </a:t>
-            </a:r>
-            <a:fld id="{2109AC4C-C6B9-4211-8A17-43C623583010}" type="slidenum">
-              <a:rPr lang="zh-CN" altLang="en-US" smtClean="0"/>
-              <a:pPr/>
-              <a:t>6</a:t>
-            </a:fld>
-            <a:endParaRPr lang="zh-CN" altLang="en-US" dirty="0"/>
-          </a:p>
-        </p:txBody>
-      </p:sp>
-    </p:spTree>
-    <p:extLst>
-      <p:ext uri="{BB962C8B-B14F-4D97-AF65-F5344CB8AC3E}">
-        <p14:creationId xmlns:p14="http://schemas.microsoft.com/office/powerpoint/2010/main" val="2601170561"/>
       </p:ext>
     </p:extLst>
   </p:cSld>

--- a/ppt/4_内存管理_分段.pptx
+++ b/ppt/4_内存管理_分段.pptx
@@ -277,7 +277,7 @@
           <a:p>
             <a:fld id="{25239B2F-0F50-4DD2-AFF0-5AD65435FA39}" type="datetimeFigureOut">
               <a:rPr lang="zh-CN" altLang="en-US" smtClean="0"/>
-              <a:t>2025/04/02</a:t>
+              <a:t>2025/04/15</a:t>
             </a:fld>
             <a:endParaRPr lang="zh-CN" altLang="en-US"/>
           </a:p>
@@ -455,7 +455,7 @@
           <a:p>
             <a:fld id="{F3F10C42-C15F-4A21-90B7-1EA21CFD4452}" type="datetimeFigureOut">
               <a:rPr lang="zh-CN" altLang="en-US" smtClean="0"/>
-              <a:t>2025/04/02</a:t>
+              <a:t>2025/04/15</a:t>
             </a:fld>
             <a:endParaRPr lang="zh-CN" altLang="en-US"/>
           </a:p>
@@ -1054,7 +1054,7 @@
           <a:p>
             <a:fld id="{AE214366-5FB2-49C3-BB65-B979D2FAD098}" type="datetime1">
               <a:rPr lang="zh-CN" altLang="en-US" smtClean="0"/>
-              <a:t>2025/04/02</a:t>
+              <a:t>2025/04/15</a:t>
             </a:fld>
             <a:endParaRPr lang="zh-CN" altLang="en-US"/>
           </a:p>
@@ -1262,7 +1262,7 @@
           <a:p>
             <a:fld id="{04BC6C44-F673-46E9-8025-7385D4D32FDE}" type="datetime1">
               <a:rPr lang="zh-CN" altLang="en-US" smtClean="0"/>
-              <a:t>2025/04/02</a:t>
+              <a:t>2025/04/15</a:t>
             </a:fld>
             <a:endParaRPr lang="zh-CN" altLang="en-US"/>
           </a:p>
@@ -1806,7 +1806,7 @@
           <a:p>
             <a:fld id="{2B70573D-5408-47A7-B81F-E30CA5085A27}" type="datetime1">
               <a:rPr lang="zh-CN" altLang="en-US" smtClean="0"/>
-              <a:t>2025/04/02</a:t>
+              <a:t>2025/04/15</a:t>
             </a:fld>
             <a:endParaRPr lang="zh-CN" altLang="en-US"/>
           </a:p>
@@ -2071,7 +2071,7 @@
           <a:p>
             <a:fld id="{62468019-71FB-4D17-9B3C-F6A5314A34D2}" type="datetime1">
               <a:rPr lang="zh-CN" altLang="en-US" smtClean="0"/>
-              <a:t>2025/04/02</a:t>
+              <a:t>2025/04/15</a:t>
             </a:fld>
             <a:endParaRPr lang="zh-CN" altLang="en-US"/>
           </a:p>
@@ -2483,7 +2483,7 @@
           <a:p>
             <a:fld id="{4AB419BE-49FF-45D0-B257-7BC605413B3A}" type="datetime1">
               <a:rPr lang="zh-CN" altLang="en-US" smtClean="0"/>
-              <a:t>2025/04/02</a:t>
+              <a:t>2025/04/15</a:t>
             </a:fld>
             <a:endParaRPr lang="zh-CN" altLang="en-US"/>
           </a:p>
@@ -2624,7 +2624,7 @@
           <a:p>
             <a:fld id="{6319E9FC-0AA5-46B6-8E94-55EADC6DCFFF}" type="datetime1">
               <a:rPr lang="zh-CN" altLang="en-US" smtClean="0"/>
-              <a:t>2025/04/02</a:t>
+              <a:t>2025/04/15</a:t>
             </a:fld>
             <a:endParaRPr lang="zh-CN" altLang="en-US"/>
           </a:p>
@@ -2737,7 +2737,7 @@
           <a:p>
             <a:fld id="{FCFA6577-5736-496A-8F6D-C0BE13E9BEE0}" type="datetime1">
               <a:rPr lang="zh-CN" altLang="en-US" smtClean="0"/>
-              <a:t>2025/04/02</a:t>
+              <a:t>2025/04/15</a:t>
             </a:fld>
             <a:endParaRPr lang="zh-CN" altLang="en-US"/>
           </a:p>
@@ -3048,7 +3048,7 @@
           <a:p>
             <a:fld id="{10D62EDE-3CF3-4C9B-9666-764136C001DF}" type="datetime1">
               <a:rPr lang="zh-CN" altLang="en-US" smtClean="0"/>
-              <a:t>2025/04/02</a:t>
+              <a:t>2025/04/15</a:t>
             </a:fld>
             <a:endParaRPr lang="zh-CN" altLang="en-US"/>
           </a:p>
@@ -3336,7 +3336,7 @@
           <a:p>
             <a:fld id="{E31DF0E5-AB3E-4E91-8924-10EB10A38894}" type="datetime1">
               <a:rPr lang="zh-CN" altLang="en-US" smtClean="0"/>
-              <a:t>2025/04/02</a:t>
+              <a:t>2025/04/15</a:t>
             </a:fld>
             <a:endParaRPr lang="zh-CN" altLang="en-US"/>
           </a:p>
@@ -3577,7 +3577,7 @@
           <a:p>
             <a:fld id="{2E8DB3C8-7D21-4109-A2E4-E02A745546D7}" type="datetime1">
               <a:rPr lang="zh-CN" altLang="en-US" smtClean="0"/>
-              <a:t>2025/04/02</a:t>
+              <a:t>2025/04/15</a:t>
             </a:fld>
             <a:endParaRPr lang="zh-CN" altLang="en-US"/>
           </a:p>
@@ -13045,7 +13045,15 @@
             </a:r>
             <a:r>
               <a:rPr lang="en-US" altLang="zh-CN" dirty="0"/>
-              <a:t>2</a:t>
+              <a:t>2(</a:t>
+            </a:r>
+            <a:r>
+              <a:rPr lang="zh-CN" altLang="en-US"/>
+              <a:t>辅助解决</a:t>
+            </a:r>
+            <a:r>
+              <a:rPr lang="en-US" altLang="zh-CN"/>
+              <a:t>)</a:t>
             </a:r>
             <a:r>
               <a:rPr lang="zh-CN" altLang="en-US" dirty="0"/>

--- a/ppt/4_内存管理_分段.pptx
+++ b/ppt/4_内存管理_分段.pptx
@@ -277,7 +277,7 @@
           <a:p>
             <a:fld id="{25239B2F-0F50-4DD2-AFF0-5AD65435FA39}" type="datetimeFigureOut">
               <a:rPr lang="zh-CN" altLang="en-US" smtClean="0"/>
-              <a:t>2025/04/02</a:t>
+              <a:t>2025/04/09</a:t>
             </a:fld>
             <a:endParaRPr lang="zh-CN" altLang="en-US"/>
           </a:p>
@@ -455,7 +455,7 @@
           <a:p>
             <a:fld id="{F3F10C42-C15F-4A21-90B7-1EA21CFD4452}" type="datetimeFigureOut">
               <a:rPr lang="zh-CN" altLang="en-US" smtClean="0"/>
-              <a:t>2025/04/02</a:t>
+              <a:t>2025/04/09</a:t>
             </a:fld>
             <a:endParaRPr lang="zh-CN" altLang="en-US"/>
           </a:p>
@@ -1054,7 +1054,7 @@
           <a:p>
             <a:fld id="{AE214366-5FB2-49C3-BB65-B979D2FAD098}" type="datetime1">
               <a:rPr lang="zh-CN" altLang="en-US" smtClean="0"/>
-              <a:t>2025/04/02</a:t>
+              <a:t>2025/04/09</a:t>
             </a:fld>
             <a:endParaRPr lang="zh-CN" altLang="en-US"/>
           </a:p>
@@ -1262,7 +1262,7 @@
           <a:p>
             <a:fld id="{04BC6C44-F673-46E9-8025-7385D4D32FDE}" type="datetime1">
               <a:rPr lang="zh-CN" altLang="en-US" smtClean="0"/>
-              <a:t>2025/04/02</a:t>
+              <a:t>2025/04/09</a:t>
             </a:fld>
             <a:endParaRPr lang="zh-CN" altLang="en-US"/>
           </a:p>
@@ -1806,7 +1806,7 @@
           <a:p>
             <a:fld id="{2B70573D-5408-47A7-B81F-E30CA5085A27}" type="datetime1">
               <a:rPr lang="zh-CN" altLang="en-US" smtClean="0"/>
-              <a:t>2025/04/02</a:t>
+              <a:t>2025/04/09</a:t>
             </a:fld>
             <a:endParaRPr lang="zh-CN" altLang="en-US"/>
           </a:p>
@@ -2071,7 +2071,7 @@
           <a:p>
             <a:fld id="{62468019-71FB-4D17-9B3C-F6A5314A34D2}" type="datetime1">
               <a:rPr lang="zh-CN" altLang="en-US" smtClean="0"/>
-              <a:t>2025/04/02</a:t>
+              <a:t>2025/04/09</a:t>
             </a:fld>
             <a:endParaRPr lang="zh-CN" altLang="en-US"/>
           </a:p>
@@ -2483,7 +2483,7 @@
           <a:p>
             <a:fld id="{4AB419BE-49FF-45D0-B257-7BC605413B3A}" type="datetime1">
               <a:rPr lang="zh-CN" altLang="en-US" smtClean="0"/>
-              <a:t>2025/04/02</a:t>
+              <a:t>2025/04/09</a:t>
             </a:fld>
             <a:endParaRPr lang="zh-CN" altLang="en-US"/>
           </a:p>
@@ -2624,7 +2624,7 @@
           <a:p>
             <a:fld id="{6319E9FC-0AA5-46B6-8E94-55EADC6DCFFF}" type="datetime1">
               <a:rPr lang="zh-CN" altLang="en-US" smtClean="0"/>
-              <a:t>2025/04/02</a:t>
+              <a:t>2025/04/09</a:t>
             </a:fld>
             <a:endParaRPr lang="zh-CN" altLang="en-US"/>
           </a:p>
@@ -2737,7 +2737,7 @@
           <a:p>
             <a:fld id="{FCFA6577-5736-496A-8F6D-C0BE13E9BEE0}" type="datetime1">
               <a:rPr lang="zh-CN" altLang="en-US" smtClean="0"/>
-              <a:t>2025/04/02</a:t>
+              <a:t>2025/04/09</a:t>
             </a:fld>
             <a:endParaRPr lang="zh-CN" altLang="en-US"/>
           </a:p>
@@ -3048,7 +3048,7 @@
           <a:p>
             <a:fld id="{10D62EDE-3CF3-4C9B-9666-764136C001DF}" type="datetime1">
               <a:rPr lang="zh-CN" altLang="en-US" smtClean="0"/>
-              <a:t>2025/04/02</a:t>
+              <a:t>2025/04/09</a:t>
             </a:fld>
             <a:endParaRPr lang="zh-CN" altLang="en-US"/>
           </a:p>
@@ -3336,7 +3336,7 @@
           <a:p>
             <a:fld id="{E31DF0E5-AB3E-4E91-8924-10EB10A38894}" type="datetime1">
               <a:rPr lang="zh-CN" altLang="en-US" smtClean="0"/>
-              <a:t>2025/04/02</a:t>
+              <a:t>2025/04/09</a:t>
             </a:fld>
             <a:endParaRPr lang="zh-CN" altLang="en-US"/>
           </a:p>
@@ -3577,7 +3577,7 @@
           <a:p>
             <a:fld id="{2E8DB3C8-7D21-4109-A2E4-E02A745546D7}" type="datetime1">
               <a:rPr lang="zh-CN" altLang="en-US" smtClean="0"/>
-              <a:t>2025/04/02</a:t>
+              <a:t>2025/04/09</a:t>
             </a:fld>
             <a:endParaRPr lang="zh-CN" altLang="en-US"/>
           </a:p>
@@ -11565,6 +11565,356 @@
           </a:prstGeom>
         </p:spPr>
       </p:pic>
+      <p:sp>
+        <p:nvSpPr>
+          <p:cNvPr id="5" name="文本框 4">
+            <a:extLst>
+              <a:ext uri="{FF2B5EF4-FFF2-40B4-BE49-F238E27FC236}">
+                <a16:creationId xmlns:a16="http://schemas.microsoft.com/office/drawing/2014/main" id="{74AD0330-E38F-666B-4D58-65C11B09457A}"/>
+              </a:ext>
+            </a:extLst>
+          </p:cNvPr>
+          <p:cNvSpPr txBox="1"/>
+          <p:nvPr/>
+        </p:nvSpPr>
+        <p:spPr>
+          <a:xfrm>
+            <a:off x="2139192" y="4575325"/>
+            <a:ext cx="1890261" cy="369332"/>
+          </a:xfrm>
+          <a:prstGeom prst="rect">
+            <a:avLst/>
+          </a:prstGeom>
+          <a:noFill/>
+        </p:spPr>
+        <p:txBody>
+          <a:bodyPr wrap="none" rtlCol="0">
+            <a:spAutoFit/>
+          </a:bodyPr>
+          <a:lstStyle/>
+          <a:p>
+            <a:r>
+              <a:rPr lang="en-US" altLang="zh-CN" dirty="0"/>
+              <a:t>01000001101000</a:t>
+            </a:r>
+            <a:endParaRPr lang="zh-CN" altLang="en-US" dirty="0"/>
+          </a:p>
+        </p:txBody>
+      </p:sp>
+      <p:sp>
+        <p:nvSpPr>
+          <p:cNvPr id="7" name="文本框 6">
+            <a:extLst>
+              <a:ext uri="{FF2B5EF4-FFF2-40B4-BE49-F238E27FC236}">
+                <a16:creationId xmlns:a16="http://schemas.microsoft.com/office/drawing/2014/main" id="{A8C45AAE-B2F3-D0E8-8A88-0D3A69D9EA4B}"/>
+              </a:ext>
+            </a:extLst>
+          </p:cNvPr>
+          <p:cNvSpPr txBox="1"/>
+          <p:nvPr/>
+        </p:nvSpPr>
+        <p:spPr>
+          <a:xfrm>
+            <a:off x="553024" y="4575325"/>
+            <a:ext cx="1622560" cy="369332"/>
+          </a:xfrm>
+          <a:prstGeom prst="rect">
+            <a:avLst/>
+          </a:prstGeom>
+          <a:noFill/>
+        </p:spPr>
+        <p:txBody>
+          <a:bodyPr wrap="none" rtlCol="0">
+            <a:spAutoFit/>
+          </a:bodyPr>
+          <a:lstStyle/>
+          <a:p>
+            <a:r>
+              <a:rPr lang="en-US" altLang="zh-CN" dirty="0" err="1"/>
+              <a:t>VirtualAddress</a:t>
+            </a:r>
+            <a:endParaRPr lang="zh-CN" altLang="en-US" dirty="0"/>
+          </a:p>
+        </p:txBody>
+      </p:sp>
+      <p:sp>
+        <p:nvSpPr>
+          <p:cNvPr id="8" name="文本框 7">
+            <a:extLst>
+              <a:ext uri="{FF2B5EF4-FFF2-40B4-BE49-F238E27FC236}">
+                <a16:creationId xmlns:a16="http://schemas.microsoft.com/office/drawing/2014/main" id="{01D128FE-6185-CF27-42B3-3BEBD358775F}"/>
+              </a:ext>
+            </a:extLst>
+          </p:cNvPr>
+          <p:cNvSpPr txBox="1"/>
+          <p:nvPr/>
+        </p:nvSpPr>
+        <p:spPr>
+          <a:xfrm>
+            <a:off x="553024" y="5205536"/>
+            <a:ext cx="1265090" cy="369332"/>
+          </a:xfrm>
+          <a:prstGeom prst="rect">
+            <a:avLst/>
+          </a:prstGeom>
+          <a:noFill/>
+        </p:spPr>
+        <p:txBody>
+          <a:bodyPr wrap="none" rtlCol="0">
+            <a:spAutoFit/>
+          </a:bodyPr>
+          <a:lstStyle/>
+          <a:p>
+            <a:r>
+              <a:rPr lang="en-US" altLang="zh-CN" dirty="0"/>
+              <a:t>SEG_MASK</a:t>
+            </a:r>
+            <a:endParaRPr lang="zh-CN" altLang="en-US" dirty="0"/>
+          </a:p>
+        </p:txBody>
+      </p:sp>
+      <p:sp>
+        <p:nvSpPr>
+          <p:cNvPr id="9" name="文本框 8">
+            <a:extLst>
+              <a:ext uri="{FF2B5EF4-FFF2-40B4-BE49-F238E27FC236}">
+                <a16:creationId xmlns:a16="http://schemas.microsoft.com/office/drawing/2014/main" id="{AEE54D53-08A6-0439-A6EB-920E0DAD1240}"/>
+              </a:ext>
+            </a:extLst>
+          </p:cNvPr>
+          <p:cNvSpPr txBox="1"/>
+          <p:nvPr/>
+        </p:nvSpPr>
+        <p:spPr>
+          <a:xfrm>
+            <a:off x="2133540" y="5252162"/>
+            <a:ext cx="1890261" cy="369332"/>
+          </a:xfrm>
+          <a:prstGeom prst="rect">
+            <a:avLst/>
+          </a:prstGeom>
+          <a:noFill/>
+        </p:spPr>
+        <p:txBody>
+          <a:bodyPr wrap="none" rtlCol="0">
+            <a:spAutoFit/>
+          </a:bodyPr>
+          <a:lstStyle/>
+          <a:p>
+            <a:r>
+              <a:rPr lang="en-US" altLang="zh-CN" dirty="0"/>
+              <a:t>11000000000000</a:t>
+            </a:r>
+            <a:endParaRPr lang="zh-CN" altLang="en-US" dirty="0"/>
+          </a:p>
+        </p:txBody>
+      </p:sp>
+      <p:sp>
+        <p:nvSpPr>
+          <p:cNvPr id="10" name="文本框 9">
+            <a:extLst>
+              <a:ext uri="{FF2B5EF4-FFF2-40B4-BE49-F238E27FC236}">
+                <a16:creationId xmlns:a16="http://schemas.microsoft.com/office/drawing/2014/main" id="{B65338D5-A6E7-EF35-C589-7BFFB735774F}"/>
+              </a:ext>
+            </a:extLst>
+          </p:cNvPr>
+          <p:cNvSpPr txBox="1"/>
+          <p:nvPr/>
+        </p:nvSpPr>
+        <p:spPr>
+          <a:xfrm>
+            <a:off x="4169665" y="4893255"/>
+            <a:ext cx="1890261" cy="369332"/>
+          </a:xfrm>
+          <a:prstGeom prst="rect">
+            <a:avLst/>
+          </a:prstGeom>
+          <a:noFill/>
+        </p:spPr>
+        <p:txBody>
+          <a:bodyPr wrap="none" rtlCol="0">
+            <a:spAutoFit/>
+          </a:bodyPr>
+          <a:lstStyle/>
+          <a:p>
+            <a:r>
+              <a:rPr lang="en-US" altLang="zh-CN" dirty="0">
+                <a:solidFill>
+                  <a:srgbClr val="FF0000"/>
+                </a:solidFill>
+              </a:rPr>
+              <a:t>01</a:t>
+            </a:r>
+            <a:r>
+              <a:rPr lang="en-US" altLang="zh-CN" dirty="0"/>
+              <a:t>000000000000</a:t>
+            </a:r>
+            <a:endParaRPr lang="zh-CN" altLang="en-US" dirty="0"/>
+          </a:p>
+        </p:txBody>
+      </p:sp>
+      <p:sp>
+        <p:nvSpPr>
+          <p:cNvPr id="11" name="文本框 10">
+            <a:extLst>
+              <a:ext uri="{FF2B5EF4-FFF2-40B4-BE49-F238E27FC236}">
+                <a16:creationId xmlns:a16="http://schemas.microsoft.com/office/drawing/2014/main" id="{E64D78EC-AA16-5344-6205-E57285CC7E64}"/>
+              </a:ext>
+            </a:extLst>
+          </p:cNvPr>
+          <p:cNvSpPr txBox="1"/>
+          <p:nvPr/>
+        </p:nvSpPr>
+        <p:spPr>
+          <a:xfrm>
+            <a:off x="2865778" y="4893255"/>
+            <a:ext cx="357790" cy="369332"/>
+          </a:xfrm>
+          <a:prstGeom prst="rect">
+            <a:avLst/>
+          </a:prstGeom>
+          <a:noFill/>
+        </p:spPr>
+        <p:txBody>
+          <a:bodyPr wrap="none" rtlCol="0">
+            <a:spAutoFit/>
+          </a:bodyPr>
+          <a:lstStyle/>
+          <a:p>
+            <a:r>
+              <a:rPr lang="en-US" altLang="zh-CN" dirty="0"/>
+              <a:t>&amp;</a:t>
+            </a:r>
+            <a:endParaRPr lang="zh-CN" altLang="en-US" dirty="0"/>
+          </a:p>
+        </p:txBody>
+      </p:sp>
+      <p:cxnSp>
+        <p:nvCxnSpPr>
+          <p:cNvPr id="13" name="直接箭头连接符 12">
+            <a:extLst>
+              <a:ext uri="{FF2B5EF4-FFF2-40B4-BE49-F238E27FC236}">
+                <a16:creationId xmlns:a16="http://schemas.microsoft.com/office/drawing/2014/main" id="{42D50C44-D68A-4E5E-C19D-0A8C34D3B31D}"/>
+              </a:ext>
+            </a:extLst>
+          </p:cNvPr>
+          <p:cNvCxnSpPr>
+            <a:stCxn id="11" idx="3"/>
+            <a:endCxn id="10" idx="1"/>
+          </p:cNvCxnSpPr>
+          <p:nvPr/>
+        </p:nvCxnSpPr>
+        <p:spPr>
+          <a:xfrm>
+            <a:off x="3223568" y="5077921"/>
+            <a:ext cx="946097" cy="0"/>
+          </a:xfrm>
+          <a:prstGeom prst="straightConnector1">
+            <a:avLst/>
+          </a:prstGeom>
+          <a:ln>
+            <a:tailEnd type="triangle"/>
+          </a:ln>
+        </p:spPr>
+        <p:style>
+          <a:lnRef idx="1">
+            <a:schemeClr val="accent1"/>
+          </a:lnRef>
+          <a:fillRef idx="0">
+            <a:schemeClr val="accent1"/>
+          </a:fillRef>
+          <a:effectRef idx="0">
+            <a:schemeClr val="accent1"/>
+          </a:effectRef>
+          <a:fontRef idx="minor">
+            <a:schemeClr val="tx1"/>
+          </a:fontRef>
+        </p:style>
+      </p:cxnSp>
+      <p:sp>
+        <p:nvSpPr>
+          <p:cNvPr id="15" name="文本框 14">
+            <a:extLst>
+              <a:ext uri="{FF2B5EF4-FFF2-40B4-BE49-F238E27FC236}">
+                <a16:creationId xmlns:a16="http://schemas.microsoft.com/office/drawing/2014/main" id="{792A3090-F862-9963-7CA3-E8B4E1686F1B}"/>
+              </a:ext>
+            </a:extLst>
+          </p:cNvPr>
+          <p:cNvSpPr txBox="1"/>
+          <p:nvPr/>
+        </p:nvSpPr>
+        <p:spPr>
+          <a:xfrm>
+            <a:off x="6385757" y="4893255"/>
+            <a:ext cx="1890261" cy="369332"/>
+          </a:xfrm>
+          <a:prstGeom prst="rect">
+            <a:avLst/>
+          </a:prstGeom>
+          <a:noFill/>
+        </p:spPr>
+        <p:txBody>
+          <a:bodyPr wrap="none" rtlCol="0">
+            <a:spAutoFit/>
+          </a:bodyPr>
+          <a:lstStyle/>
+          <a:p>
+            <a:r>
+              <a:rPr lang="en-US" altLang="zh-CN" dirty="0"/>
+              <a:t>000000000000</a:t>
+            </a:r>
+            <a:r>
+              <a:rPr lang="en-US" altLang="zh-CN" dirty="0">
+                <a:solidFill>
+                  <a:srgbClr val="FF0000"/>
+                </a:solidFill>
+              </a:rPr>
+              <a:t>01</a:t>
+            </a:r>
+            <a:endParaRPr lang="zh-CN" altLang="en-US" dirty="0">
+              <a:solidFill>
+                <a:srgbClr val="FF0000"/>
+              </a:solidFill>
+            </a:endParaRPr>
+          </a:p>
+        </p:txBody>
+      </p:sp>
+      <p:sp>
+        <p:nvSpPr>
+          <p:cNvPr id="16" name="文本框 15">
+            <a:extLst>
+              <a:ext uri="{FF2B5EF4-FFF2-40B4-BE49-F238E27FC236}">
+                <a16:creationId xmlns:a16="http://schemas.microsoft.com/office/drawing/2014/main" id="{7123298E-B4D6-D506-53CF-400D3791E65E}"/>
+              </a:ext>
+            </a:extLst>
+          </p:cNvPr>
+          <p:cNvSpPr txBox="1"/>
+          <p:nvPr/>
+        </p:nvSpPr>
+        <p:spPr>
+          <a:xfrm>
+            <a:off x="6021243" y="4871859"/>
+            <a:ext cx="492443" cy="369332"/>
+          </a:xfrm>
+          <a:prstGeom prst="rect">
+            <a:avLst/>
+          </a:prstGeom>
+          <a:noFill/>
+        </p:spPr>
+        <p:txBody>
+          <a:bodyPr wrap="none" rtlCol="0">
+            <a:spAutoFit/>
+          </a:bodyPr>
+          <a:lstStyle/>
+          <a:p>
+            <a:r>
+              <a:rPr lang="en-US" altLang="zh-CN" dirty="0"/>
+              <a:t>&gt;&gt;</a:t>
+            </a:r>
+            <a:endParaRPr lang="zh-CN" altLang="en-US" dirty="0"/>
+          </a:p>
+        </p:txBody>
+      </p:sp>
     </p:spTree>
     <p:extLst>
       <p:ext uri="{BB962C8B-B14F-4D97-AF65-F5344CB8AC3E}">
